--- a/Docker/Part1/Docker_Overview.pptx
+++ b/Docker/Part1/Docker_Overview.pptx
@@ -70,7 +70,7 @@
       </p:grpSpPr>
       <p:sp>
         <p:nvSpPr>
-          <p:cNvPr id="199" name="PlaceHolder 1"/>
+          <p:cNvPr id="196" name="PlaceHolder 1"/>
           <p:cNvSpPr>
             <a:spLocks noGrp="1"/>
           </p:cNvSpPr>
@@ -107,7 +107,7 @@
       </p:sp>
       <p:sp>
         <p:nvSpPr>
-          <p:cNvPr id="200" name="PlaceHolder 2"/>
+          <p:cNvPr id="197" name="PlaceHolder 2"/>
           <p:cNvSpPr>
             <a:spLocks noGrp="1"/>
           </p:cNvSpPr>
@@ -143,7 +143,7 @@
       </p:sp>
       <p:sp>
         <p:nvSpPr>
-          <p:cNvPr id="201" name="PlaceHolder 3"/>
+          <p:cNvPr id="198" name="PlaceHolder 3"/>
           <p:cNvSpPr>
             <a:spLocks noGrp="1"/>
           </p:cNvSpPr>
@@ -179,7 +179,7 @@
       </p:sp>
       <p:sp>
         <p:nvSpPr>
-          <p:cNvPr id="202" name="PlaceHolder 4"/>
+          <p:cNvPr id="199" name="PlaceHolder 4"/>
           <p:cNvSpPr>
             <a:spLocks noGrp="1"/>
           </p:cNvSpPr>
@@ -216,7 +216,7 @@
       </p:sp>
       <p:sp>
         <p:nvSpPr>
-          <p:cNvPr id="203" name="PlaceHolder 5"/>
+          <p:cNvPr id="200" name="PlaceHolder 5"/>
           <p:cNvSpPr>
             <a:spLocks noGrp="1"/>
           </p:cNvSpPr>
@@ -252,7 +252,7 @@
       </p:sp>
       <p:sp>
         <p:nvSpPr>
-          <p:cNvPr id="204" name="PlaceHolder 6"/>
+          <p:cNvPr id="201" name="PlaceHolder 6"/>
           <p:cNvSpPr>
             <a:spLocks noGrp="1"/>
           </p:cNvSpPr>
@@ -275,7 +275,7 @@
           </a:bodyPr>
           <a:p>
             <a:pPr algn="r"/>
-            <a:fld id="{5A122E2E-A47C-42A8-87A8-93CF4173BDC0}" type="slidenum">
+            <a:fld id="{E6C38472-2834-4FDB-8673-3D81BDABBFC5}" type="slidenum">
               <a:rPr b="0" lang="en-US" sz="1400" spc="-1" strike="noStrike">
                 <a:latin typeface="Times New Roman"/>
               </a:rPr>
@@ -312,7 +312,7 @@
       </p:grpSpPr>
       <p:sp>
         <p:nvSpPr>
-          <p:cNvPr id="377" name="PlaceHolder 1"/>
+          <p:cNvPr id="374" name="PlaceHolder 1"/>
           <p:cNvSpPr>
             <a:spLocks noGrp="1"/>
           </p:cNvSpPr>
@@ -323,16 +323,16 @@
         <p:spPr>
           <a:xfrm>
             <a:off x="3029040" y="642960"/>
-            <a:ext cx="3085200" cy="1735560"/>
-          </a:xfrm>
-          <a:prstGeom prst="rect">
-            <a:avLst/>
-          </a:prstGeom>
-        </p:spPr>
-      </p:sp>
-      <p:sp>
-        <p:nvSpPr>
-          <p:cNvPr id="378" name="PlaceHolder 2"/>
+            <a:ext cx="3084840" cy="1735200"/>
+          </a:xfrm>
+          <a:prstGeom prst="rect">
+            <a:avLst/>
+          </a:prstGeom>
+        </p:spPr>
+      </p:sp>
+      <p:sp>
+        <p:nvSpPr>
+          <p:cNvPr id="375" name="PlaceHolder 2"/>
           <p:cNvSpPr>
             <a:spLocks noGrp="1"/>
           </p:cNvSpPr>
@@ -343,7 +343,7 @@
         <p:spPr>
           <a:xfrm>
             <a:off x="914400" y="2475000"/>
-            <a:ext cx="7314120" cy="2024640"/>
+            <a:ext cx="7313760" cy="2024280"/>
           </a:xfrm>
           <a:prstGeom prst="rect">
             <a:avLst/>
@@ -362,14 +362,14 @@
       </p:sp>
       <p:sp>
         <p:nvSpPr>
-          <p:cNvPr id="379" name="CustomShape 3"/>
+          <p:cNvPr id="376" name="CustomShape 3"/>
           <p:cNvSpPr/>
           <p:nvPr/>
         </p:nvSpPr>
         <p:spPr>
           <a:xfrm>
             <a:off x="5180040" y="4886280"/>
-            <a:ext cx="3961440" cy="255960"/>
+            <a:ext cx="3961080" cy="255600"/>
           </a:xfrm>
           <a:prstGeom prst="rect">
             <a:avLst/>
@@ -395,7 +395,7 @@
                 <a:spcPct val="100000"/>
               </a:lnSpc>
             </a:pPr>
-            <a:fld id="{0EFC5AA9-3D4B-462F-BFE0-E392C0276FCC}" type="slidenum">
+            <a:fld id="{7BB3241D-4AE9-4E50-AE86-41FDFD68D842}" type="slidenum">
               <a:rPr b="0" lang="es-ES" sz="1200" spc="-1" strike="noStrike">
                 <a:solidFill>
                   <a:srgbClr val="000000"/>
@@ -435,7 +435,7 @@
       </p:grpSpPr>
       <p:sp>
         <p:nvSpPr>
-          <p:cNvPr id="392" name="PlaceHolder 1"/>
+          <p:cNvPr id="389" name="PlaceHolder 1"/>
           <p:cNvSpPr>
             <a:spLocks noGrp="1"/>
           </p:cNvSpPr>
@@ -446,16 +446,16 @@
         <p:spPr>
           <a:xfrm>
             <a:off x="3029040" y="642960"/>
-            <a:ext cx="3085200" cy="1735560"/>
-          </a:xfrm>
-          <a:prstGeom prst="rect">
-            <a:avLst/>
-          </a:prstGeom>
-        </p:spPr>
-      </p:sp>
-      <p:sp>
-        <p:nvSpPr>
-          <p:cNvPr id="393" name="PlaceHolder 2"/>
+            <a:ext cx="3084840" cy="1735200"/>
+          </a:xfrm>
+          <a:prstGeom prst="rect">
+            <a:avLst/>
+          </a:prstGeom>
+        </p:spPr>
+      </p:sp>
+      <p:sp>
+        <p:nvSpPr>
+          <p:cNvPr id="390" name="PlaceHolder 2"/>
           <p:cNvSpPr>
             <a:spLocks noGrp="1"/>
           </p:cNvSpPr>
@@ -466,7 +466,7 @@
         <p:spPr>
           <a:xfrm>
             <a:off x="914400" y="2475000"/>
-            <a:ext cx="7314120" cy="2024640"/>
+            <a:ext cx="7313760" cy="2024280"/>
           </a:xfrm>
           <a:prstGeom prst="rect">
             <a:avLst/>
@@ -485,14 +485,14 @@
       </p:sp>
       <p:sp>
         <p:nvSpPr>
-          <p:cNvPr id="394" name="CustomShape 3"/>
+          <p:cNvPr id="391" name="CustomShape 3"/>
           <p:cNvSpPr/>
           <p:nvPr/>
         </p:nvSpPr>
         <p:spPr>
           <a:xfrm>
             <a:off x="5180040" y="4886280"/>
-            <a:ext cx="3961440" cy="255960"/>
+            <a:ext cx="3961080" cy="255600"/>
           </a:xfrm>
           <a:prstGeom prst="rect">
             <a:avLst/>
@@ -518,7 +518,7 @@
                 <a:spcPct val="100000"/>
               </a:lnSpc>
             </a:pPr>
-            <a:fld id="{0310D6BD-A8AB-4828-BF8D-347A7296CC9C}" type="slidenum">
+            <a:fld id="{A96E96F6-8D39-49C3-9EF3-9557472C924D}" type="slidenum">
               <a:rPr b="0" lang="es-ES" sz="1200" spc="-1" strike="noStrike">
                 <a:solidFill>
                   <a:srgbClr val="000000"/>
@@ -558,7 +558,7 @@
       </p:grpSpPr>
       <p:sp>
         <p:nvSpPr>
-          <p:cNvPr id="395" name="PlaceHolder 1"/>
+          <p:cNvPr id="392" name="PlaceHolder 1"/>
           <p:cNvSpPr>
             <a:spLocks noGrp="1"/>
           </p:cNvSpPr>
@@ -569,16 +569,16 @@
         <p:spPr>
           <a:xfrm>
             <a:off x="3029040" y="642960"/>
-            <a:ext cx="3085200" cy="1735560"/>
-          </a:xfrm>
-          <a:prstGeom prst="rect">
-            <a:avLst/>
-          </a:prstGeom>
-        </p:spPr>
-      </p:sp>
-      <p:sp>
-        <p:nvSpPr>
-          <p:cNvPr id="396" name="PlaceHolder 2"/>
+            <a:ext cx="3084840" cy="1735200"/>
+          </a:xfrm>
+          <a:prstGeom prst="rect">
+            <a:avLst/>
+          </a:prstGeom>
+        </p:spPr>
+      </p:sp>
+      <p:sp>
+        <p:nvSpPr>
+          <p:cNvPr id="393" name="PlaceHolder 2"/>
           <p:cNvSpPr>
             <a:spLocks noGrp="1"/>
           </p:cNvSpPr>
@@ -589,7 +589,7 @@
         <p:spPr>
           <a:xfrm>
             <a:off x="914400" y="2475000"/>
-            <a:ext cx="7314120" cy="2024640"/>
+            <a:ext cx="7313760" cy="2024280"/>
           </a:xfrm>
           <a:prstGeom prst="rect">
             <a:avLst/>
@@ -608,14 +608,14 @@
       </p:sp>
       <p:sp>
         <p:nvSpPr>
-          <p:cNvPr id="397" name="CustomShape 3"/>
+          <p:cNvPr id="394" name="CustomShape 3"/>
           <p:cNvSpPr/>
           <p:nvPr/>
         </p:nvSpPr>
         <p:spPr>
           <a:xfrm>
             <a:off x="5180040" y="4886280"/>
-            <a:ext cx="3961440" cy="255960"/>
+            <a:ext cx="3961080" cy="255600"/>
           </a:xfrm>
           <a:prstGeom prst="rect">
             <a:avLst/>
@@ -641,7 +641,7 @@
                 <a:spcPct val="100000"/>
               </a:lnSpc>
             </a:pPr>
-            <a:fld id="{94CCAEA2-C851-45DA-A483-597FC7CE9334}" type="slidenum">
+            <a:fld id="{35F0603B-8B4B-4B01-B04A-64D8A0BCABAE}" type="slidenum">
               <a:rPr b="0" lang="es-ES" sz="1200" spc="-1" strike="noStrike">
                 <a:solidFill>
                   <a:srgbClr val="000000"/>
@@ -681,7 +681,7 @@
       </p:grpSpPr>
       <p:sp>
         <p:nvSpPr>
-          <p:cNvPr id="398" name="PlaceHolder 1"/>
+          <p:cNvPr id="395" name="PlaceHolder 1"/>
           <p:cNvSpPr>
             <a:spLocks noGrp="1"/>
           </p:cNvSpPr>
@@ -692,16 +692,16 @@
         <p:spPr>
           <a:xfrm>
             <a:off x="3029040" y="642960"/>
-            <a:ext cx="3085200" cy="1735560"/>
-          </a:xfrm>
-          <a:prstGeom prst="rect">
-            <a:avLst/>
-          </a:prstGeom>
-        </p:spPr>
-      </p:sp>
-      <p:sp>
-        <p:nvSpPr>
-          <p:cNvPr id="399" name="PlaceHolder 2"/>
+            <a:ext cx="3084840" cy="1735200"/>
+          </a:xfrm>
+          <a:prstGeom prst="rect">
+            <a:avLst/>
+          </a:prstGeom>
+        </p:spPr>
+      </p:sp>
+      <p:sp>
+        <p:nvSpPr>
+          <p:cNvPr id="396" name="PlaceHolder 2"/>
           <p:cNvSpPr>
             <a:spLocks noGrp="1"/>
           </p:cNvSpPr>
@@ -712,7 +712,7 @@
         <p:spPr>
           <a:xfrm>
             <a:off x="914400" y="2475000"/>
-            <a:ext cx="7314120" cy="2024640"/>
+            <a:ext cx="7313760" cy="2024280"/>
           </a:xfrm>
           <a:prstGeom prst="rect">
             <a:avLst/>
@@ -731,14 +731,14 @@
       </p:sp>
       <p:sp>
         <p:nvSpPr>
-          <p:cNvPr id="400" name="CustomShape 3"/>
+          <p:cNvPr id="397" name="CustomShape 3"/>
           <p:cNvSpPr/>
           <p:nvPr/>
         </p:nvSpPr>
         <p:spPr>
           <a:xfrm>
             <a:off x="5180040" y="4886280"/>
-            <a:ext cx="3961440" cy="255960"/>
+            <a:ext cx="3961080" cy="255600"/>
           </a:xfrm>
           <a:prstGeom prst="rect">
             <a:avLst/>
@@ -764,7 +764,7 @@
                 <a:spcPct val="100000"/>
               </a:lnSpc>
             </a:pPr>
-            <a:fld id="{1F2E8C4B-3004-44A4-97CE-BEC89A66381F}" type="slidenum">
+            <a:fld id="{2160F411-6C6C-4C99-AABC-948B7B273E64}" type="slidenum">
               <a:rPr b="0" lang="es-ES" sz="1200" spc="-1" strike="noStrike">
                 <a:solidFill>
                   <a:srgbClr val="000000"/>
@@ -804,7 +804,7 @@
       </p:grpSpPr>
       <p:sp>
         <p:nvSpPr>
-          <p:cNvPr id="401" name="PlaceHolder 1"/>
+          <p:cNvPr id="398" name="PlaceHolder 1"/>
           <p:cNvSpPr>
             <a:spLocks noGrp="1"/>
           </p:cNvSpPr>
@@ -815,16 +815,16 @@
         <p:spPr>
           <a:xfrm>
             <a:off x="3029040" y="642960"/>
-            <a:ext cx="3085200" cy="1735560"/>
-          </a:xfrm>
-          <a:prstGeom prst="rect">
-            <a:avLst/>
-          </a:prstGeom>
-        </p:spPr>
-      </p:sp>
-      <p:sp>
-        <p:nvSpPr>
-          <p:cNvPr id="402" name="PlaceHolder 2"/>
+            <a:ext cx="3084840" cy="1735200"/>
+          </a:xfrm>
+          <a:prstGeom prst="rect">
+            <a:avLst/>
+          </a:prstGeom>
+        </p:spPr>
+      </p:sp>
+      <p:sp>
+        <p:nvSpPr>
+          <p:cNvPr id="399" name="PlaceHolder 2"/>
           <p:cNvSpPr>
             <a:spLocks noGrp="1"/>
           </p:cNvSpPr>
@@ -835,7 +835,7 @@
         <p:spPr>
           <a:xfrm>
             <a:off x="914400" y="2475000"/>
-            <a:ext cx="7314120" cy="2024640"/>
+            <a:ext cx="7313760" cy="2024280"/>
           </a:xfrm>
           <a:prstGeom prst="rect">
             <a:avLst/>
@@ -854,14 +854,14 @@
       </p:sp>
       <p:sp>
         <p:nvSpPr>
-          <p:cNvPr id="403" name="CustomShape 3"/>
+          <p:cNvPr id="400" name="CustomShape 3"/>
           <p:cNvSpPr/>
           <p:nvPr/>
         </p:nvSpPr>
         <p:spPr>
           <a:xfrm>
             <a:off x="5180040" y="4886280"/>
-            <a:ext cx="3961440" cy="255960"/>
+            <a:ext cx="3961080" cy="255600"/>
           </a:xfrm>
           <a:prstGeom prst="rect">
             <a:avLst/>
@@ -887,7 +887,7 @@
                 <a:spcPct val="100000"/>
               </a:lnSpc>
             </a:pPr>
-            <a:fld id="{CC21D7CB-8CF0-4DD3-A299-33545E418EB3}" type="slidenum">
+            <a:fld id="{AF401E1F-5590-459E-9E8C-E6A72B8759F7}" type="slidenum">
               <a:rPr b="0" lang="es-ES" sz="1200" spc="-1" strike="noStrike">
                 <a:solidFill>
                   <a:srgbClr val="000000"/>
@@ -927,7 +927,7 @@
       </p:grpSpPr>
       <p:sp>
         <p:nvSpPr>
-          <p:cNvPr id="404" name="PlaceHolder 1"/>
+          <p:cNvPr id="401" name="PlaceHolder 1"/>
           <p:cNvSpPr>
             <a:spLocks noGrp="1"/>
           </p:cNvSpPr>
@@ -938,16 +938,16 @@
         <p:spPr>
           <a:xfrm>
             <a:off x="3029040" y="642960"/>
-            <a:ext cx="3085200" cy="1735560"/>
-          </a:xfrm>
-          <a:prstGeom prst="rect">
-            <a:avLst/>
-          </a:prstGeom>
-        </p:spPr>
-      </p:sp>
-      <p:sp>
-        <p:nvSpPr>
-          <p:cNvPr id="405" name="PlaceHolder 2"/>
+            <a:ext cx="3084840" cy="1735200"/>
+          </a:xfrm>
+          <a:prstGeom prst="rect">
+            <a:avLst/>
+          </a:prstGeom>
+        </p:spPr>
+      </p:sp>
+      <p:sp>
+        <p:nvSpPr>
+          <p:cNvPr id="402" name="PlaceHolder 2"/>
           <p:cNvSpPr>
             <a:spLocks noGrp="1"/>
           </p:cNvSpPr>
@@ -958,7 +958,7 @@
         <p:spPr>
           <a:xfrm>
             <a:off x="914400" y="2475000"/>
-            <a:ext cx="7314120" cy="2024640"/>
+            <a:ext cx="7313760" cy="2024280"/>
           </a:xfrm>
           <a:prstGeom prst="rect">
             <a:avLst/>
@@ -977,14 +977,14 @@
       </p:sp>
       <p:sp>
         <p:nvSpPr>
-          <p:cNvPr id="406" name="CustomShape 3"/>
+          <p:cNvPr id="403" name="CustomShape 3"/>
           <p:cNvSpPr/>
           <p:nvPr/>
         </p:nvSpPr>
         <p:spPr>
           <a:xfrm>
             <a:off x="5180040" y="4886280"/>
-            <a:ext cx="3961440" cy="255960"/>
+            <a:ext cx="3961080" cy="255600"/>
           </a:xfrm>
           <a:prstGeom prst="rect">
             <a:avLst/>
@@ -1010,7 +1010,7 @@
                 <a:spcPct val="100000"/>
               </a:lnSpc>
             </a:pPr>
-            <a:fld id="{1D14C3DA-2934-483E-8C06-FEE963A06A09}" type="slidenum">
+            <a:fld id="{A4B5A3CB-854D-4F28-89E0-B7A0F1D4F221}" type="slidenum">
               <a:rPr b="0" lang="es-ES" sz="1200" spc="-1" strike="noStrike">
                 <a:solidFill>
                   <a:srgbClr val="000000"/>
@@ -1050,7 +1050,7 @@
       </p:grpSpPr>
       <p:sp>
         <p:nvSpPr>
-          <p:cNvPr id="380" name="PlaceHolder 1"/>
+          <p:cNvPr id="377" name="PlaceHolder 1"/>
           <p:cNvSpPr>
             <a:spLocks noGrp="1"/>
           </p:cNvSpPr>
@@ -1061,16 +1061,16 @@
         <p:spPr>
           <a:xfrm>
             <a:off x="3029040" y="642960"/>
-            <a:ext cx="3085200" cy="1735560"/>
-          </a:xfrm>
-          <a:prstGeom prst="rect">
-            <a:avLst/>
-          </a:prstGeom>
-        </p:spPr>
-      </p:sp>
-      <p:sp>
-        <p:nvSpPr>
-          <p:cNvPr id="381" name="PlaceHolder 2"/>
+            <a:ext cx="3084840" cy="1735200"/>
+          </a:xfrm>
+          <a:prstGeom prst="rect">
+            <a:avLst/>
+          </a:prstGeom>
+        </p:spPr>
+      </p:sp>
+      <p:sp>
+        <p:nvSpPr>
+          <p:cNvPr id="378" name="PlaceHolder 2"/>
           <p:cNvSpPr>
             <a:spLocks noGrp="1"/>
           </p:cNvSpPr>
@@ -1081,7 +1081,7 @@
         <p:spPr>
           <a:xfrm>
             <a:off x="914400" y="2475000"/>
-            <a:ext cx="7314120" cy="2024640"/>
+            <a:ext cx="7313760" cy="2024280"/>
           </a:xfrm>
           <a:prstGeom prst="rect">
             <a:avLst/>
@@ -1100,14 +1100,14 @@
       </p:sp>
       <p:sp>
         <p:nvSpPr>
-          <p:cNvPr id="382" name="CustomShape 3"/>
+          <p:cNvPr id="379" name="CustomShape 3"/>
           <p:cNvSpPr/>
           <p:nvPr/>
         </p:nvSpPr>
         <p:spPr>
           <a:xfrm>
             <a:off x="5180040" y="4886280"/>
-            <a:ext cx="3961440" cy="255960"/>
+            <a:ext cx="3961080" cy="255600"/>
           </a:xfrm>
           <a:prstGeom prst="rect">
             <a:avLst/>
@@ -1133,7 +1133,7 @@
                 <a:spcPct val="100000"/>
               </a:lnSpc>
             </a:pPr>
-            <a:fld id="{9066CB56-E195-4D97-BA3A-ABCBB11823A0}" type="slidenum">
+            <a:fld id="{0FFA797C-D570-4EAE-BDB4-0634552BD200}" type="slidenum">
               <a:rPr b="0" lang="es-ES" sz="1200" spc="-1" strike="noStrike">
                 <a:solidFill>
                   <a:srgbClr val="000000"/>
@@ -1173,7 +1173,7 @@
       </p:grpSpPr>
       <p:sp>
         <p:nvSpPr>
-          <p:cNvPr id="407" name="PlaceHolder 1"/>
+          <p:cNvPr id="404" name="PlaceHolder 1"/>
           <p:cNvSpPr>
             <a:spLocks noGrp="1"/>
           </p:cNvSpPr>
@@ -1184,16 +1184,16 @@
         <p:spPr>
           <a:xfrm>
             <a:off x="3029040" y="642960"/>
-            <a:ext cx="3085200" cy="1735560"/>
-          </a:xfrm>
-          <a:prstGeom prst="rect">
-            <a:avLst/>
-          </a:prstGeom>
-        </p:spPr>
-      </p:sp>
-      <p:sp>
-        <p:nvSpPr>
-          <p:cNvPr id="408" name="PlaceHolder 2"/>
+            <a:ext cx="3084840" cy="1735200"/>
+          </a:xfrm>
+          <a:prstGeom prst="rect">
+            <a:avLst/>
+          </a:prstGeom>
+        </p:spPr>
+      </p:sp>
+      <p:sp>
+        <p:nvSpPr>
+          <p:cNvPr id="405" name="PlaceHolder 2"/>
           <p:cNvSpPr>
             <a:spLocks noGrp="1"/>
           </p:cNvSpPr>
@@ -1204,7 +1204,7 @@
         <p:spPr>
           <a:xfrm>
             <a:off x="914400" y="2475000"/>
-            <a:ext cx="7314120" cy="2024640"/>
+            <a:ext cx="7313760" cy="2024280"/>
           </a:xfrm>
           <a:prstGeom prst="rect">
             <a:avLst/>
@@ -1223,14 +1223,14 @@
       </p:sp>
       <p:sp>
         <p:nvSpPr>
-          <p:cNvPr id="409" name="CustomShape 3"/>
+          <p:cNvPr id="406" name="CustomShape 3"/>
           <p:cNvSpPr/>
           <p:nvPr/>
         </p:nvSpPr>
         <p:spPr>
           <a:xfrm>
             <a:off x="5180040" y="4886280"/>
-            <a:ext cx="3961440" cy="255960"/>
+            <a:ext cx="3961080" cy="255600"/>
           </a:xfrm>
           <a:prstGeom prst="rect">
             <a:avLst/>
@@ -1256,7 +1256,7 @@
                 <a:spcPct val="100000"/>
               </a:lnSpc>
             </a:pPr>
-            <a:fld id="{E1612ECC-8AC3-424C-B44F-7A62DF83AE41}" type="slidenum">
+            <a:fld id="{4AA6F2CA-C5BD-4D7C-88A4-717F3F7B3478}" type="slidenum">
               <a:rPr b="0" lang="es-ES" sz="1200" spc="-1" strike="noStrike">
                 <a:solidFill>
                   <a:srgbClr val="000000"/>
@@ -1296,7 +1296,7 @@
       </p:grpSpPr>
       <p:sp>
         <p:nvSpPr>
-          <p:cNvPr id="410" name="PlaceHolder 1"/>
+          <p:cNvPr id="407" name="PlaceHolder 1"/>
           <p:cNvSpPr>
             <a:spLocks noGrp="1"/>
           </p:cNvSpPr>
@@ -1307,16 +1307,16 @@
         <p:spPr>
           <a:xfrm>
             <a:off x="3029040" y="642960"/>
-            <a:ext cx="3085200" cy="1735560"/>
-          </a:xfrm>
-          <a:prstGeom prst="rect">
-            <a:avLst/>
-          </a:prstGeom>
-        </p:spPr>
-      </p:sp>
-      <p:sp>
-        <p:nvSpPr>
-          <p:cNvPr id="411" name="PlaceHolder 2"/>
+            <a:ext cx="3084840" cy="1735200"/>
+          </a:xfrm>
+          <a:prstGeom prst="rect">
+            <a:avLst/>
+          </a:prstGeom>
+        </p:spPr>
+      </p:sp>
+      <p:sp>
+        <p:nvSpPr>
+          <p:cNvPr id="408" name="PlaceHolder 2"/>
           <p:cNvSpPr>
             <a:spLocks noGrp="1"/>
           </p:cNvSpPr>
@@ -1327,7 +1327,7 @@
         <p:spPr>
           <a:xfrm>
             <a:off x="914400" y="2475000"/>
-            <a:ext cx="7314120" cy="2024640"/>
+            <a:ext cx="7313760" cy="2024280"/>
           </a:xfrm>
           <a:prstGeom prst="rect">
             <a:avLst/>
@@ -1346,14 +1346,14 @@
       </p:sp>
       <p:sp>
         <p:nvSpPr>
-          <p:cNvPr id="412" name="CustomShape 3"/>
+          <p:cNvPr id="409" name="CustomShape 3"/>
           <p:cNvSpPr/>
           <p:nvPr/>
         </p:nvSpPr>
         <p:spPr>
           <a:xfrm>
             <a:off x="5180040" y="4886280"/>
-            <a:ext cx="3961440" cy="255960"/>
+            <a:ext cx="3961080" cy="255600"/>
           </a:xfrm>
           <a:prstGeom prst="rect">
             <a:avLst/>
@@ -1379,7 +1379,7 @@
                 <a:spcPct val="100000"/>
               </a:lnSpc>
             </a:pPr>
-            <a:fld id="{F139B26E-B684-4834-8398-C6BF028327B3}" type="slidenum">
+            <a:fld id="{D4D9E2A0-1D98-41D4-BC17-B731F20B3C11}" type="slidenum">
               <a:rPr b="0" lang="es-ES" sz="1200" spc="-1" strike="noStrike">
                 <a:solidFill>
                   <a:srgbClr val="000000"/>
@@ -1419,7 +1419,7 @@
       </p:grpSpPr>
       <p:sp>
         <p:nvSpPr>
-          <p:cNvPr id="383" name="PlaceHolder 1"/>
+          <p:cNvPr id="380" name="PlaceHolder 1"/>
           <p:cNvSpPr>
             <a:spLocks noGrp="1"/>
           </p:cNvSpPr>
@@ -1430,16 +1430,16 @@
         <p:spPr>
           <a:xfrm>
             <a:off x="3029040" y="642960"/>
-            <a:ext cx="3085200" cy="1735560"/>
-          </a:xfrm>
-          <a:prstGeom prst="rect">
-            <a:avLst/>
-          </a:prstGeom>
-        </p:spPr>
-      </p:sp>
-      <p:sp>
-        <p:nvSpPr>
-          <p:cNvPr id="384" name="PlaceHolder 2"/>
+            <a:ext cx="3084840" cy="1735200"/>
+          </a:xfrm>
+          <a:prstGeom prst="rect">
+            <a:avLst/>
+          </a:prstGeom>
+        </p:spPr>
+      </p:sp>
+      <p:sp>
+        <p:nvSpPr>
+          <p:cNvPr id="381" name="PlaceHolder 2"/>
           <p:cNvSpPr>
             <a:spLocks noGrp="1"/>
           </p:cNvSpPr>
@@ -1450,7 +1450,7 @@
         <p:spPr>
           <a:xfrm>
             <a:off x="914400" y="2475000"/>
-            <a:ext cx="7314120" cy="2024640"/>
+            <a:ext cx="7313760" cy="2024280"/>
           </a:xfrm>
           <a:prstGeom prst="rect">
             <a:avLst/>
@@ -1469,14 +1469,14 @@
       </p:sp>
       <p:sp>
         <p:nvSpPr>
-          <p:cNvPr id="385" name="CustomShape 3"/>
+          <p:cNvPr id="382" name="CustomShape 3"/>
           <p:cNvSpPr/>
           <p:nvPr/>
         </p:nvSpPr>
         <p:spPr>
           <a:xfrm>
             <a:off x="5180040" y="4886280"/>
-            <a:ext cx="3961440" cy="255960"/>
+            <a:ext cx="3961080" cy="255600"/>
           </a:xfrm>
           <a:prstGeom prst="rect">
             <a:avLst/>
@@ -1502,7 +1502,7 @@
                 <a:spcPct val="100000"/>
               </a:lnSpc>
             </a:pPr>
-            <a:fld id="{515D306E-9B52-4482-B299-FD92989B9DC9}" type="slidenum">
+            <a:fld id="{29DB2C57-61B9-4A03-B912-C2C03B9F8BC5}" type="slidenum">
               <a:rPr b="0" lang="es-ES" sz="1200" spc="-1" strike="noStrike">
                 <a:solidFill>
                   <a:srgbClr val="000000"/>
@@ -1542,7 +1542,7 @@
       </p:grpSpPr>
       <p:sp>
         <p:nvSpPr>
-          <p:cNvPr id="413" name="PlaceHolder 1"/>
+          <p:cNvPr id="410" name="PlaceHolder 1"/>
           <p:cNvSpPr>
             <a:spLocks noGrp="1"/>
           </p:cNvSpPr>
@@ -1553,16 +1553,16 @@
         <p:spPr>
           <a:xfrm>
             <a:off x="3029040" y="642960"/>
-            <a:ext cx="3085200" cy="1735560"/>
-          </a:xfrm>
-          <a:prstGeom prst="rect">
-            <a:avLst/>
-          </a:prstGeom>
-        </p:spPr>
-      </p:sp>
-      <p:sp>
-        <p:nvSpPr>
-          <p:cNvPr id="414" name="PlaceHolder 2"/>
+            <a:ext cx="3084840" cy="1735200"/>
+          </a:xfrm>
+          <a:prstGeom prst="rect">
+            <a:avLst/>
+          </a:prstGeom>
+        </p:spPr>
+      </p:sp>
+      <p:sp>
+        <p:nvSpPr>
+          <p:cNvPr id="411" name="PlaceHolder 2"/>
           <p:cNvSpPr>
             <a:spLocks noGrp="1"/>
           </p:cNvSpPr>
@@ -1573,7 +1573,7 @@
         <p:spPr>
           <a:xfrm>
             <a:off x="914400" y="2475000"/>
-            <a:ext cx="7314120" cy="2024640"/>
+            <a:ext cx="7313760" cy="2024280"/>
           </a:xfrm>
           <a:prstGeom prst="rect">
             <a:avLst/>
@@ -1592,14 +1592,14 @@
       </p:sp>
       <p:sp>
         <p:nvSpPr>
-          <p:cNvPr id="415" name="CustomShape 3"/>
+          <p:cNvPr id="412" name="CustomShape 3"/>
           <p:cNvSpPr/>
           <p:nvPr/>
         </p:nvSpPr>
         <p:spPr>
           <a:xfrm>
             <a:off x="5180040" y="4886280"/>
-            <a:ext cx="3961440" cy="255960"/>
+            <a:ext cx="3961080" cy="255600"/>
           </a:xfrm>
           <a:prstGeom prst="rect">
             <a:avLst/>
@@ -1625,7 +1625,7 @@
                 <a:spcPct val="100000"/>
               </a:lnSpc>
             </a:pPr>
-            <a:fld id="{9609B54C-3E40-4A76-880D-91F7E229D158}" type="slidenum">
+            <a:fld id="{F45B7F54-13B8-43D5-9282-E659C4358F1E}" type="slidenum">
               <a:rPr b="0" lang="es-ES" sz="1200" spc="-1" strike="noStrike">
                 <a:solidFill>
                   <a:srgbClr val="000000"/>
@@ -1665,7 +1665,7 @@
       </p:grpSpPr>
       <p:sp>
         <p:nvSpPr>
-          <p:cNvPr id="386" name="PlaceHolder 1"/>
+          <p:cNvPr id="383" name="PlaceHolder 1"/>
           <p:cNvSpPr>
             <a:spLocks noGrp="1"/>
           </p:cNvSpPr>
@@ -1676,16 +1676,16 @@
         <p:spPr>
           <a:xfrm>
             <a:off x="3029040" y="642960"/>
-            <a:ext cx="3085200" cy="1735560"/>
-          </a:xfrm>
-          <a:prstGeom prst="rect">
-            <a:avLst/>
-          </a:prstGeom>
-        </p:spPr>
-      </p:sp>
-      <p:sp>
-        <p:nvSpPr>
-          <p:cNvPr id="387" name="PlaceHolder 2"/>
+            <a:ext cx="3084840" cy="1735200"/>
+          </a:xfrm>
+          <a:prstGeom prst="rect">
+            <a:avLst/>
+          </a:prstGeom>
+        </p:spPr>
+      </p:sp>
+      <p:sp>
+        <p:nvSpPr>
+          <p:cNvPr id="384" name="PlaceHolder 2"/>
           <p:cNvSpPr>
             <a:spLocks noGrp="1"/>
           </p:cNvSpPr>
@@ -1696,7 +1696,7 @@
         <p:spPr>
           <a:xfrm>
             <a:off x="914400" y="2475000"/>
-            <a:ext cx="7314120" cy="2024640"/>
+            <a:ext cx="7313760" cy="2024280"/>
           </a:xfrm>
           <a:prstGeom prst="rect">
             <a:avLst/>
@@ -1715,14 +1715,14 @@
       </p:sp>
       <p:sp>
         <p:nvSpPr>
-          <p:cNvPr id="388" name="CustomShape 3"/>
+          <p:cNvPr id="385" name="CustomShape 3"/>
           <p:cNvSpPr/>
           <p:nvPr/>
         </p:nvSpPr>
         <p:spPr>
           <a:xfrm>
             <a:off x="5180040" y="4886280"/>
-            <a:ext cx="3961440" cy="255960"/>
+            <a:ext cx="3961080" cy="255600"/>
           </a:xfrm>
           <a:prstGeom prst="rect">
             <a:avLst/>
@@ -1748,7 +1748,7 @@
                 <a:spcPct val="100000"/>
               </a:lnSpc>
             </a:pPr>
-            <a:fld id="{3BBB615A-DF99-4BE5-B198-7565CB1A8283}" type="slidenum">
+            <a:fld id="{C1F19DE5-39CB-4C0A-B2B9-3BB0AAA26ECB}" type="slidenum">
               <a:rPr b="0" lang="es-ES" sz="1200" spc="-1" strike="noStrike">
                 <a:solidFill>
                   <a:srgbClr val="000000"/>
@@ -1788,7 +1788,7 @@
       </p:grpSpPr>
       <p:sp>
         <p:nvSpPr>
-          <p:cNvPr id="389" name="PlaceHolder 1"/>
+          <p:cNvPr id="386" name="PlaceHolder 1"/>
           <p:cNvSpPr>
             <a:spLocks noGrp="1"/>
           </p:cNvSpPr>
@@ -1799,16 +1799,16 @@
         <p:spPr>
           <a:xfrm>
             <a:off x="3029040" y="642960"/>
-            <a:ext cx="3085200" cy="1735560"/>
-          </a:xfrm>
-          <a:prstGeom prst="rect">
-            <a:avLst/>
-          </a:prstGeom>
-        </p:spPr>
-      </p:sp>
-      <p:sp>
-        <p:nvSpPr>
-          <p:cNvPr id="390" name="PlaceHolder 2"/>
+            <a:ext cx="3084840" cy="1735200"/>
+          </a:xfrm>
+          <a:prstGeom prst="rect">
+            <a:avLst/>
+          </a:prstGeom>
+        </p:spPr>
+      </p:sp>
+      <p:sp>
+        <p:nvSpPr>
+          <p:cNvPr id="387" name="PlaceHolder 2"/>
           <p:cNvSpPr>
             <a:spLocks noGrp="1"/>
           </p:cNvSpPr>
@@ -1819,7 +1819,7 @@
         <p:spPr>
           <a:xfrm>
             <a:off x="914400" y="2475000"/>
-            <a:ext cx="7314120" cy="2024640"/>
+            <a:ext cx="7313760" cy="2024280"/>
           </a:xfrm>
           <a:prstGeom prst="rect">
             <a:avLst/>
@@ -1838,14 +1838,14 @@
       </p:sp>
       <p:sp>
         <p:nvSpPr>
-          <p:cNvPr id="391" name="CustomShape 3"/>
+          <p:cNvPr id="388" name="CustomShape 3"/>
           <p:cNvSpPr/>
           <p:nvPr/>
         </p:nvSpPr>
         <p:spPr>
           <a:xfrm>
             <a:off x="5180040" y="4886280"/>
-            <a:ext cx="3961440" cy="255960"/>
+            <a:ext cx="3961080" cy="255600"/>
           </a:xfrm>
           <a:prstGeom prst="rect">
             <a:avLst/>
@@ -1871,7 +1871,7 @@
                 <a:spcPct val="100000"/>
               </a:lnSpc>
             </a:pPr>
-            <a:fld id="{B88BD499-E1F1-42D1-863E-1F366A8DD3A7}" type="slidenum">
+            <a:fld id="{CB070FC9-01FC-4DCA-96D5-DC180AB4D168}" type="slidenum">
               <a:rPr b="0" lang="es-ES" sz="1200" spc="-1" strike="noStrike">
                 <a:solidFill>
                   <a:srgbClr val="000000"/>
@@ -6875,7 +6875,7 @@
       </p:grpSpPr>
       <p:sp>
         <p:nvSpPr>
-          <p:cNvPr id="163" name="PlaceHolder 1"/>
+          <p:cNvPr id="160" name="PlaceHolder 1"/>
           <p:cNvSpPr>
             <a:spLocks noGrp="1"/>
           </p:cNvSpPr>
@@ -6906,7 +6906,7 @@
       </p:sp>
       <p:sp>
         <p:nvSpPr>
-          <p:cNvPr id="164" name="PlaceHolder 2"/>
+          <p:cNvPr id="161" name="PlaceHolder 2"/>
           <p:cNvSpPr>
             <a:spLocks noGrp="1"/>
           </p:cNvSpPr>
@@ -6959,7 +6959,7 @@
       </p:grpSpPr>
       <p:sp>
         <p:nvSpPr>
-          <p:cNvPr id="165" name="PlaceHolder 1"/>
+          <p:cNvPr id="162" name="PlaceHolder 1"/>
           <p:cNvSpPr>
             <a:spLocks noGrp="1"/>
           </p:cNvSpPr>
@@ -6990,7 +6990,7 @@
       </p:sp>
       <p:sp>
         <p:nvSpPr>
-          <p:cNvPr id="166" name="PlaceHolder 2"/>
+          <p:cNvPr id="163" name="PlaceHolder 2"/>
           <p:cNvSpPr>
             <a:spLocks noGrp="1"/>
           </p:cNvSpPr>
@@ -7042,7 +7042,7 @@
       </p:grpSpPr>
       <p:sp>
         <p:nvSpPr>
-          <p:cNvPr id="167" name="PlaceHolder 1"/>
+          <p:cNvPr id="164" name="PlaceHolder 1"/>
           <p:cNvSpPr>
             <a:spLocks noGrp="1"/>
           </p:cNvSpPr>
@@ -7073,7 +7073,7 @@
       </p:sp>
       <p:sp>
         <p:nvSpPr>
-          <p:cNvPr id="168" name="PlaceHolder 2"/>
+          <p:cNvPr id="165" name="PlaceHolder 2"/>
           <p:cNvSpPr>
             <a:spLocks noGrp="1"/>
           </p:cNvSpPr>
@@ -7103,7 +7103,7 @@
       </p:sp>
       <p:sp>
         <p:nvSpPr>
-          <p:cNvPr id="169" name="PlaceHolder 3"/>
+          <p:cNvPr id="166" name="PlaceHolder 3"/>
           <p:cNvSpPr>
             <a:spLocks noGrp="1"/>
           </p:cNvSpPr>
@@ -7155,7 +7155,7 @@
       </p:grpSpPr>
       <p:sp>
         <p:nvSpPr>
-          <p:cNvPr id="170" name="PlaceHolder 1"/>
+          <p:cNvPr id="167" name="PlaceHolder 1"/>
           <p:cNvSpPr>
             <a:spLocks noGrp="1"/>
           </p:cNvSpPr>
@@ -7208,7 +7208,7 @@
       </p:grpSpPr>
       <p:sp>
         <p:nvSpPr>
-          <p:cNvPr id="171" name="PlaceHolder 1"/>
+          <p:cNvPr id="168" name="PlaceHolder 1"/>
           <p:cNvSpPr>
             <a:spLocks noGrp="1"/>
           </p:cNvSpPr>
@@ -7261,7 +7261,7 @@
       </p:grpSpPr>
       <p:sp>
         <p:nvSpPr>
-          <p:cNvPr id="172" name="PlaceHolder 1"/>
+          <p:cNvPr id="169" name="PlaceHolder 1"/>
           <p:cNvSpPr>
             <a:spLocks noGrp="1"/>
           </p:cNvSpPr>
@@ -7292,7 +7292,7 @@
       </p:sp>
       <p:sp>
         <p:nvSpPr>
-          <p:cNvPr id="173" name="PlaceHolder 2"/>
+          <p:cNvPr id="170" name="PlaceHolder 2"/>
           <p:cNvSpPr>
             <a:spLocks noGrp="1"/>
           </p:cNvSpPr>
@@ -7322,7 +7322,7 @@
       </p:sp>
       <p:sp>
         <p:nvSpPr>
-          <p:cNvPr id="174" name="PlaceHolder 3"/>
+          <p:cNvPr id="171" name="PlaceHolder 3"/>
           <p:cNvSpPr>
             <a:spLocks noGrp="1"/>
           </p:cNvSpPr>
@@ -7352,7 +7352,7 @@
       </p:sp>
       <p:sp>
         <p:nvSpPr>
-          <p:cNvPr id="175" name="PlaceHolder 4"/>
+          <p:cNvPr id="172" name="PlaceHolder 4"/>
           <p:cNvSpPr>
             <a:spLocks noGrp="1"/>
           </p:cNvSpPr>
@@ -7404,7 +7404,7 @@
       </p:grpSpPr>
       <p:sp>
         <p:nvSpPr>
-          <p:cNvPr id="176" name="PlaceHolder 1"/>
+          <p:cNvPr id="173" name="PlaceHolder 1"/>
           <p:cNvSpPr>
             <a:spLocks noGrp="1"/>
           </p:cNvSpPr>
@@ -7435,7 +7435,7 @@
       </p:sp>
       <p:sp>
         <p:nvSpPr>
-          <p:cNvPr id="177" name="PlaceHolder 2"/>
+          <p:cNvPr id="174" name="PlaceHolder 2"/>
           <p:cNvSpPr>
             <a:spLocks noGrp="1"/>
           </p:cNvSpPr>
@@ -7465,7 +7465,7 @@
       </p:sp>
       <p:sp>
         <p:nvSpPr>
-          <p:cNvPr id="178" name="PlaceHolder 3"/>
+          <p:cNvPr id="175" name="PlaceHolder 3"/>
           <p:cNvSpPr>
             <a:spLocks noGrp="1"/>
           </p:cNvSpPr>
@@ -7495,7 +7495,7 @@
       </p:sp>
       <p:sp>
         <p:nvSpPr>
-          <p:cNvPr id="179" name="PlaceHolder 4"/>
+          <p:cNvPr id="176" name="PlaceHolder 4"/>
           <p:cNvSpPr>
             <a:spLocks noGrp="1"/>
           </p:cNvSpPr>
@@ -7547,7 +7547,7 @@
       </p:grpSpPr>
       <p:sp>
         <p:nvSpPr>
-          <p:cNvPr id="180" name="PlaceHolder 1"/>
+          <p:cNvPr id="177" name="PlaceHolder 1"/>
           <p:cNvSpPr>
             <a:spLocks noGrp="1"/>
           </p:cNvSpPr>
@@ -7578,7 +7578,7 @@
       </p:sp>
       <p:sp>
         <p:nvSpPr>
-          <p:cNvPr id="181" name="PlaceHolder 2"/>
+          <p:cNvPr id="178" name="PlaceHolder 2"/>
           <p:cNvSpPr>
             <a:spLocks noGrp="1"/>
           </p:cNvSpPr>
@@ -7608,7 +7608,7 @@
       </p:sp>
       <p:sp>
         <p:nvSpPr>
-          <p:cNvPr id="182" name="PlaceHolder 3"/>
+          <p:cNvPr id="179" name="PlaceHolder 3"/>
           <p:cNvSpPr>
             <a:spLocks noGrp="1"/>
           </p:cNvSpPr>
@@ -7638,7 +7638,7 @@
       </p:sp>
       <p:sp>
         <p:nvSpPr>
-          <p:cNvPr id="183" name="PlaceHolder 4"/>
+          <p:cNvPr id="180" name="PlaceHolder 4"/>
           <p:cNvSpPr>
             <a:spLocks noGrp="1"/>
           </p:cNvSpPr>
@@ -7690,7 +7690,7 @@
       </p:grpSpPr>
       <p:sp>
         <p:nvSpPr>
-          <p:cNvPr id="184" name="PlaceHolder 1"/>
+          <p:cNvPr id="181" name="PlaceHolder 1"/>
           <p:cNvSpPr>
             <a:spLocks noGrp="1"/>
           </p:cNvSpPr>
@@ -7721,7 +7721,7 @@
       </p:sp>
       <p:sp>
         <p:nvSpPr>
-          <p:cNvPr id="185" name="PlaceHolder 2"/>
+          <p:cNvPr id="182" name="PlaceHolder 2"/>
           <p:cNvSpPr>
             <a:spLocks noGrp="1"/>
           </p:cNvSpPr>
@@ -7751,7 +7751,7 @@
       </p:sp>
       <p:sp>
         <p:nvSpPr>
-          <p:cNvPr id="186" name="PlaceHolder 3"/>
+          <p:cNvPr id="183" name="PlaceHolder 3"/>
           <p:cNvSpPr>
             <a:spLocks noGrp="1"/>
           </p:cNvSpPr>
@@ -7803,7 +7803,7 @@
       </p:grpSpPr>
       <p:sp>
         <p:nvSpPr>
-          <p:cNvPr id="187" name="PlaceHolder 1"/>
+          <p:cNvPr id="184" name="PlaceHolder 1"/>
           <p:cNvSpPr>
             <a:spLocks noGrp="1"/>
           </p:cNvSpPr>
@@ -7834,7 +7834,7 @@
       </p:sp>
       <p:sp>
         <p:nvSpPr>
-          <p:cNvPr id="188" name="PlaceHolder 2"/>
+          <p:cNvPr id="185" name="PlaceHolder 2"/>
           <p:cNvSpPr>
             <a:spLocks noGrp="1"/>
           </p:cNvSpPr>
@@ -7864,7 +7864,7 @@
       </p:sp>
       <p:sp>
         <p:nvSpPr>
-          <p:cNvPr id="189" name="PlaceHolder 3"/>
+          <p:cNvPr id="186" name="PlaceHolder 3"/>
           <p:cNvSpPr>
             <a:spLocks noGrp="1"/>
           </p:cNvSpPr>
@@ -7894,7 +7894,7 @@
       </p:sp>
       <p:sp>
         <p:nvSpPr>
-          <p:cNvPr id="190" name="PlaceHolder 4"/>
+          <p:cNvPr id="187" name="PlaceHolder 4"/>
           <p:cNvSpPr>
             <a:spLocks noGrp="1"/>
           </p:cNvSpPr>
@@ -7924,7 +7924,7 @@
       </p:sp>
       <p:sp>
         <p:nvSpPr>
-          <p:cNvPr id="191" name="PlaceHolder 5"/>
+          <p:cNvPr id="188" name="PlaceHolder 5"/>
           <p:cNvSpPr>
             <a:spLocks noGrp="1"/>
           </p:cNvSpPr>
@@ -8029,7 +8029,7 @@
       </p:grpSpPr>
       <p:sp>
         <p:nvSpPr>
-          <p:cNvPr id="192" name="PlaceHolder 1"/>
+          <p:cNvPr id="189" name="PlaceHolder 1"/>
           <p:cNvSpPr>
             <a:spLocks noGrp="1"/>
           </p:cNvSpPr>
@@ -8060,7 +8060,7 @@
       </p:sp>
       <p:sp>
         <p:nvSpPr>
-          <p:cNvPr id="193" name="PlaceHolder 2"/>
+          <p:cNvPr id="190" name="PlaceHolder 2"/>
           <p:cNvSpPr>
             <a:spLocks noGrp="1"/>
           </p:cNvSpPr>
@@ -8090,7 +8090,7 @@
       </p:sp>
       <p:sp>
         <p:nvSpPr>
-          <p:cNvPr id="194" name="PlaceHolder 3"/>
+          <p:cNvPr id="191" name="PlaceHolder 3"/>
           <p:cNvSpPr>
             <a:spLocks noGrp="1"/>
           </p:cNvSpPr>
@@ -8120,7 +8120,7 @@
       </p:sp>
       <p:sp>
         <p:nvSpPr>
-          <p:cNvPr id="195" name="PlaceHolder 4"/>
+          <p:cNvPr id="192" name="PlaceHolder 4"/>
           <p:cNvSpPr>
             <a:spLocks noGrp="1"/>
           </p:cNvSpPr>
@@ -8150,7 +8150,7 @@
       </p:sp>
       <p:sp>
         <p:nvSpPr>
-          <p:cNvPr id="196" name="PlaceHolder 5"/>
+          <p:cNvPr id="193" name="PlaceHolder 5"/>
           <p:cNvSpPr>
             <a:spLocks noGrp="1"/>
           </p:cNvSpPr>
@@ -8180,7 +8180,7 @@
       </p:sp>
       <p:sp>
         <p:nvSpPr>
-          <p:cNvPr id="197" name="PlaceHolder 6"/>
+          <p:cNvPr id="194" name="PlaceHolder 6"/>
           <p:cNvSpPr>
             <a:spLocks noGrp="1"/>
           </p:cNvSpPr>
@@ -8210,7 +8210,7 @@
       </p:sp>
       <p:sp>
         <p:nvSpPr>
-          <p:cNvPr id="198" name="PlaceHolder 7"/>
+          <p:cNvPr id="195" name="PlaceHolder 7"/>
           <p:cNvSpPr>
             <a:spLocks noGrp="1"/>
           </p:cNvSpPr>
@@ -8705,7 +8705,7 @@
         <p:spPr>
           <a:xfrm>
             <a:off x="8082360" y="4804920"/>
-            <a:ext cx="790920" cy="190800"/>
+            <a:ext cx="790560" cy="190440"/>
           </a:xfrm>
           <a:prstGeom prst="rect">
             <a:avLst/>
@@ -8756,7 +8756,31 @@
               <a:rPr b="0" lang="en-US" sz="4400" spc="-1" strike="noStrike">
                 <a:latin typeface="Arial"/>
               </a:rPr>
-              <a:t>Click to edit the title text format</a:t>
+              <a:t>Click to </a:t>
+            </a:r>
+            <a:r>
+              <a:rPr b="0" lang="en-US" sz="4400" spc="-1" strike="noStrike">
+                <a:latin typeface="Arial"/>
+              </a:rPr>
+              <a:t>edit the </a:t>
+            </a:r>
+            <a:r>
+              <a:rPr b="0" lang="en-US" sz="4400" spc="-1" strike="noStrike">
+                <a:latin typeface="Arial"/>
+              </a:rPr>
+              <a:t>title </a:t>
+            </a:r>
+            <a:r>
+              <a:rPr b="0" lang="en-US" sz="4400" spc="-1" strike="noStrike">
+                <a:latin typeface="Arial"/>
+              </a:rPr>
+              <a:t>text </a:t>
+            </a:r>
+            <a:r>
+              <a:rPr b="0" lang="en-US" sz="4400" spc="-1" strike="noStrike">
+                <a:latin typeface="Arial"/>
+              </a:rPr>
+              <a:t>format</a:t>
             </a:r>
             <a:endParaRPr b="0" lang="en-US" sz="4400" spc="-1" strike="noStrike">
               <a:latin typeface="Arial"/>
@@ -8996,7 +9020,7 @@
         <p:spPr>
           <a:xfrm>
             <a:off x="8082360" y="4804920"/>
-            <a:ext cx="790920" cy="190800"/>
+            <a:ext cx="790560" cy="190440"/>
           </a:xfrm>
           <a:prstGeom prst="rect">
             <a:avLst/>
@@ -9047,7 +9071,49 @@
               <a:rPr b="0" lang="en-US" sz="4400" spc="-1" strike="noStrike">
                 <a:latin typeface="Arial"/>
               </a:rPr>
-              <a:t>Click to edit the title text format</a:t>
+              <a:t>Click </a:t>
+            </a:r>
+            <a:r>
+              <a:rPr b="0" lang="en-US" sz="4400" spc="-1" strike="noStrike">
+                <a:latin typeface="Arial"/>
+              </a:rPr>
+              <a:t>to </a:t>
+            </a:r>
+            <a:r>
+              <a:rPr b="0" lang="en-US" sz="4400" spc="-1" strike="noStrike">
+                <a:latin typeface="Arial"/>
+              </a:rPr>
+              <a:t>edit </a:t>
+            </a:r>
+            <a:r>
+              <a:rPr b="0" lang="en-US" sz="4400" spc="-1" strike="noStrike">
+                <a:latin typeface="Arial"/>
+              </a:rPr>
+              <a:t>the </a:t>
+            </a:r>
+            <a:r>
+              <a:rPr b="0" lang="en-US" sz="4400" spc="-1" strike="noStrike">
+                <a:latin typeface="Arial"/>
+              </a:rPr>
+              <a:t>title </a:t>
+            </a:r>
+            <a:r>
+              <a:rPr b="0" lang="en-US" sz="4400" spc="-1" strike="noStrike">
+                <a:latin typeface="Arial"/>
+              </a:rPr>
+              <a:t>text </a:t>
+            </a:r>
+            <a:r>
+              <a:rPr b="0" lang="en-US" sz="4400" spc="-1" strike="noStrike">
+                <a:latin typeface="Arial"/>
+              </a:rPr>
+              <a:t>form</a:t>
+            </a:r>
+            <a:r>
+              <a:rPr b="0" lang="en-US" sz="4400" spc="-1" strike="noStrike">
+                <a:latin typeface="Arial"/>
+              </a:rPr>
+              <a:t>at</a:t>
             </a:r>
             <a:endParaRPr b="0" lang="en-US" sz="4400" spc="-1" strike="noStrike">
               <a:latin typeface="Arial"/>
@@ -9287,7 +9353,7 @@
         <p:spPr>
           <a:xfrm>
             <a:off x="8082360" y="4804920"/>
-            <a:ext cx="790920" cy="190800"/>
+            <a:ext cx="790560" cy="190440"/>
           </a:xfrm>
           <a:prstGeom prst="rect">
             <a:avLst/>
@@ -9318,7 +9384,7 @@
         <p:spPr>
           <a:xfrm>
             <a:off x="1440" y="0"/>
-            <a:ext cx="9140040" cy="4107600"/>
+            <a:ext cx="9139680" cy="4107240"/>
           </a:xfrm>
           <a:prstGeom prst="rect">
             <a:avLst/>
@@ -9349,7 +9415,7 @@
         <p:spPr>
           <a:xfrm>
             <a:off x="0" y="0"/>
-            <a:ext cx="4174920" cy="5142240"/>
+            <a:ext cx="4174560" cy="5141880"/>
           </a:xfrm>
           <a:prstGeom prst="rect">
             <a:avLst/>
@@ -9380,7 +9446,7 @@
         <p:spPr>
           <a:xfrm>
             <a:off x="8192880" y="4326120"/>
-            <a:ext cx="721440" cy="603000"/>
+            <a:ext cx="721080" cy="602640"/>
           </a:xfrm>
           <a:prstGeom prst="rect">
             <a:avLst/>
@@ -9934,37 +10000,27 @@
         </p:nvSpPr>
         <p:spPr>
           <a:xfrm>
-            <a:off x="628200" y="273600"/>
-            <a:ext cx="7886520" cy="993960"/>
-          </a:xfrm>
-          <a:prstGeom prst="rect">
-            <a:avLst/>
-          </a:prstGeom>
-        </p:spPr>
-        <p:txBody>
-          <a:bodyPr anchor="ctr">
+            <a:off x="457200" y="205200"/>
+            <a:ext cx="8229240" cy="858600"/>
+          </a:xfrm>
+          <a:prstGeom prst="rect">
+            <a:avLst/>
+          </a:prstGeom>
+        </p:spPr>
+        <p:txBody>
+          <a:bodyPr lIns="0" rIns="0" tIns="0" bIns="0" anchor="ctr">
             <a:noAutofit/>
           </a:bodyPr>
           <a:p>
-            <a:pPr>
-              <a:lnSpc>
-                <a:spcPct val="90000"/>
-              </a:lnSpc>
-            </a:pPr>
+            <a:pPr algn="ctr"/>
             <a:r>
               <a:rPr b="0" lang="en-US" sz="4400" spc="-1" strike="noStrike">
-                <a:solidFill>
-                  <a:srgbClr val="000000"/>
-                </a:solidFill>
-                <a:latin typeface="Calibri Light"/>
-              </a:rPr>
-              <a:t>Click to edit Master title style</a:t>
-            </a:r>
-            <a:endParaRPr b="0" lang="sv-SE" sz="4400" spc="-1" strike="noStrike">
-              <a:solidFill>
-                <a:srgbClr val="000000"/>
-              </a:solidFill>
-              <a:latin typeface="Calibri"/>
+                <a:latin typeface="Arial"/>
+              </a:rPr>
+              <a:t>Click to edit the title text format</a:t>
+            </a:r>
+            <a:endParaRPr b="0" lang="en-US" sz="4400" spc="-1" strike="noStrike">
+              <a:latin typeface="Arial"/>
             </a:endParaRPr>
           </a:p>
         </p:txBody>
@@ -9981,283 +10037,169 @@
         </p:nvSpPr>
         <p:spPr>
           <a:xfrm>
-            <a:off x="628200" y="1369080"/>
-            <a:ext cx="7886520" cy="3263400"/>
-          </a:xfrm>
-          <a:prstGeom prst="rect">
-            <a:avLst/>
-          </a:prstGeom>
-        </p:spPr>
-        <p:txBody>
-          <a:bodyPr>
-            <a:noAutofit/>
-          </a:bodyPr>
-          <a:p>
-            <a:pPr marL="228600" indent="-228240">
-              <a:lnSpc>
-                <a:spcPct val="90000"/>
-              </a:lnSpc>
+            <a:off x="457200" y="1203480"/>
+            <a:ext cx="8229240" cy="2982960"/>
+          </a:xfrm>
+          <a:prstGeom prst="rect">
+            <a:avLst/>
+          </a:prstGeom>
+        </p:spPr>
+        <p:txBody>
+          <a:bodyPr lIns="0" rIns="0" tIns="0" bIns="0">
+            <a:normAutofit/>
+          </a:bodyPr>
+          <a:p>
+            <a:pPr marL="432000" indent="-324000">
               <a:spcBef>
-                <a:spcPts val="1001"/>
+                <a:spcPts val="1417"/>
               </a:spcBef>
               <a:buClr>
                 <a:srgbClr val="000000"/>
               </a:buClr>
-              <a:buFont typeface="Arial"/>
-              <a:buChar char="•"/>
+              <a:buSzPct val="45000"/>
+              <a:buFont typeface="Wingdings" charset="2"/>
+              <a:buChar char=""/>
             </a:pPr>
             <a:r>
-              <a:rPr b="0" lang="en-US" sz="2800" spc="-1" strike="noStrike">
-                <a:solidFill>
-                  <a:srgbClr val="000000"/>
-                </a:solidFill>
-                <a:latin typeface="Calibri"/>
-              </a:rPr>
-              <a:t>Edit Master text styles</a:t>
-            </a:r>
-            <a:endParaRPr b="0" lang="sv-SE" sz="2800" spc="-1" strike="noStrike">
-              <a:solidFill>
-                <a:srgbClr val="000000"/>
-              </a:solidFill>
-              <a:latin typeface="Calibri"/>
-            </a:endParaRPr>
-          </a:p>
-          <a:p>
-            <a:pPr lvl="1" marL="685800" indent="-228240">
-              <a:lnSpc>
-                <a:spcPct val="90000"/>
-              </a:lnSpc>
+              <a:rPr b="0" lang="en-US" sz="3200" spc="-1" strike="noStrike">
+                <a:latin typeface="Arial"/>
+              </a:rPr>
+              <a:t>Click to edit the outline text format</a:t>
+            </a:r>
+            <a:endParaRPr b="0" lang="en-US" sz="3200" spc="-1" strike="noStrike">
+              <a:latin typeface="Arial"/>
+            </a:endParaRPr>
+          </a:p>
+          <a:p>
+            <a:pPr lvl="1" marL="864000" indent="-324000">
               <a:spcBef>
-                <a:spcPts val="499"/>
+                <a:spcPts val="1134"/>
               </a:spcBef>
               <a:buClr>
                 <a:srgbClr val="000000"/>
               </a:buClr>
-              <a:buFont typeface="Arial"/>
-              <a:buChar char="•"/>
+              <a:buSzPct val="75000"/>
+              <a:buFont typeface="Symbol" charset="2"/>
+              <a:buChar char=""/>
             </a:pPr>
             <a:r>
-              <a:rPr b="0" lang="en-US" sz="2400" spc="-1" strike="noStrike">
-                <a:solidFill>
-                  <a:srgbClr val="000000"/>
-                </a:solidFill>
-                <a:latin typeface="Calibri"/>
-              </a:rPr>
-              <a:t>Second level</a:t>
-            </a:r>
-            <a:endParaRPr b="0" lang="sv-SE" sz="2400" spc="-1" strike="noStrike">
-              <a:solidFill>
-                <a:srgbClr val="000000"/>
-              </a:solidFill>
-              <a:latin typeface="Calibri"/>
-            </a:endParaRPr>
-          </a:p>
-          <a:p>
-            <a:pPr lvl="2" marL="1143000" indent="-228240">
-              <a:lnSpc>
-                <a:spcPct val="90000"/>
-              </a:lnSpc>
+              <a:rPr b="0" lang="en-US" sz="2800" spc="-1" strike="noStrike">
+                <a:latin typeface="Arial"/>
+              </a:rPr>
+              <a:t>Second Outline Level</a:t>
+            </a:r>
+            <a:endParaRPr b="0" lang="en-US" sz="2800" spc="-1" strike="noStrike">
+              <a:latin typeface="Arial"/>
+            </a:endParaRPr>
+          </a:p>
+          <a:p>
+            <a:pPr lvl="2" marL="1296000" indent="-288000">
               <a:spcBef>
-                <a:spcPts val="499"/>
+                <a:spcPts val="850"/>
               </a:spcBef>
               <a:buClr>
                 <a:srgbClr val="000000"/>
               </a:buClr>
-              <a:buFont typeface="Arial"/>
-              <a:buChar char="•"/>
+              <a:buSzPct val="45000"/>
+              <a:buFont typeface="Wingdings" charset="2"/>
+              <a:buChar char=""/>
             </a:pPr>
             <a:r>
-              <a:rPr b="0" lang="en-US" sz="2000" spc="-1" strike="noStrike">
-                <a:solidFill>
-                  <a:srgbClr val="000000"/>
-                </a:solidFill>
-                <a:latin typeface="Calibri"/>
-              </a:rPr>
-              <a:t>Third level</a:t>
-            </a:r>
-            <a:endParaRPr b="0" lang="sv-SE" sz="2000" spc="-1" strike="noStrike">
-              <a:solidFill>
-                <a:srgbClr val="000000"/>
-              </a:solidFill>
-              <a:latin typeface="Calibri"/>
-            </a:endParaRPr>
-          </a:p>
-          <a:p>
-            <a:pPr lvl="3" marL="1600200" indent="-228240">
-              <a:lnSpc>
-                <a:spcPct val="90000"/>
-              </a:lnSpc>
+              <a:rPr b="0" lang="en-US" sz="2400" spc="-1" strike="noStrike">
+                <a:latin typeface="Arial"/>
+              </a:rPr>
+              <a:t>Third Outline Level</a:t>
+            </a:r>
+            <a:endParaRPr b="0" lang="en-US" sz="2400" spc="-1" strike="noStrike">
+              <a:latin typeface="Arial"/>
+            </a:endParaRPr>
+          </a:p>
+          <a:p>
+            <a:pPr lvl="3" marL="1728000" indent="-216000">
               <a:spcBef>
-                <a:spcPts val="499"/>
+                <a:spcPts val="567"/>
               </a:spcBef>
               <a:buClr>
                 <a:srgbClr val="000000"/>
               </a:buClr>
-              <a:buFont typeface="Arial"/>
-              <a:buChar char="•"/>
+              <a:buSzPct val="75000"/>
+              <a:buFont typeface="Symbol" charset="2"/>
+              <a:buChar char=""/>
             </a:pPr>
             <a:r>
-              <a:rPr b="0" lang="en-US" sz="1800" spc="-1" strike="noStrike">
-                <a:solidFill>
-                  <a:srgbClr val="000000"/>
-                </a:solidFill>
-                <a:latin typeface="Calibri"/>
-              </a:rPr>
-              <a:t>Fourth level</a:t>
-            </a:r>
-            <a:endParaRPr b="0" lang="sv-SE" sz="1800" spc="-1" strike="noStrike">
-              <a:solidFill>
-                <a:srgbClr val="000000"/>
-              </a:solidFill>
-              <a:latin typeface="Calibri"/>
-            </a:endParaRPr>
-          </a:p>
-          <a:p>
-            <a:pPr lvl="4" marL="2057400" indent="-228240">
-              <a:lnSpc>
-                <a:spcPct val="90000"/>
-              </a:lnSpc>
+              <a:rPr b="0" lang="en-US" sz="2000" spc="-1" strike="noStrike">
+                <a:latin typeface="Arial"/>
+              </a:rPr>
+              <a:t>Fourth Outline Level</a:t>
+            </a:r>
+            <a:endParaRPr b="0" lang="en-US" sz="2000" spc="-1" strike="noStrike">
+              <a:latin typeface="Arial"/>
+            </a:endParaRPr>
+          </a:p>
+          <a:p>
+            <a:pPr lvl="4" marL="2160000" indent="-216000">
               <a:spcBef>
-                <a:spcPts val="499"/>
+                <a:spcPts val="283"/>
               </a:spcBef>
               <a:buClr>
                 <a:srgbClr val="000000"/>
               </a:buClr>
-              <a:buFont typeface="Arial"/>
-              <a:buChar char="•"/>
+              <a:buSzPct val="45000"/>
+              <a:buFont typeface="Wingdings" charset="2"/>
+              <a:buChar char=""/>
             </a:pPr>
             <a:r>
-              <a:rPr b="0" lang="en-US" sz="1800" spc="-1" strike="noStrike">
-                <a:solidFill>
-                  <a:srgbClr val="000000"/>
-                </a:solidFill>
-                <a:latin typeface="Calibri"/>
-              </a:rPr>
-              <a:t>Fifth level</a:t>
-            </a:r>
-            <a:endParaRPr b="0" lang="sv-SE" sz="1800" spc="-1" strike="noStrike">
-              <a:solidFill>
+              <a:rPr b="0" lang="en-US" sz="2000" spc="-1" strike="noStrike">
+                <a:latin typeface="Arial"/>
+              </a:rPr>
+              <a:t>Fifth Outline Level</a:t>
+            </a:r>
+            <a:endParaRPr b="0" lang="en-US" sz="2000" spc="-1" strike="noStrike">
+              <a:latin typeface="Arial"/>
+            </a:endParaRPr>
+          </a:p>
+          <a:p>
+            <a:pPr lvl="5" marL="2592000" indent="-216000">
+              <a:spcBef>
+                <a:spcPts val="283"/>
+              </a:spcBef>
+              <a:buClr>
                 <a:srgbClr val="000000"/>
-              </a:solidFill>
-              <a:latin typeface="Calibri"/>
-            </a:endParaRPr>
-          </a:p>
-        </p:txBody>
-      </p:sp>
-      <p:sp>
-        <p:nvSpPr>
-          <p:cNvPr id="160" name="PlaceHolder 3"/>
-          <p:cNvSpPr>
-            <a:spLocks noGrp="1"/>
-          </p:cNvSpPr>
-          <p:nvPr>
-            <p:ph type="dt"/>
-          </p:nvPr>
-        </p:nvSpPr>
-        <p:spPr>
-          <a:xfrm>
-            <a:off x="628200" y="4767480"/>
-            <a:ext cx="2057040" cy="273600"/>
-          </a:xfrm>
-          <a:prstGeom prst="rect">
-            <a:avLst/>
-          </a:prstGeom>
-        </p:spPr>
-        <p:txBody>
-          <a:bodyPr anchor="ctr">
-            <a:noAutofit/>
-          </a:bodyPr>
-          <a:p>
-            <a:pPr>
-              <a:lnSpc>
-                <a:spcPct val="100000"/>
-              </a:lnSpc>
+              </a:buClr>
+              <a:buSzPct val="45000"/>
+              <a:buFont typeface="Wingdings" charset="2"/>
+              <a:buChar char=""/>
             </a:pPr>
-            <a:fld id="{0391E490-001F-4B68-B9B2-CF575A5E3DC5}" type="datetime">
-              <a:rPr b="0" lang="sv-SE" sz="1200" spc="-1" strike="noStrike">
-                <a:solidFill>
-                  <a:srgbClr val="8b8b8b"/>
-                </a:solidFill>
-                <a:latin typeface="Calibri"/>
-              </a:rPr>
-              <a:t>2022-03-11</a:t>
-            </a:fld>
-            <a:endParaRPr b="0" lang="en-US" sz="1200" spc="-1" strike="noStrike">
-              <a:latin typeface="Times New Roman"/>
-            </a:endParaRPr>
-          </a:p>
-        </p:txBody>
-      </p:sp>
-      <p:sp>
-        <p:nvSpPr>
-          <p:cNvPr id="161" name="PlaceHolder 4"/>
-          <p:cNvSpPr>
-            <a:spLocks noGrp="1"/>
-          </p:cNvSpPr>
-          <p:nvPr>
-            <p:ph type="ftr"/>
-          </p:nvPr>
-        </p:nvSpPr>
-        <p:spPr>
-          <a:xfrm>
-            <a:off x="3028680" y="4767480"/>
-            <a:ext cx="3085920" cy="273600"/>
-          </a:xfrm>
-          <a:prstGeom prst="rect">
-            <a:avLst/>
-          </a:prstGeom>
-        </p:spPr>
-        <p:txBody>
-          <a:bodyPr anchor="ctr">
-            <a:noAutofit/>
-          </a:bodyPr>
-          <a:p>
-            <a:endParaRPr b="0" lang="en-US" sz="2400" spc="-1" strike="noStrike">
-              <a:latin typeface="Times New Roman"/>
-            </a:endParaRPr>
-          </a:p>
-        </p:txBody>
-      </p:sp>
-      <p:sp>
-        <p:nvSpPr>
-          <p:cNvPr id="162" name="PlaceHolder 5"/>
-          <p:cNvSpPr>
-            <a:spLocks noGrp="1"/>
-          </p:cNvSpPr>
-          <p:nvPr>
-            <p:ph type="sldNum"/>
-          </p:nvPr>
-        </p:nvSpPr>
-        <p:spPr>
-          <a:xfrm>
-            <a:off x="6457680" y="4767480"/>
-            <a:ext cx="2057040" cy="273600"/>
-          </a:xfrm>
-          <a:prstGeom prst="rect">
-            <a:avLst/>
-          </a:prstGeom>
-        </p:spPr>
-        <p:txBody>
-          <a:bodyPr anchor="ctr">
-            <a:noAutofit/>
-          </a:bodyPr>
-          <a:p>
-            <a:pPr algn="r">
-              <a:lnSpc>
-                <a:spcPct val="100000"/>
-              </a:lnSpc>
+            <a:r>
+              <a:rPr b="0" lang="en-US" sz="2000" spc="-1" strike="noStrike">
+                <a:latin typeface="Arial"/>
+              </a:rPr>
+              <a:t>Sixth Outline Level</a:t>
+            </a:r>
+            <a:endParaRPr b="0" lang="en-US" sz="2000" spc="-1" strike="noStrike">
+              <a:latin typeface="Arial"/>
+            </a:endParaRPr>
+          </a:p>
+          <a:p>
+            <a:pPr lvl="6" marL="3024000" indent="-216000">
+              <a:spcBef>
+                <a:spcPts val="283"/>
+              </a:spcBef>
+              <a:buClr>
+                <a:srgbClr val="000000"/>
+              </a:buClr>
+              <a:buSzPct val="45000"/>
+              <a:buFont typeface="Wingdings" charset="2"/>
+              <a:buChar char=""/>
             </a:pPr>
-            <a:fld id="{7BC7D7D9-987D-454F-89BF-35F2D4552CAB}" type="slidenum">
-              <a:rPr b="0" lang="sv-SE" sz="1200" spc="-1" strike="noStrike">
-                <a:solidFill>
-                  <a:srgbClr val="8b8b8b"/>
-                </a:solidFill>
-                <a:latin typeface="Calibri"/>
-              </a:rPr>
-              <a:t>&lt;number&gt;</a:t>
-            </a:fld>
-            <a:endParaRPr b="0" lang="en-US" sz="1200" spc="-1" strike="noStrike">
-              <a:latin typeface="Times New Roman"/>
+            <a:r>
+              <a:rPr b="0" lang="en-US" sz="2000" spc="-1" strike="noStrike">
+                <a:latin typeface="Arial"/>
+              </a:rPr>
+              <a:t>Seventh Outline Level</a:t>
+            </a:r>
+            <a:endParaRPr b="0" lang="en-US" sz="2000" spc="-1" strike="noStrike">
+              <a:latin typeface="Arial"/>
             </a:endParaRPr>
           </a:p>
         </p:txBody>
@@ -10301,14 +10243,14 @@
       </p:grpSpPr>
       <p:sp>
         <p:nvSpPr>
-          <p:cNvPr id="205" name="CustomShape 1"/>
+          <p:cNvPr id="202" name="CustomShape 1"/>
           <p:cNvSpPr/>
           <p:nvPr/>
         </p:nvSpPr>
         <p:spPr>
           <a:xfrm>
             <a:off x="1440" y="0"/>
-            <a:ext cx="9140040" cy="5142240"/>
+            <a:ext cx="9139680" cy="5141880"/>
           </a:xfrm>
           <a:prstGeom prst="rect">
             <a:avLst/>
@@ -10332,14 +10274,14 @@
       </p:sp>
       <p:sp>
         <p:nvSpPr>
-          <p:cNvPr id="206" name="CustomShape 2"/>
+          <p:cNvPr id="203" name="CustomShape 2"/>
           <p:cNvSpPr/>
           <p:nvPr/>
         </p:nvSpPr>
         <p:spPr>
           <a:xfrm>
             <a:off x="-32760" y="0"/>
-            <a:ext cx="4174920" cy="5142240"/>
+            <a:ext cx="4174560" cy="5141880"/>
           </a:xfrm>
           <a:prstGeom prst="rect">
             <a:avLst/>
@@ -10363,14 +10305,14 @@
       </p:sp>
       <p:sp>
         <p:nvSpPr>
-          <p:cNvPr id="207" name="CustomShape 3"/>
+          <p:cNvPr id="204" name="CustomShape 3"/>
           <p:cNvSpPr/>
           <p:nvPr/>
         </p:nvSpPr>
         <p:spPr>
           <a:xfrm>
             <a:off x="7640640" y="3860640"/>
-            <a:ext cx="1273680" cy="1068120"/>
+            <a:ext cx="1273320" cy="1067760"/>
           </a:xfrm>
           <a:prstGeom prst="rect">
             <a:avLst/>
@@ -10394,14 +10336,14 @@
       </p:sp>
       <p:sp>
         <p:nvSpPr>
-          <p:cNvPr id="208" name="CustomShape 4"/>
+          <p:cNvPr id="205" name="CustomShape 4"/>
           <p:cNvSpPr/>
           <p:nvPr/>
         </p:nvSpPr>
         <p:spPr>
           <a:xfrm>
             <a:off x="457200" y="839880"/>
-            <a:ext cx="5028120" cy="870840"/>
+            <a:ext cx="5027760" cy="870480"/>
           </a:xfrm>
           <a:prstGeom prst="rect">
             <a:avLst/>
@@ -10448,14 +10390,14 @@
       </p:sp>
       <p:sp>
         <p:nvSpPr>
-          <p:cNvPr id="209" name="CustomShape 5"/>
+          <p:cNvPr id="206" name="CustomShape 5"/>
           <p:cNvSpPr/>
           <p:nvPr/>
         </p:nvSpPr>
         <p:spPr>
           <a:xfrm>
             <a:off x="457200" y="4095720"/>
-            <a:ext cx="5713920" cy="378000"/>
+            <a:ext cx="5713560" cy="377640"/>
           </a:xfrm>
           <a:prstGeom prst="rect">
             <a:avLst/>
@@ -10474,7 +10416,7 @@
       </p:sp>
       <p:pic>
         <p:nvPicPr>
-          <p:cNvPr id="210" name="Picture 6" descr="https://azure.microsoft.com/svghandler/container-registry/?width=600&amp;height=315"/>
+          <p:cNvPr id="207" name="Picture 6" descr="https://azure.microsoft.com/svghandler/container-registry/?width=600&amp;height=315"/>
           <p:cNvPicPr/>
           <p:nvPr/>
         </p:nvPicPr>
@@ -10485,7 +10427,7 @@
         <p:spPr>
           <a:xfrm>
             <a:off x="4379760" y="665640"/>
-            <a:ext cx="4558320" cy="2392560"/>
+            <a:ext cx="4557960" cy="2392200"/>
           </a:xfrm>
           <a:prstGeom prst="rect">
             <a:avLst/>
@@ -10497,14 +10439,14 @@
       </p:pic>
       <p:sp>
         <p:nvSpPr>
-          <p:cNvPr id="211" name="CustomShape 6"/>
+          <p:cNvPr id="208" name="CustomShape 6"/>
           <p:cNvSpPr/>
           <p:nvPr/>
         </p:nvSpPr>
         <p:spPr>
           <a:xfrm>
             <a:off x="457200" y="4552920"/>
-            <a:ext cx="3580920" cy="194760"/>
+            <a:ext cx="3580560" cy="194400"/>
           </a:xfrm>
           <a:prstGeom prst="rect">
             <a:avLst/>
@@ -10553,14 +10495,14 @@
       </p:grpSpPr>
       <p:sp>
         <p:nvSpPr>
-          <p:cNvPr id="238" name="CustomShape 1"/>
+          <p:cNvPr id="235" name="CustomShape 1"/>
           <p:cNvSpPr/>
           <p:nvPr/>
         </p:nvSpPr>
         <p:spPr>
           <a:xfrm>
             <a:off x="28080" y="39240"/>
-            <a:ext cx="9115560" cy="1240560"/>
+            <a:ext cx="9115200" cy="1240200"/>
           </a:xfrm>
           <a:prstGeom prst="rect">
             <a:avLst/>
@@ -10588,7 +10530,11 @@
             </a:pPr>
             <a:r>
               <a:rPr b="1" lang="en-US" sz="1200" spc="-1" strike="noStrike">
-                <a:latin typeface="Arial"/>
+                <a:solidFill>
+                  <a:srgbClr val="000000"/>
+                </a:solidFill>
+                <a:latin typeface="Arial"/>
+                <a:ea typeface="DejaVu Sans"/>
               </a:rPr>
               <a:t>Docker objects</a:t>
             </a:r>
@@ -10604,7 +10550,11 @@
             </a:pPr>
             <a:r>
               <a:rPr b="0" lang="en-US" sz="1000" spc="-1" strike="noStrike">
-                <a:latin typeface="Arial"/>
+                <a:solidFill>
+                  <a:srgbClr val="000000"/>
+                </a:solidFill>
+                <a:latin typeface="Arial"/>
+                <a:ea typeface="DejaVu Sans"/>
               </a:rPr>
               <a:t>When you use Docker, you are creating and using images, containers, networks, volumes, plugins, and other objects. This section is a brief overview of some of those objects.</a:t>
             </a:r>
@@ -10626,14 +10576,14 @@
       </p:sp>
       <p:sp>
         <p:nvSpPr>
-          <p:cNvPr id="239" name="CustomShape 2"/>
+          <p:cNvPr id="236" name="CustomShape 2"/>
           <p:cNvSpPr/>
           <p:nvPr/>
         </p:nvSpPr>
         <p:spPr>
           <a:xfrm>
             <a:off x="28080" y="1097280"/>
-            <a:ext cx="9024120" cy="1367280"/>
+            <a:ext cx="9023760" cy="1366920"/>
           </a:xfrm>
           <a:prstGeom prst="rect">
             <a:avLst/>
@@ -10661,7 +10611,11 @@
             </a:pPr>
             <a:r>
               <a:rPr b="0" lang="en-US" sz="1100" spc="-1" strike="noStrike">
-                <a:latin typeface="Arial"/>
+                <a:solidFill>
+                  <a:srgbClr val="000000"/>
+                </a:solidFill>
+                <a:latin typeface="Arial"/>
+                <a:ea typeface="DejaVu Sans"/>
               </a:rPr>
               <a:t>Images</a:t>
             </a:r>
@@ -10677,7 +10631,11 @@
             </a:pPr>
             <a:r>
               <a:rPr b="0" lang="en-US" sz="1000" spc="-1" strike="noStrike">
-                <a:latin typeface="Arial"/>
+                <a:solidFill>
+                  <a:srgbClr val="000000"/>
+                </a:solidFill>
+                <a:latin typeface="Arial"/>
+                <a:ea typeface="DejaVu Sans"/>
               </a:rPr>
               <a:t>An image is a read-only template with instructions for creating a Docker container. Often, an image is based on another image, with some additional customization. For example, you may build an image which is based on the ubuntu image, but installs the Apache web server and your application, as well as the configuration details needed to make your application run.</a:t>
             </a:r>
@@ -10699,14 +10657,14 @@
       </p:sp>
       <p:sp>
         <p:nvSpPr>
-          <p:cNvPr id="240" name="CustomShape 3"/>
+          <p:cNvPr id="237" name="CustomShape 3"/>
           <p:cNvSpPr/>
           <p:nvPr/>
         </p:nvSpPr>
         <p:spPr>
           <a:xfrm>
             <a:off x="28080" y="2248560"/>
-            <a:ext cx="9298440" cy="1225800"/>
+            <a:ext cx="9298080" cy="1225440"/>
           </a:xfrm>
           <a:prstGeom prst="rect">
             <a:avLst/>
@@ -10734,7 +10692,11 @@
             </a:pPr>
             <a:r>
               <a:rPr b="0" lang="en-US" sz="1100" spc="-1" strike="noStrike">
-                <a:latin typeface="Arial"/>
+                <a:solidFill>
+                  <a:srgbClr val="000000"/>
+                </a:solidFill>
+                <a:latin typeface="Arial"/>
+                <a:ea typeface="DejaVu Sans"/>
               </a:rPr>
               <a:t>Containers</a:t>
             </a:r>
@@ -10750,7 +10712,11 @@
             </a:pPr>
             <a:r>
               <a:rPr b="0" lang="en-US" sz="1000" spc="-1" strike="noStrike">
-                <a:latin typeface="Arial"/>
+                <a:solidFill>
+                  <a:srgbClr val="000000"/>
+                </a:solidFill>
+                <a:latin typeface="Arial"/>
+                <a:ea typeface="DejaVu Sans"/>
               </a:rPr>
               <a:t>A container is a runnable instance of an image. You can create, start, stop, move, or delete a container using the Docker API or CLI. You can connect a container to one or more networks, attach storage to it, or even create a new image based on its current state.</a:t>
             </a:r>
@@ -10802,14 +10768,14 @@
       </p:grpSpPr>
       <p:sp>
         <p:nvSpPr>
-          <p:cNvPr id="241" name="CustomShape 1"/>
+          <p:cNvPr id="238" name="CustomShape 1"/>
           <p:cNvSpPr/>
           <p:nvPr/>
         </p:nvSpPr>
         <p:spPr>
           <a:xfrm>
             <a:off x="1761480" y="3408840"/>
-            <a:ext cx="1355400" cy="465480"/>
+            <a:ext cx="1355040" cy="465480"/>
           </a:xfrm>
           <a:prstGeom prst="rect">
             <a:avLst/>
@@ -10839,7 +10805,7 @@
               </a:spcBef>
             </a:pPr>
             <a:r>
-              <a:rPr b="0" lang="es-ES" sz="1500" spc="168" strike="noStrike">
+              <a:rPr b="0" lang="es-ES" sz="1500" spc="165" strike="noStrike">
                 <a:solidFill>
                   <a:srgbClr val="3e3e3e"/>
                 </a:solidFill>
@@ -10849,7 +10815,7 @@
               <a:t>Docker</a:t>
             </a:r>
             <a:r>
-              <a:rPr b="0" lang="es-ES" sz="1500" spc="29" strike="noStrike">
+              <a:rPr b="0" lang="es-ES" sz="1500" spc="26" strike="noStrike">
                 <a:solidFill>
                   <a:srgbClr val="3e3e3e"/>
                 </a:solidFill>
@@ -10876,14 +10842,14 @@
       </p:sp>
       <p:sp>
         <p:nvSpPr>
-          <p:cNvPr id="242" name="CustomShape 2"/>
+          <p:cNvPr id="239" name="CustomShape 2"/>
           <p:cNvSpPr/>
           <p:nvPr/>
         </p:nvSpPr>
         <p:spPr>
           <a:xfrm>
             <a:off x="777240" y="3866400"/>
-            <a:ext cx="3324600" cy="864360"/>
+            <a:ext cx="3324240" cy="864360"/>
           </a:xfrm>
           <a:prstGeom prst="rect">
             <a:avLst/>
@@ -10904,7 +10870,7 @@
             <a:spAutoFit/>
           </a:bodyPr>
           <a:p>
-            <a:pPr marL="825480" indent="-815040">
+            <a:pPr marL="825480" indent="-814680">
               <a:lnSpc>
                 <a:spcPct val="125000"/>
               </a:lnSpc>
@@ -10916,7 +10882,7 @@
               </a:tabLst>
             </a:pPr>
             <a:r>
-              <a:rPr b="0" lang="es-ES" sz="1500" spc="162" strike="noStrike">
+              <a:rPr b="0" lang="es-ES" sz="1500" spc="160" strike="noStrike">
                 <a:solidFill>
                   <a:srgbClr val="808080"/>
                 </a:solidFill>
@@ -10926,7 +10892,7 @@
               <a:t>Example: </a:t>
             </a:r>
             <a:r>
-              <a:rPr b="0" lang="es-ES" sz="1500" spc="143" strike="noStrike">
+              <a:rPr b="0" lang="es-ES" sz="1500" spc="140" strike="noStrike">
                 <a:solidFill>
                   <a:srgbClr val="808080"/>
                 </a:solidFill>
@@ -10936,7 +10902,7 @@
               <a:t>Ubuntu </a:t>
             </a:r>
             <a:r>
-              <a:rPr b="0" lang="es-ES" sz="1500" spc="128" strike="noStrike">
+              <a:rPr b="0" lang="es-ES" sz="1500" spc="126" strike="noStrike">
                 <a:solidFill>
                   <a:srgbClr val="808080"/>
                 </a:solidFill>
@@ -10946,7 +10912,7 @@
               <a:t>with </a:t>
             </a:r>
             <a:r>
-              <a:rPr b="0" lang="es-ES" sz="1500" spc="143" strike="noStrike">
+              <a:rPr b="0" lang="es-ES" sz="1500" spc="140" strike="noStrike">
                 <a:solidFill>
                   <a:srgbClr val="808080"/>
                 </a:solidFill>
@@ -10966,7 +10932,7 @@
               <a:t> </a:t>
             </a:r>
             <a:r>
-              <a:rPr b="0" lang="es-ES" sz="1500" spc="162" strike="noStrike">
+              <a:rPr b="0" lang="es-ES" sz="1500" spc="160" strike="noStrike">
                 <a:solidFill>
                   <a:srgbClr val="808080"/>
                 </a:solidFill>
@@ -10976,7 +10942,7 @@
               <a:t>and  </a:t>
             </a:r>
             <a:r>
-              <a:rPr b="0" lang="es-ES" sz="1500" spc="154" strike="noStrike">
+              <a:rPr b="0" lang="es-ES" sz="1500" spc="151" strike="noStrike">
                 <a:solidFill>
                   <a:srgbClr val="808080"/>
                 </a:solidFill>
@@ -10986,7 +10952,7 @@
               <a:t>Application</a:t>
             </a:r>
             <a:r>
-              <a:rPr b="0" lang="es-ES" sz="1500" spc="72" strike="noStrike">
+              <a:rPr b="0" lang="es-ES" sz="1500" spc="69" strike="noStrike">
                 <a:solidFill>
                   <a:srgbClr val="808080"/>
                 </a:solidFill>
@@ -10996,7 +10962,7 @@
               <a:t> </a:t>
             </a:r>
             <a:r>
-              <a:rPr b="0" lang="es-ES" sz="1500" spc="202" strike="noStrike">
+              <a:rPr b="0" lang="es-ES" sz="1500" spc="199" strike="noStrike">
                 <a:solidFill>
                   <a:srgbClr val="808080"/>
                 </a:solidFill>
@@ -11013,14 +10979,14 @@
       </p:sp>
       <p:sp>
         <p:nvSpPr>
-          <p:cNvPr id="243" name="CustomShape 3"/>
+          <p:cNvPr id="240" name="CustomShape 3"/>
           <p:cNvSpPr/>
           <p:nvPr/>
         </p:nvSpPr>
         <p:spPr>
           <a:xfrm>
             <a:off x="5838840" y="3408840"/>
-            <a:ext cx="1773000" cy="465480"/>
+            <a:ext cx="1772640" cy="465480"/>
           </a:xfrm>
           <a:prstGeom prst="rect">
             <a:avLst/>
@@ -11050,7 +11016,7 @@
               </a:spcBef>
             </a:pPr>
             <a:r>
-              <a:rPr b="0" lang="es-ES" sz="1500" spc="205" strike="noStrike">
+              <a:rPr b="0" lang="es-ES" sz="1500" spc="202" strike="noStrike">
                 <a:solidFill>
                   <a:srgbClr val="3e3e3e"/>
                 </a:solidFill>
@@ -11060,7 +11026,7 @@
               <a:t>Docker</a:t>
             </a:r>
             <a:r>
-              <a:rPr b="0" lang="es-ES" sz="1500" spc="75" strike="noStrike">
+              <a:rPr b="0" lang="es-ES" sz="1500" spc="72" strike="noStrike">
                 <a:solidFill>
                   <a:srgbClr val="3e3e3e"/>
                 </a:solidFill>
@@ -11087,14 +11053,14 @@
       </p:sp>
       <p:sp>
         <p:nvSpPr>
-          <p:cNvPr id="244" name="CustomShape 4"/>
+          <p:cNvPr id="241" name="CustomShape 4"/>
           <p:cNvSpPr/>
           <p:nvPr/>
         </p:nvSpPr>
         <p:spPr>
           <a:xfrm>
             <a:off x="5149800" y="3922920"/>
-            <a:ext cx="3170880" cy="693720"/>
+            <a:ext cx="3170520" cy="693720"/>
           </a:xfrm>
           <a:prstGeom prst="rect">
             <a:avLst/>
@@ -11115,7 +11081,7 @@
             <a:spAutoFit/>
           </a:bodyPr>
           <a:p>
-            <a:pPr marL="771480" indent="-761400">
+            <a:pPr marL="771480" indent="-761040">
               <a:lnSpc>
                 <a:spcPct val="100000"/>
               </a:lnSpc>
@@ -11127,7 +11093,7 @@
               </a:tabLst>
             </a:pPr>
             <a:r>
-              <a:rPr b="0" lang="es-ES" sz="1500" spc="162" strike="noStrike">
+              <a:rPr b="0" lang="es-ES" sz="1500" spc="160" strike="noStrike">
                 <a:solidFill>
                   <a:srgbClr val="808080"/>
                 </a:solidFill>
@@ -11137,7 +11103,7 @@
               <a:t>Created </a:t>
             </a:r>
             <a:r>
-              <a:rPr b="0" lang="es-ES" sz="1500" spc="205" strike="noStrike">
+              <a:rPr b="0" lang="es-ES" sz="1500" spc="202" strike="noStrike">
                 <a:solidFill>
                   <a:srgbClr val="808080"/>
                 </a:solidFill>
@@ -11157,7 +11123,7 @@
               <a:t> </a:t>
             </a:r>
             <a:r>
-              <a:rPr b="0" lang="es-ES" sz="1500" spc="154" strike="noStrike">
+              <a:rPr b="0" lang="es-ES" sz="1500" spc="151" strike="noStrike">
                 <a:solidFill>
                   <a:srgbClr val="808080"/>
                 </a:solidFill>
@@ -11167,6 +11133,16 @@
               <a:t>using </a:t>
             </a:r>
             <a:r>
+              <a:rPr b="0" lang="es-ES" sz="1500" spc="140" strike="noStrike">
+                <a:solidFill>
+                  <a:srgbClr val="808080"/>
+                </a:solidFill>
+                <a:latin typeface="Calibri"/>
+                <a:ea typeface="DejaVu Sans"/>
+              </a:rPr>
+              <a:t>an </a:t>
+            </a:r>
+            <a:r>
               <a:rPr b="0" lang="es-ES" sz="1500" spc="143" strike="noStrike">
                 <a:solidFill>
                   <a:srgbClr val="808080"/>
@@ -11174,56 +11150,46 @@
                 <a:latin typeface="Calibri"/>
                 <a:ea typeface="DejaVu Sans"/>
               </a:rPr>
-              <a:t>an </a:t>
-            </a:r>
-            <a:r>
-              <a:rPr b="0" lang="es-ES" sz="1500" spc="145" strike="noStrike">
+              <a:t>image. </a:t>
+            </a:r>
+            <a:r>
+              <a:rPr b="0" lang="es-ES" sz="1500" spc="165" strike="noStrike">
                 <a:solidFill>
                   <a:srgbClr val="808080"/>
                 </a:solidFill>
                 <a:latin typeface="Calibri"/>
                 <a:ea typeface="DejaVu Sans"/>
               </a:rPr>
-              <a:t>image. </a:t>
-            </a:r>
-            <a:r>
-              <a:rPr b="0" lang="es-ES" sz="1500" spc="168" strike="noStrike">
+              <a:t>Runs  </a:t>
+            </a:r>
+            <a:r>
+              <a:rPr b="0" lang="es-ES" sz="1500" spc="140" strike="noStrike">
                 <a:solidFill>
                   <a:srgbClr val="808080"/>
                 </a:solidFill>
                 <a:latin typeface="Calibri"/>
                 <a:ea typeface="DejaVu Sans"/>
               </a:rPr>
-              <a:t>Runs  </a:t>
-            </a:r>
-            <a:r>
-              <a:rPr b="0" lang="es-ES" sz="1500" spc="143" strike="noStrike">
+              <a:t>your</a:t>
+            </a:r>
+            <a:r>
+              <a:rPr b="0" lang="es-ES" sz="1500" spc="63" strike="noStrike">
                 <a:solidFill>
                   <a:srgbClr val="808080"/>
                 </a:solidFill>
                 <a:latin typeface="Calibri"/>
                 <a:ea typeface="DejaVu Sans"/>
               </a:rPr>
-              <a:t>your</a:t>
-            </a:r>
-            <a:r>
-              <a:rPr b="0" lang="es-ES" sz="1500" spc="66" strike="noStrike">
+              <a:t> </a:t>
+            </a:r>
+            <a:r>
+              <a:rPr b="0" lang="es-ES" sz="1500" spc="126" strike="noStrike">
                 <a:solidFill>
                   <a:srgbClr val="808080"/>
                 </a:solidFill>
                 <a:latin typeface="Calibri"/>
                 <a:ea typeface="DejaVu Sans"/>
               </a:rPr>
-              <a:t> </a:t>
-            </a:r>
-            <a:r>
-              <a:rPr b="0" lang="es-ES" sz="1500" spc="128" strike="noStrike">
-                <a:solidFill>
-                  <a:srgbClr val="808080"/>
-                </a:solidFill>
-                <a:latin typeface="Calibri"/>
-                <a:ea typeface="DejaVu Sans"/>
-              </a:rPr>
               <a:t>application.</a:t>
             </a:r>
             <a:endParaRPr b="0" lang="en-US" sz="1500" spc="-1" strike="noStrike">
@@ -11234,14 +11200,14 @@
       </p:sp>
       <p:sp>
         <p:nvSpPr>
-          <p:cNvPr id="245" name="CustomShape 5"/>
+          <p:cNvPr id="242" name="CustomShape 5"/>
           <p:cNvSpPr/>
           <p:nvPr/>
         </p:nvSpPr>
         <p:spPr>
           <a:xfrm>
             <a:off x="5578920" y="1284840"/>
-            <a:ext cx="2252880" cy="1999080"/>
+            <a:ext cx="2252520" cy="1998720"/>
           </a:xfrm>
           <a:prstGeom prst="rect">
             <a:avLst/>
@@ -11265,14 +11231,14 @@
       </p:sp>
       <p:sp>
         <p:nvSpPr>
-          <p:cNvPr id="246" name="CustomShape 6"/>
+          <p:cNvPr id="243" name="CustomShape 6"/>
           <p:cNvSpPr/>
           <p:nvPr/>
         </p:nvSpPr>
         <p:spPr>
           <a:xfrm>
             <a:off x="1582560" y="389160"/>
-            <a:ext cx="5911200" cy="867600"/>
+            <a:ext cx="5910840" cy="867240"/>
           </a:xfrm>
           <a:prstGeom prst="rect">
             <a:avLst/>
@@ -11302,7 +11268,7 @@
               </a:spcBef>
             </a:pPr>
             <a:r>
-              <a:rPr b="0" lang="es-ES" sz="2700" spc="128" strike="noStrike">
+              <a:rPr b="0" lang="es-ES" sz="2700" spc="126" strike="noStrike">
                 <a:solidFill>
                   <a:srgbClr val="3e3e3e"/>
                 </a:solidFill>
@@ -11322,7 +11288,7 @@
               <a:t> </a:t>
             </a:r>
             <a:r>
-              <a:rPr b="0" lang="es-ES" sz="2700" spc="168" strike="noStrike">
+              <a:rPr b="0" lang="es-ES" sz="2700" spc="165" strike="noStrike">
                 <a:solidFill>
                   <a:srgbClr val="3e3e3e"/>
                 </a:solidFill>
@@ -11362,7 +11328,7 @@
               <a:t> </a:t>
             </a:r>
             <a:r>
-              <a:rPr b="0" lang="es-ES" sz="2700" spc="109" strike="noStrike">
+              <a:rPr b="0" lang="es-ES" sz="2700" spc="106" strike="noStrike">
                 <a:solidFill>
                   <a:srgbClr val="3e3e3e"/>
                 </a:solidFill>
@@ -11402,7 +11368,7 @@
               <a:t> </a:t>
             </a:r>
             <a:r>
-              <a:rPr b="0" lang="es-ES" sz="2700" spc="154" strike="noStrike">
+              <a:rPr b="0" lang="es-ES" sz="2700" spc="151" strike="noStrike">
                 <a:solidFill>
                   <a:srgbClr val="3e3e3e"/>
                 </a:solidFill>
@@ -11419,14 +11385,14 @@
       </p:sp>
       <p:sp>
         <p:nvSpPr>
-          <p:cNvPr id="247" name="CustomShape 7"/>
+          <p:cNvPr id="244" name="CustomShape 7"/>
           <p:cNvSpPr/>
           <p:nvPr/>
         </p:nvSpPr>
         <p:spPr>
           <a:xfrm>
             <a:off x="1716840" y="1371600"/>
-            <a:ext cx="1442520" cy="1821960"/>
+            <a:ext cx="1442160" cy="1821600"/>
           </a:xfrm>
           <a:prstGeom prst="rect">
             <a:avLst/>
@@ -11450,14 +11416,14 @@
       </p:sp>
       <p:sp>
         <p:nvSpPr>
-          <p:cNvPr id="248" name="CustomShape 8"/>
+          <p:cNvPr id="245" name="CustomShape 8"/>
           <p:cNvSpPr/>
           <p:nvPr/>
         </p:nvSpPr>
         <p:spPr>
           <a:xfrm>
             <a:off x="3594240" y="2387160"/>
-            <a:ext cx="1890720" cy="360"/>
+            <a:ext cx="1890360" cy="360"/>
           </a:xfrm>
           <a:custGeom>
             <a:avLst/>
@@ -11492,14 +11458,14 @@
       </p:sp>
       <p:sp>
         <p:nvSpPr>
-          <p:cNvPr id="249" name="CustomShape 9"/>
+          <p:cNvPr id="246" name="CustomShape 9"/>
           <p:cNvSpPr/>
           <p:nvPr/>
         </p:nvSpPr>
         <p:spPr>
           <a:xfrm>
             <a:off x="5466960" y="2330640"/>
-            <a:ext cx="112320" cy="112320"/>
+            <a:ext cx="111960" cy="111960"/>
           </a:xfrm>
           <a:custGeom>
             <a:avLst/>
@@ -11570,14 +11536,14 @@
       </p:grpSpPr>
       <p:sp>
         <p:nvSpPr>
-          <p:cNvPr id="250" name="CustomShape 1"/>
+          <p:cNvPr id="247" name="CustomShape 1"/>
           <p:cNvSpPr/>
           <p:nvPr/>
         </p:nvSpPr>
         <p:spPr>
           <a:xfrm>
             <a:off x="4683240" y="860400"/>
-            <a:ext cx="3512520" cy="2864520"/>
+            <a:ext cx="3512160" cy="2864160"/>
           </a:xfrm>
           <a:prstGeom prst="rect">
             <a:avLst/>
@@ -11598,7 +11564,7 @@
             <a:spAutoFit/>
           </a:bodyPr>
           <a:p>
-            <a:pPr marL="145440" indent="-131760">
+            <a:pPr marL="145440" indent="-131400">
               <a:lnSpc>
                 <a:spcPts val="2171"/>
               </a:lnSpc>
@@ -11669,7 +11635,7 @@
             </a:endParaRPr>
           </a:p>
           <a:p>
-            <a:pPr marL="145440" indent="-131760">
+            <a:pPr marL="145440" indent="-131400">
               <a:lnSpc>
                 <a:spcPct val="100000"/>
               </a:lnSpc>
@@ -11720,7 +11686,7 @@
             </a:endParaRPr>
           </a:p>
           <a:p>
-            <a:pPr marL="145440" indent="-131760">
+            <a:pPr marL="145440" indent="-131400">
               <a:lnSpc>
                 <a:spcPct val="100000"/>
               </a:lnSpc>
@@ -11791,7 +11757,7 @@
             </a:endParaRPr>
           </a:p>
           <a:p>
-            <a:pPr marL="145440" indent="-131760">
+            <a:pPr marL="145440" indent="-131400">
               <a:lnSpc>
                 <a:spcPts val="2171"/>
               </a:lnSpc>
@@ -11842,7 +11808,7 @@
             </a:endParaRPr>
           </a:p>
           <a:p>
-            <a:pPr marL="145440" indent="-131760">
+            <a:pPr marL="145440" indent="-131400">
               <a:lnSpc>
                 <a:spcPts val="2171"/>
               </a:lnSpc>
@@ -11896,14 +11862,14 @@
       </p:sp>
       <p:sp>
         <p:nvSpPr>
-          <p:cNvPr id="251" name="CustomShape 2"/>
+          <p:cNvPr id="248" name="CustomShape 2"/>
           <p:cNvSpPr/>
           <p:nvPr/>
         </p:nvSpPr>
         <p:spPr>
           <a:xfrm>
             <a:off x="301680" y="284760"/>
-            <a:ext cx="3354840" cy="874800"/>
+            <a:ext cx="3354480" cy="874440"/>
           </a:xfrm>
           <a:prstGeom prst="rect">
             <a:avLst/>
@@ -11943,7 +11909,7 @@
               <a:t>What is </a:t>
             </a:r>
             <a:r>
-              <a:rPr b="0" lang="es-ES" sz="2850" spc="4" strike="noStrike">
+              <a:rPr b="0" lang="es-ES" sz="2850" spc="1" strike="noStrike">
                 <a:solidFill>
                   <a:srgbClr val="1aaaf7"/>
                 </a:solidFill>
@@ -11980,14 +11946,14 @@
       </p:sp>
       <p:sp>
         <p:nvSpPr>
-          <p:cNvPr id="252" name="CustomShape 3"/>
+          <p:cNvPr id="249" name="CustomShape 3"/>
           <p:cNvSpPr/>
           <p:nvPr/>
         </p:nvSpPr>
         <p:spPr>
           <a:xfrm>
             <a:off x="302760" y="1193400"/>
-            <a:ext cx="3961440" cy="3231360"/>
+            <a:ext cx="3961080" cy="3231000"/>
           </a:xfrm>
           <a:prstGeom prst="rect">
             <a:avLst/>
@@ -12041,14 +12007,14 @@
       </p:grpSpPr>
       <p:sp>
         <p:nvSpPr>
-          <p:cNvPr id="253" name="CustomShape 1"/>
+          <p:cNvPr id="250" name="CustomShape 1"/>
           <p:cNvSpPr/>
           <p:nvPr/>
         </p:nvSpPr>
         <p:spPr>
           <a:xfrm>
             <a:off x="301680" y="241920"/>
-            <a:ext cx="5892480" cy="870840"/>
+            <a:ext cx="5892120" cy="870480"/>
           </a:xfrm>
           <a:prstGeom prst="rect">
             <a:avLst/>
@@ -12135,14 +12101,14 @@
       </p:sp>
       <p:sp>
         <p:nvSpPr>
-          <p:cNvPr id="254" name="CustomShape 2"/>
+          <p:cNvPr id="251" name="CustomShape 2"/>
           <p:cNvSpPr/>
           <p:nvPr/>
         </p:nvSpPr>
         <p:spPr>
           <a:xfrm>
             <a:off x="289080" y="4832280"/>
-            <a:ext cx="113760" cy="138600"/>
+            <a:ext cx="113400" cy="138600"/>
           </a:xfrm>
           <a:prstGeom prst="rect">
             <a:avLst/>
@@ -12171,7 +12137,7 @@
                 <a:spcPts val="14"/>
               </a:spcBef>
             </a:pPr>
-            <a:fld id="{CFD70153-5B53-48B2-B22F-52F12F753C9C}" type="slidenum">
+            <a:fld id="{C4DA3190-112A-4AF4-B3B9-7098950E0D33}" type="slidenum">
               <a:rPr b="0" lang="es-ES" sz="900" spc="-1" strike="noStrike">
                 <a:solidFill>
                   <a:srgbClr val="797979"/>
@@ -12189,14 +12155,14 @@
       </p:sp>
       <p:sp>
         <p:nvSpPr>
-          <p:cNvPr id="255" name="CustomShape 3"/>
+          <p:cNvPr id="252" name="CustomShape 3"/>
           <p:cNvSpPr/>
           <p:nvPr/>
         </p:nvSpPr>
         <p:spPr>
           <a:xfrm>
             <a:off x="473400" y="1049040"/>
-            <a:ext cx="5231160" cy="1115640"/>
+            <a:ext cx="5230800" cy="1115640"/>
           </a:xfrm>
           <a:prstGeom prst="rect">
             <a:avLst/>
@@ -12217,7 +12183,7 @@
             <a:spAutoFit/>
           </a:bodyPr>
           <a:p>
-            <a:pPr marL="310680" indent="-296640">
+            <a:pPr marL="310680" indent="-296280">
               <a:lnSpc>
                 <a:spcPct val="100000"/>
               </a:lnSpc>
@@ -12289,7 +12255,7 @@
             </a:endParaRPr>
           </a:p>
           <a:p>
-            <a:pPr marL="310680" indent="-296640">
+            <a:pPr marL="310680" indent="-296280">
               <a:lnSpc>
                 <a:spcPct val="100000"/>
               </a:lnSpc>
@@ -12341,7 +12307,7 @@
             </a:endParaRPr>
           </a:p>
           <a:p>
-            <a:pPr marL="310680" indent="-296640">
+            <a:pPr marL="310680" indent="-296280">
               <a:lnSpc>
                 <a:spcPct val="100000"/>
               </a:lnSpc>
@@ -12396,7 +12362,7 @@
       </p:sp>
       <p:pic>
         <p:nvPicPr>
-          <p:cNvPr id="256" name="Gráfico 5" descr="Edificio"/>
+          <p:cNvPr id="253" name="Gráfico 5" descr="Edificio"/>
           <p:cNvPicPr/>
           <p:nvPr/>
         </p:nvPicPr>
@@ -12407,7 +12373,7 @@
         <p:spPr>
           <a:xfrm>
             <a:off x="5486400" y="2774160"/>
-            <a:ext cx="913320" cy="913320"/>
+            <a:ext cx="912960" cy="912960"/>
           </a:xfrm>
           <a:prstGeom prst="rect">
             <a:avLst/>
@@ -12419,7 +12385,7 @@
       </p:pic>
       <p:pic>
         <p:nvPicPr>
-          <p:cNvPr id="257" name="Gráfico 7" descr="Hogar"/>
+          <p:cNvPr id="254" name="Gráfico 7" descr="Hogar"/>
           <p:cNvPicPr/>
           <p:nvPr/>
         </p:nvPicPr>
@@ -12430,7 +12396,7 @@
         <p:spPr>
           <a:xfrm>
             <a:off x="2362320" y="2724120"/>
-            <a:ext cx="913320" cy="913320"/>
+            <a:ext cx="912960" cy="912960"/>
           </a:xfrm>
           <a:prstGeom prst="rect">
             <a:avLst/>
@@ -12442,14 +12408,14 @@
       </p:pic>
       <p:sp>
         <p:nvSpPr>
-          <p:cNvPr id="258" name="CustomShape 4"/>
+          <p:cNvPr id="255" name="CustomShape 4"/>
           <p:cNvSpPr/>
           <p:nvPr/>
         </p:nvSpPr>
         <p:spPr>
           <a:xfrm>
             <a:off x="1943280" y="3688560"/>
-            <a:ext cx="1751400" cy="363960"/>
+            <a:ext cx="1751040" cy="363960"/>
           </a:xfrm>
           <a:prstGeom prst="rect">
             <a:avLst/>
@@ -12493,14 +12459,14 @@
       </p:sp>
       <p:sp>
         <p:nvSpPr>
-          <p:cNvPr id="259" name="CustomShape 5"/>
+          <p:cNvPr id="256" name="CustomShape 5"/>
           <p:cNvSpPr/>
           <p:nvPr/>
         </p:nvSpPr>
         <p:spPr>
           <a:xfrm>
             <a:off x="5162400" y="3638520"/>
-            <a:ext cx="1560960" cy="638280"/>
+            <a:ext cx="1560600" cy="638280"/>
           </a:xfrm>
           <a:prstGeom prst="rect">
             <a:avLst/>
@@ -12574,14 +12540,14 @@
       </p:grpSpPr>
       <p:sp>
         <p:nvSpPr>
-          <p:cNvPr id="260" name="CustomShape 1"/>
+          <p:cNvPr id="257" name="CustomShape 1"/>
           <p:cNvSpPr/>
           <p:nvPr/>
         </p:nvSpPr>
         <p:spPr>
           <a:xfrm>
             <a:off x="628200" y="273600"/>
-            <a:ext cx="7886160" cy="993600"/>
+            <a:ext cx="7885800" cy="993240"/>
           </a:xfrm>
           <a:prstGeom prst="rect">
             <a:avLst/>
@@ -12613,6 +12579,7 @@
                   <a:srgbClr val="000000"/>
                 </a:solidFill>
                 <a:latin typeface="Calibri Light"/>
+                <a:ea typeface="DejaVu Sans"/>
               </a:rPr>
               <a:t>Container And VM</a:t>
             </a:r>
@@ -12624,7 +12591,7 @@
       </p:sp>
       <p:pic>
         <p:nvPicPr>
-          <p:cNvPr id="261" name="Content Placeholder 3_1" descr=""/>
+          <p:cNvPr id="258" name="Content Placeholder 3_1" descr=""/>
           <p:cNvPicPr/>
           <p:nvPr/>
         </p:nvPicPr>
@@ -12635,7 +12602,7 @@
         <p:spPr>
           <a:xfrm>
             <a:off x="1670760" y="1369080"/>
-            <a:ext cx="5801040" cy="3263040"/>
+            <a:ext cx="5800680" cy="3262680"/>
           </a:xfrm>
           <a:prstGeom prst="rect">
             <a:avLst/>
@@ -12677,14 +12644,14 @@
       </p:grpSpPr>
       <p:sp>
         <p:nvSpPr>
-          <p:cNvPr id="262" name="CustomShape 1"/>
+          <p:cNvPr id="259" name="CustomShape 1"/>
           <p:cNvSpPr/>
           <p:nvPr/>
         </p:nvSpPr>
         <p:spPr>
           <a:xfrm>
             <a:off x="919440" y="389160"/>
-            <a:ext cx="7237080" cy="867600"/>
+            <a:ext cx="7236720" cy="867240"/>
           </a:xfrm>
           <a:prstGeom prst="rect">
             <a:avLst/>
@@ -12714,7 +12681,7 @@
               </a:spcBef>
             </a:pPr>
             <a:r>
-              <a:rPr b="0" lang="es-ES" sz="2700" spc="188" strike="noStrike">
+              <a:rPr b="0" lang="es-ES" sz="2700" spc="185" strike="noStrike">
                 <a:solidFill>
                   <a:srgbClr val="3e3e3e"/>
                 </a:solidFill>
@@ -12734,7 +12701,7 @@
               <a:t> </a:t>
             </a:r>
             <a:r>
-              <a:rPr b="0" lang="es-ES" sz="2700" spc="154" strike="noStrike">
+              <a:rPr b="0" lang="es-ES" sz="2700" spc="151" strike="noStrike">
                 <a:solidFill>
                   <a:srgbClr val="3e3e3e"/>
                 </a:solidFill>
@@ -12754,7 +12721,7 @@
               <a:t> </a:t>
             </a:r>
             <a:r>
-              <a:rPr b="0" lang="es-ES" sz="2700" spc="143" strike="noStrike">
+              <a:rPr b="0" lang="es-ES" sz="2700" spc="140" strike="noStrike">
                 <a:solidFill>
                   <a:srgbClr val="3e3e3e"/>
                 </a:solidFill>
@@ -12774,7 +12741,7 @@
               <a:t> </a:t>
             </a:r>
             <a:r>
-              <a:rPr b="0" lang="es-ES" sz="2700" spc="134" strike="noStrike">
+              <a:rPr b="0" lang="es-ES" sz="2700" spc="131" strike="noStrike">
                 <a:solidFill>
                   <a:srgbClr val="3e3e3e"/>
                 </a:solidFill>
@@ -12794,7 +12761,7 @@
               <a:t> </a:t>
             </a:r>
             <a:r>
-              <a:rPr b="0" lang="es-ES" sz="2700" spc="151" strike="noStrike">
+              <a:rPr b="0" lang="es-ES" sz="2700" spc="148" strike="noStrike">
                 <a:solidFill>
                   <a:srgbClr val="3e3e3e"/>
                 </a:solidFill>
@@ -12811,14 +12778,14 @@
       </p:sp>
       <p:sp>
         <p:nvSpPr>
-          <p:cNvPr id="263" name="CustomShape 2"/>
+          <p:cNvPr id="260" name="CustomShape 2"/>
           <p:cNvSpPr/>
           <p:nvPr/>
         </p:nvSpPr>
         <p:spPr>
           <a:xfrm>
             <a:off x="380880" y="1184040"/>
-            <a:ext cx="1058040" cy="268200"/>
+            <a:ext cx="1057680" cy="268200"/>
           </a:xfrm>
           <a:prstGeom prst="rect">
             <a:avLst/>
@@ -12853,7 +12820,7 @@
               </a:spcBef>
             </a:pPr>
             <a:r>
-              <a:rPr b="0" lang="es-ES" sz="1050" spc="162" strike="noStrike">
+              <a:rPr b="0" lang="es-ES" sz="1050" spc="160" strike="noStrike">
                 <a:solidFill>
                   <a:srgbClr val="ffffff"/>
                 </a:solidFill>
@@ -12863,7 +12830,7 @@
               <a:t>App</a:t>
             </a:r>
             <a:r>
-              <a:rPr b="0" lang="es-ES" sz="1050" spc="49" strike="noStrike">
+              <a:rPr b="0" lang="es-ES" sz="1050" spc="46" strike="noStrike">
                 <a:solidFill>
                   <a:srgbClr val="ffffff"/>
                 </a:solidFill>
@@ -12890,14 +12857,14 @@
       </p:sp>
       <p:sp>
         <p:nvSpPr>
-          <p:cNvPr id="264" name="CustomShape 3"/>
+          <p:cNvPr id="261" name="CustomShape 3"/>
           <p:cNvSpPr/>
           <p:nvPr/>
         </p:nvSpPr>
         <p:spPr>
           <a:xfrm>
             <a:off x="1455480" y="1184040"/>
-            <a:ext cx="1058040" cy="268200"/>
+            <a:ext cx="1057680" cy="268200"/>
           </a:xfrm>
           <a:prstGeom prst="rect">
             <a:avLst/>
@@ -12932,7 +12899,7 @@
               </a:spcBef>
             </a:pPr>
             <a:r>
-              <a:rPr b="0" lang="es-ES" sz="1050" spc="162" strike="noStrike">
+              <a:rPr b="0" lang="es-ES" sz="1050" spc="160" strike="noStrike">
                 <a:solidFill>
                   <a:srgbClr val="ffffff"/>
                 </a:solidFill>
@@ -12942,7 +12909,7 @@
               <a:t>App</a:t>
             </a:r>
             <a:r>
-              <a:rPr b="0" lang="es-ES" sz="1050" spc="49" strike="noStrike">
+              <a:rPr b="0" lang="es-ES" sz="1050" spc="46" strike="noStrike">
                 <a:solidFill>
                   <a:srgbClr val="ffffff"/>
                 </a:solidFill>
@@ -12952,7 +12919,7 @@
               <a:t> </a:t>
             </a:r>
             <a:r>
-              <a:rPr b="0" lang="es-ES" sz="1050" spc="106" strike="noStrike">
+              <a:rPr b="0" lang="es-ES" sz="1050" spc="103" strike="noStrike">
                 <a:solidFill>
                   <a:srgbClr val="ffffff"/>
                 </a:solidFill>
@@ -12969,14 +12936,14 @@
       </p:sp>
       <p:sp>
         <p:nvSpPr>
-          <p:cNvPr id="265" name="CustomShape 4"/>
+          <p:cNvPr id="262" name="CustomShape 4"/>
           <p:cNvSpPr/>
           <p:nvPr/>
         </p:nvSpPr>
         <p:spPr>
           <a:xfrm>
             <a:off x="380880" y="1649520"/>
-            <a:ext cx="1058040" cy="268200"/>
+            <a:ext cx="1057680" cy="268200"/>
           </a:xfrm>
           <a:prstGeom prst="rect">
             <a:avLst/>
@@ -13011,7 +12978,7 @@
               </a:spcBef>
             </a:pPr>
             <a:r>
-              <a:rPr b="0" lang="es-ES" sz="1050" spc="109" strike="noStrike">
+              <a:rPr b="0" lang="es-ES" sz="1050" spc="106" strike="noStrike">
                 <a:solidFill>
                   <a:srgbClr val="ffffff"/>
                 </a:solidFill>
@@ -13028,14 +12995,14 @@
       </p:sp>
       <p:sp>
         <p:nvSpPr>
-          <p:cNvPr id="266" name="CustomShape 5"/>
+          <p:cNvPr id="263" name="CustomShape 5"/>
           <p:cNvSpPr/>
           <p:nvPr/>
         </p:nvSpPr>
         <p:spPr>
           <a:xfrm>
             <a:off x="1455480" y="1649520"/>
-            <a:ext cx="1058040" cy="268200"/>
+            <a:ext cx="1057680" cy="268200"/>
           </a:xfrm>
           <a:prstGeom prst="rect">
             <a:avLst/>
@@ -13070,7 +13037,7 @@
               </a:spcBef>
             </a:pPr>
             <a:r>
-              <a:rPr b="0" lang="es-ES" sz="1050" spc="109" strike="noStrike">
+              <a:rPr b="0" lang="es-ES" sz="1050" spc="106" strike="noStrike">
                 <a:solidFill>
                   <a:srgbClr val="ffffff"/>
                 </a:solidFill>
@@ -13087,14 +13054,14 @@
       </p:sp>
       <p:sp>
         <p:nvSpPr>
-          <p:cNvPr id="267" name="CustomShape 6"/>
+          <p:cNvPr id="264" name="CustomShape 6"/>
           <p:cNvSpPr/>
           <p:nvPr/>
         </p:nvSpPr>
         <p:spPr>
           <a:xfrm>
             <a:off x="380880" y="2114640"/>
-            <a:ext cx="1058040" cy="709560"/>
+            <a:ext cx="1057680" cy="709560"/>
           </a:xfrm>
           <a:prstGeom prst="rect">
             <a:avLst/>
@@ -13152,7 +13119,7 @@
               </a:spcBef>
             </a:pPr>
             <a:r>
-              <a:rPr b="0" lang="es-ES" sz="1050" spc="97" strike="noStrike">
+              <a:rPr b="0" lang="es-ES" sz="1050" spc="94" strike="noStrike">
                 <a:solidFill>
                   <a:srgbClr val="ffffff"/>
                 </a:solidFill>
@@ -13162,7 +13129,7 @@
               <a:t>Guest</a:t>
             </a:r>
             <a:r>
-              <a:rPr b="0" lang="es-ES" sz="1050" spc="49" strike="noStrike">
+              <a:rPr b="0" lang="es-ES" sz="1050" spc="46" strike="noStrike">
                 <a:solidFill>
                   <a:srgbClr val="ffffff"/>
                 </a:solidFill>
@@ -13189,14 +13156,14 @@
       </p:sp>
       <p:sp>
         <p:nvSpPr>
-          <p:cNvPr id="268" name="CustomShape 7"/>
+          <p:cNvPr id="265" name="CustomShape 7"/>
           <p:cNvSpPr/>
           <p:nvPr/>
         </p:nvSpPr>
         <p:spPr>
           <a:xfrm>
             <a:off x="1455480" y="2114640"/>
-            <a:ext cx="1058040" cy="709560"/>
+            <a:ext cx="1057680" cy="709560"/>
           </a:xfrm>
           <a:prstGeom prst="rect">
             <a:avLst/>
@@ -13254,7 +13221,7 @@
               </a:spcBef>
             </a:pPr>
             <a:r>
-              <a:rPr b="0" lang="es-ES" sz="1050" spc="97" strike="noStrike">
+              <a:rPr b="0" lang="es-ES" sz="1050" spc="94" strike="noStrike">
                 <a:solidFill>
                   <a:srgbClr val="ffffff"/>
                 </a:solidFill>
@@ -13264,7 +13231,7 @@
               <a:t>Guest</a:t>
             </a:r>
             <a:r>
-              <a:rPr b="0" lang="es-ES" sz="1050" spc="49" strike="noStrike">
+              <a:rPr b="0" lang="es-ES" sz="1050" spc="46" strike="noStrike">
                 <a:solidFill>
                   <a:srgbClr val="ffffff"/>
                 </a:solidFill>
@@ -13291,14 +13258,14 @@
       </p:sp>
       <p:sp>
         <p:nvSpPr>
-          <p:cNvPr id="269" name="CustomShape 8"/>
+          <p:cNvPr id="266" name="CustomShape 8"/>
           <p:cNvSpPr/>
           <p:nvPr/>
         </p:nvSpPr>
         <p:spPr>
           <a:xfrm>
             <a:off x="380520" y="3219120"/>
-            <a:ext cx="2220840" cy="212040"/>
+            <a:ext cx="2220480" cy="212040"/>
           </a:xfrm>
           <a:prstGeom prst="rect">
             <a:avLst/>
@@ -13330,7 +13297,7 @@
               </a:spcBef>
             </a:pPr>
             <a:r>
-              <a:rPr b="0" lang="es-ES" sz="1050" spc="106" strike="noStrike">
+              <a:rPr b="0" lang="es-ES" sz="1050" spc="103" strike="noStrike">
                 <a:solidFill>
                   <a:srgbClr val="ffffff"/>
                 </a:solidFill>
@@ -13347,14 +13314,14 @@
       </p:sp>
       <p:sp>
         <p:nvSpPr>
-          <p:cNvPr id="270" name="CustomShape 9"/>
+          <p:cNvPr id="267" name="CustomShape 9"/>
           <p:cNvSpPr/>
           <p:nvPr/>
         </p:nvSpPr>
         <p:spPr>
           <a:xfrm>
             <a:off x="380520" y="3574800"/>
-            <a:ext cx="2220840" cy="213840"/>
+            <a:ext cx="2220480" cy="213840"/>
           </a:xfrm>
           <a:prstGeom prst="rect">
             <a:avLst/>
@@ -13386,7 +13353,7 @@
               </a:spcBef>
             </a:pPr>
             <a:r>
-              <a:rPr b="0" lang="es-ES" sz="1050" spc="106" strike="noStrike">
+              <a:rPr b="0" lang="es-ES" sz="1050" spc="103" strike="noStrike">
                 <a:solidFill>
                   <a:srgbClr val="ffffff"/>
                 </a:solidFill>
@@ -13396,7 +13363,7 @@
               <a:t>Host Operating</a:t>
             </a:r>
             <a:r>
-              <a:rPr b="0" lang="es-ES" sz="1050" spc="1" strike="noStrike">
+              <a:rPr b="0" lang="es-ES" sz="1050" spc="-1" strike="noStrike">
                 <a:solidFill>
                   <a:srgbClr val="ffffff"/>
                 </a:solidFill>
@@ -13406,7 +13373,7 @@
               <a:t> </a:t>
             </a:r>
             <a:r>
-              <a:rPr b="0" lang="es-ES" sz="1050" spc="111" strike="noStrike">
+              <a:rPr b="0" lang="es-ES" sz="1050" spc="109" strike="noStrike">
                 <a:solidFill>
                   <a:srgbClr val="ffffff"/>
                 </a:solidFill>
@@ -13423,14 +13390,14 @@
       </p:sp>
       <p:sp>
         <p:nvSpPr>
-          <p:cNvPr id="271" name="CustomShape 10"/>
+          <p:cNvPr id="268" name="CustomShape 10"/>
           <p:cNvSpPr/>
           <p:nvPr/>
         </p:nvSpPr>
         <p:spPr>
           <a:xfrm>
             <a:off x="2820600" y="2288880"/>
-            <a:ext cx="1059120" cy="267480"/>
+            <a:ext cx="1058760" cy="267480"/>
           </a:xfrm>
           <a:prstGeom prst="rect">
             <a:avLst/>
@@ -13465,7 +13432,7 @@
               </a:spcBef>
             </a:pPr>
             <a:r>
-              <a:rPr b="0" lang="es-ES" sz="1050" spc="162" strike="noStrike">
+              <a:rPr b="0" lang="es-ES" sz="1050" spc="160" strike="noStrike">
                 <a:solidFill>
                   <a:srgbClr val="ffffff"/>
                 </a:solidFill>
@@ -13475,7 +13442,7 @@
               <a:t>App</a:t>
             </a:r>
             <a:r>
-              <a:rPr b="0" lang="es-ES" sz="1050" spc="49" strike="noStrike">
+              <a:rPr b="0" lang="es-ES" sz="1050" spc="46" strike="noStrike">
                 <a:solidFill>
                   <a:srgbClr val="ffffff"/>
                 </a:solidFill>
@@ -13502,14 +13469,14 @@
       </p:sp>
       <p:sp>
         <p:nvSpPr>
-          <p:cNvPr id="272" name="CustomShape 11"/>
+          <p:cNvPr id="269" name="CustomShape 11"/>
           <p:cNvSpPr/>
           <p:nvPr/>
         </p:nvSpPr>
         <p:spPr>
           <a:xfrm>
             <a:off x="2820600" y="2754000"/>
-            <a:ext cx="1059120" cy="267480"/>
+            <a:ext cx="1058760" cy="267480"/>
           </a:xfrm>
           <a:prstGeom prst="rect">
             <a:avLst/>
@@ -13544,7 +13511,7 @@
               </a:spcBef>
             </a:pPr>
             <a:r>
-              <a:rPr b="0" lang="es-ES" sz="1050" spc="109" strike="noStrike">
+              <a:rPr b="0" lang="es-ES" sz="1050" spc="106" strike="noStrike">
                 <a:solidFill>
                   <a:srgbClr val="ffffff"/>
                 </a:solidFill>
@@ -13561,14 +13528,14 @@
       </p:sp>
       <p:sp>
         <p:nvSpPr>
-          <p:cNvPr id="273" name="CustomShape 12"/>
+          <p:cNvPr id="270" name="CustomShape 12"/>
           <p:cNvSpPr/>
           <p:nvPr/>
         </p:nvSpPr>
         <p:spPr>
           <a:xfrm>
             <a:off x="3895200" y="2288880"/>
-            <a:ext cx="1059120" cy="267480"/>
+            <a:ext cx="1058760" cy="267480"/>
           </a:xfrm>
           <a:prstGeom prst="rect">
             <a:avLst/>
@@ -13603,7 +13570,7 @@
               </a:spcBef>
             </a:pPr>
             <a:r>
-              <a:rPr b="0" lang="es-ES" sz="1050" spc="162" strike="noStrike">
+              <a:rPr b="0" lang="es-ES" sz="1050" spc="160" strike="noStrike">
                 <a:solidFill>
                   <a:srgbClr val="ffffff"/>
                 </a:solidFill>
@@ -13613,7 +13580,7 @@
               <a:t>App</a:t>
             </a:r>
             <a:r>
-              <a:rPr b="0" lang="es-ES" sz="1050" spc="49" strike="noStrike">
+              <a:rPr b="0" lang="es-ES" sz="1050" spc="46" strike="noStrike">
                 <a:solidFill>
                   <a:srgbClr val="ffffff"/>
                 </a:solidFill>
@@ -13623,7 +13590,7 @@
               <a:t> </a:t>
             </a:r>
             <a:r>
-              <a:rPr b="0" lang="es-ES" sz="1050" spc="106" strike="noStrike">
+              <a:rPr b="0" lang="es-ES" sz="1050" spc="103" strike="noStrike">
                 <a:solidFill>
                   <a:srgbClr val="ffffff"/>
                 </a:solidFill>
@@ -13640,14 +13607,14 @@
       </p:sp>
       <p:sp>
         <p:nvSpPr>
-          <p:cNvPr id="274" name="CustomShape 13"/>
+          <p:cNvPr id="271" name="CustomShape 13"/>
           <p:cNvSpPr/>
           <p:nvPr/>
         </p:nvSpPr>
         <p:spPr>
           <a:xfrm>
             <a:off x="3895200" y="2754000"/>
-            <a:ext cx="1059120" cy="267480"/>
+            <a:ext cx="1058760" cy="267480"/>
           </a:xfrm>
           <a:prstGeom prst="rect">
             <a:avLst/>
@@ -13682,7 +13649,7 @@
               </a:spcBef>
             </a:pPr>
             <a:r>
-              <a:rPr b="0" lang="es-ES" sz="1050" spc="109" strike="noStrike">
+              <a:rPr b="0" lang="es-ES" sz="1050" spc="106" strike="noStrike">
                 <a:solidFill>
                   <a:srgbClr val="ffffff"/>
                 </a:solidFill>
@@ -13699,14 +13666,14 @@
       </p:sp>
       <p:sp>
         <p:nvSpPr>
-          <p:cNvPr id="275" name="CustomShape 14"/>
+          <p:cNvPr id="272" name="CustomShape 14"/>
           <p:cNvSpPr/>
           <p:nvPr/>
         </p:nvSpPr>
         <p:spPr>
           <a:xfrm>
             <a:off x="2820600" y="3219120"/>
-            <a:ext cx="2221920" cy="212040"/>
+            <a:ext cx="2221560" cy="212040"/>
           </a:xfrm>
           <a:prstGeom prst="rect">
             <a:avLst/>
@@ -13741,7 +13708,7 @@
               </a:spcBef>
             </a:pPr>
             <a:r>
-              <a:rPr b="0" lang="es-ES" sz="1050" spc="111" strike="noStrike">
+              <a:rPr b="0" lang="es-ES" sz="1050" spc="109" strike="noStrike">
                 <a:solidFill>
                   <a:srgbClr val="ffffff"/>
                 </a:solidFill>
@@ -13751,7 +13718,7 @@
               <a:t>Docker</a:t>
             </a:r>
             <a:r>
-              <a:rPr b="0" lang="es-ES" sz="1050" spc="52" strike="noStrike">
+              <a:rPr b="0" lang="es-ES" sz="1050" spc="49" strike="noStrike">
                 <a:solidFill>
                   <a:srgbClr val="ffffff"/>
                 </a:solidFill>
@@ -13761,7 +13728,7 @@
               <a:t> </a:t>
             </a:r>
             <a:r>
-              <a:rPr b="0" lang="es-ES" sz="1050" spc="117" strike="noStrike">
+              <a:rPr b="0" lang="es-ES" sz="1050" spc="114" strike="noStrike">
                 <a:solidFill>
                   <a:srgbClr val="ffffff"/>
                 </a:solidFill>
@@ -13778,14 +13745,14 @@
       </p:sp>
       <p:sp>
         <p:nvSpPr>
-          <p:cNvPr id="276" name="CustomShape 15"/>
+          <p:cNvPr id="273" name="CustomShape 15"/>
           <p:cNvSpPr/>
           <p:nvPr/>
         </p:nvSpPr>
         <p:spPr>
           <a:xfrm>
             <a:off x="2820240" y="3571920"/>
-            <a:ext cx="2221920" cy="214200"/>
+            <a:ext cx="2221560" cy="214200"/>
           </a:xfrm>
           <a:prstGeom prst="rect">
             <a:avLst/>
@@ -13817,7 +13784,7 @@
               </a:spcBef>
             </a:pPr>
             <a:r>
-              <a:rPr b="0" lang="es-ES" sz="1050" spc="106" strike="noStrike">
+              <a:rPr b="0" lang="es-ES" sz="1050" spc="103" strike="noStrike">
                 <a:solidFill>
                   <a:srgbClr val="ffffff"/>
                 </a:solidFill>
@@ -13827,7 +13794,7 @@
               <a:t>Host Operating</a:t>
             </a:r>
             <a:r>
-              <a:rPr b="0" lang="es-ES" sz="1050" spc="1" strike="noStrike">
+              <a:rPr b="0" lang="es-ES" sz="1050" spc="-1" strike="noStrike">
                 <a:solidFill>
                   <a:srgbClr val="ffffff"/>
                 </a:solidFill>
@@ -13837,7 +13804,7 @@
               <a:t> </a:t>
             </a:r>
             <a:r>
-              <a:rPr b="0" lang="es-ES" sz="1050" spc="111" strike="noStrike">
+              <a:rPr b="0" lang="es-ES" sz="1050" spc="109" strike="noStrike">
                 <a:solidFill>
                   <a:srgbClr val="ffffff"/>
                 </a:solidFill>
@@ -13854,14 +13821,14 @@
       </p:sp>
       <p:sp>
         <p:nvSpPr>
-          <p:cNvPr id="277" name="CustomShape 16"/>
+          <p:cNvPr id="274" name="CustomShape 16"/>
           <p:cNvSpPr/>
           <p:nvPr/>
         </p:nvSpPr>
         <p:spPr>
           <a:xfrm>
             <a:off x="666360" y="4176720"/>
-            <a:ext cx="1732320" cy="465480"/>
+            <a:ext cx="1731960" cy="465480"/>
           </a:xfrm>
           <a:prstGeom prst="rect">
             <a:avLst/>
@@ -13891,7 +13858,7 @@
               </a:spcBef>
             </a:pPr>
             <a:r>
-              <a:rPr b="0" lang="es-ES" sz="1500" spc="123" strike="noStrike">
+              <a:rPr b="0" lang="es-ES" sz="1500" spc="120" strike="noStrike">
                 <a:solidFill>
                   <a:srgbClr val="3e3e3e"/>
                 </a:solidFill>
@@ -13901,7 +13868,7 @@
               <a:t>Virtual</a:t>
             </a:r>
             <a:r>
-              <a:rPr b="0" lang="es-ES" sz="1500" spc="66" strike="noStrike">
+              <a:rPr b="0" lang="es-ES" sz="1500" spc="63" strike="noStrike">
                 <a:solidFill>
                   <a:srgbClr val="3e3e3e"/>
                 </a:solidFill>
@@ -13911,7 +13878,7 @@
               <a:t> </a:t>
             </a:r>
             <a:r>
-              <a:rPr b="0" lang="es-ES" sz="1500" spc="123" strike="noStrike">
+              <a:rPr b="0" lang="es-ES" sz="1500" spc="120" strike="noStrike">
                 <a:solidFill>
                   <a:srgbClr val="3e3e3e"/>
                 </a:solidFill>
@@ -13928,14 +13895,14 @@
       </p:sp>
       <p:sp>
         <p:nvSpPr>
-          <p:cNvPr id="278" name="CustomShape 17"/>
+          <p:cNvPr id="275" name="CustomShape 17"/>
           <p:cNvSpPr/>
           <p:nvPr/>
         </p:nvSpPr>
         <p:spPr>
           <a:xfrm>
             <a:off x="3045960" y="4177440"/>
-            <a:ext cx="1941480" cy="465480"/>
+            <a:ext cx="1941120" cy="465480"/>
           </a:xfrm>
           <a:prstGeom prst="rect">
             <a:avLst/>
@@ -13965,7 +13932,7 @@
               </a:spcBef>
             </a:pPr>
             <a:r>
-              <a:rPr b="0" lang="es-ES" sz="1500" spc="168" strike="noStrike">
+              <a:rPr b="0" lang="es-ES" sz="1500" spc="165" strike="noStrike">
                 <a:solidFill>
                   <a:srgbClr val="3e3e3e"/>
                 </a:solidFill>
@@ -13975,7 +13942,7 @@
               <a:t>Docker</a:t>
             </a:r>
             <a:r>
-              <a:rPr b="0" lang="es-ES" sz="1500" spc="32" strike="noStrike">
+              <a:rPr b="0" lang="es-ES" sz="1500" spc="29" strike="noStrike">
                 <a:solidFill>
                   <a:srgbClr val="3e3e3e"/>
                 </a:solidFill>
@@ -13985,7 +13952,7 @@
               <a:t> </a:t>
             </a:r>
             <a:r>
-              <a:rPr b="0" lang="es-ES" sz="1500" spc="143" strike="noStrike">
+              <a:rPr b="0" lang="es-ES" sz="1500" spc="140" strike="noStrike">
                 <a:solidFill>
                   <a:srgbClr val="3e3e3e"/>
                 </a:solidFill>
@@ -14002,7 +13969,7 @@
       </p:sp>
       <p:pic>
         <p:nvPicPr>
-          <p:cNvPr id="279" name="Imagen 19" descr=""/>
+          <p:cNvPr id="276" name="Imagen 19" descr=""/>
           <p:cNvPicPr/>
           <p:nvPr/>
         </p:nvPicPr>
@@ -14013,7 +13980,7 @@
         <p:spPr>
           <a:xfrm>
             <a:off x="5212080" y="1984320"/>
-            <a:ext cx="3826440" cy="1843920"/>
+            <a:ext cx="3826080" cy="1843560"/>
           </a:xfrm>
           <a:prstGeom prst="rect">
             <a:avLst/>
@@ -14025,7 +13992,7 @@
       </p:pic>
       <p:sp>
         <p:nvSpPr>
-          <p:cNvPr id="280" name="Line 18"/>
+          <p:cNvPr id="277" name="Line 18"/>
           <p:cNvSpPr/>
           <p:nvPr/>
         </p:nvSpPr>
@@ -14089,14 +14056,14 @@
       </p:grpSpPr>
       <p:sp>
         <p:nvSpPr>
-          <p:cNvPr id="281" name="CustomShape 1"/>
+          <p:cNvPr id="278" name="CustomShape 1"/>
           <p:cNvSpPr/>
           <p:nvPr/>
         </p:nvSpPr>
         <p:spPr>
           <a:xfrm>
             <a:off x="301680" y="272520"/>
-            <a:ext cx="6453720" cy="870840"/>
+            <a:ext cx="6453360" cy="870480"/>
           </a:xfrm>
           <a:prstGeom prst="rect">
             <a:avLst/>
@@ -14183,14 +14150,14 @@
       </p:sp>
       <p:sp>
         <p:nvSpPr>
-          <p:cNvPr id="282" name="CustomShape 2"/>
+          <p:cNvPr id="279" name="CustomShape 2"/>
           <p:cNvSpPr/>
           <p:nvPr/>
         </p:nvSpPr>
         <p:spPr>
           <a:xfrm>
             <a:off x="1168200" y="2528640"/>
-            <a:ext cx="2501280" cy="2145960"/>
+            <a:ext cx="2500920" cy="2145600"/>
           </a:xfrm>
           <a:custGeom>
             <a:avLst/>
@@ -14238,14 +14205,14 @@
       </p:sp>
       <p:sp>
         <p:nvSpPr>
-          <p:cNvPr id="283" name="CustomShape 3"/>
+          <p:cNvPr id="280" name="CustomShape 3"/>
           <p:cNvSpPr/>
           <p:nvPr/>
         </p:nvSpPr>
         <p:spPr>
           <a:xfrm>
             <a:off x="4953240" y="3087720"/>
-            <a:ext cx="1062720" cy="446760"/>
+            <a:ext cx="1062360" cy="446400"/>
           </a:xfrm>
           <a:custGeom>
             <a:avLst/>
@@ -14280,14 +14247,14 @@
       </p:sp>
       <p:sp>
         <p:nvSpPr>
-          <p:cNvPr id="284" name="CustomShape 4"/>
+          <p:cNvPr id="281" name="CustomShape 4"/>
           <p:cNvSpPr/>
           <p:nvPr/>
         </p:nvSpPr>
         <p:spPr>
           <a:xfrm>
             <a:off x="5996160" y="3077280"/>
-            <a:ext cx="43920" cy="29880"/>
+            <a:ext cx="43560" cy="29520"/>
           </a:xfrm>
           <a:custGeom>
             <a:avLst/>
@@ -14331,14 +14298,14 @@
       </p:sp>
       <p:sp>
         <p:nvSpPr>
-          <p:cNvPr id="285" name="CustomShape 5"/>
+          <p:cNvPr id="282" name="CustomShape 5"/>
           <p:cNvSpPr/>
           <p:nvPr/>
         </p:nvSpPr>
         <p:spPr>
           <a:xfrm>
             <a:off x="5996160" y="3077280"/>
-            <a:ext cx="43920" cy="29880"/>
+            <a:ext cx="43560" cy="29520"/>
           </a:xfrm>
           <a:custGeom>
             <a:avLst/>
@@ -14383,14 +14350,14 @@
       </p:sp>
       <p:sp>
         <p:nvSpPr>
-          <p:cNvPr id="286" name="CustomShape 6"/>
+          <p:cNvPr id="283" name="CustomShape 6"/>
           <p:cNvSpPr/>
           <p:nvPr/>
         </p:nvSpPr>
         <p:spPr>
           <a:xfrm>
             <a:off x="4859640" y="3703320"/>
-            <a:ext cx="1112040" cy="799200"/>
+            <a:ext cx="1111680" cy="798840"/>
           </a:xfrm>
           <a:custGeom>
             <a:avLst/>
@@ -14425,14 +14392,14 @@
       </p:sp>
       <p:sp>
         <p:nvSpPr>
-          <p:cNvPr id="287" name="CustomShape 7"/>
+          <p:cNvPr id="284" name="CustomShape 7"/>
           <p:cNvSpPr/>
           <p:nvPr/>
         </p:nvSpPr>
         <p:spPr>
           <a:xfrm>
             <a:off x="5951160" y="4481640"/>
-            <a:ext cx="42840" cy="36360"/>
+            <a:ext cx="42480" cy="36000"/>
           </a:xfrm>
           <a:custGeom>
             <a:avLst/>
@@ -14476,14 +14443,14 @@
       </p:sp>
       <p:sp>
         <p:nvSpPr>
-          <p:cNvPr id="288" name="CustomShape 8"/>
+          <p:cNvPr id="285" name="CustomShape 8"/>
           <p:cNvSpPr/>
           <p:nvPr/>
         </p:nvSpPr>
         <p:spPr>
           <a:xfrm>
             <a:off x="5951160" y="4481640"/>
-            <a:ext cx="42840" cy="36360"/>
+            <a:ext cx="42480" cy="36000"/>
           </a:xfrm>
           <a:custGeom>
             <a:avLst/>
@@ -14528,14 +14495,14 @@
       </p:sp>
       <p:sp>
         <p:nvSpPr>
-          <p:cNvPr id="289" name="CustomShape 9"/>
+          <p:cNvPr id="286" name="CustomShape 9"/>
           <p:cNvSpPr/>
           <p:nvPr/>
         </p:nvSpPr>
         <p:spPr>
           <a:xfrm>
             <a:off x="1451880" y="2666520"/>
-            <a:ext cx="369000" cy="369000"/>
+            <a:ext cx="368640" cy="368640"/>
           </a:xfrm>
           <a:prstGeom prst="rect">
             <a:avLst/>
@@ -14559,14 +14526,14 @@
       </p:sp>
       <p:sp>
         <p:nvSpPr>
-          <p:cNvPr id="290" name="CustomShape 10"/>
+          <p:cNvPr id="287" name="CustomShape 10"/>
           <p:cNvSpPr/>
           <p:nvPr/>
         </p:nvSpPr>
         <p:spPr>
           <a:xfrm>
             <a:off x="1454400" y="3414960"/>
-            <a:ext cx="369000" cy="369000"/>
+            <a:ext cx="368640" cy="368640"/>
           </a:xfrm>
           <a:prstGeom prst="rect">
             <a:avLst/>
@@ -14590,14 +14557,14 @@
       </p:sp>
       <p:sp>
         <p:nvSpPr>
-          <p:cNvPr id="291" name="CustomShape 11"/>
+          <p:cNvPr id="288" name="CustomShape 11"/>
           <p:cNvSpPr/>
           <p:nvPr/>
         </p:nvSpPr>
         <p:spPr>
           <a:xfrm>
             <a:off x="1452600" y="4100760"/>
-            <a:ext cx="369000" cy="369000"/>
+            <a:ext cx="368640" cy="368640"/>
           </a:xfrm>
           <a:prstGeom prst="rect">
             <a:avLst/>
@@ -14621,14 +14588,14 @@
       </p:sp>
       <p:sp>
         <p:nvSpPr>
-          <p:cNvPr id="292" name="CustomShape 12"/>
+          <p:cNvPr id="289" name="CustomShape 12"/>
           <p:cNvSpPr/>
           <p:nvPr/>
         </p:nvSpPr>
         <p:spPr>
           <a:xfrm>
             <a:off x="3682800" y="2235600"/>
-            <a:ext cx="1359000" cy="2165040"/>
+            <a:ext cx="1358640" cy="2164680"/>
           </a:xfrm>
           <a:custGeom>
             <a:avLst/>
@@ -14675,14 +14642,14 @@
       </p:sp>
       <p:sp>
         <p:nvSpPr>
-          <p:cNvPr id="293" name="CustomShape 13"/>
+          <p:cNvPr id="290" name="CustomShape 13"/>
           <p:cNvSpPr/>
           <p:nvPr/>
         </p:nvSpPr>
         <p:spPr>
           <a:xfrm>
             <a:off x="3682800" y="2235600"/>
-            <a:ext cx="1359000" cy="2165040"/>
+            <a:ext cx="1358640" cy="2164680"/>
           </a:xfrm>
           <a:custGeom>
             <a:avLst/>
@@ -14730,14 +14697,14 @@
       </p:sp>
       <p:sp>
         <p:nvSpPr>
-          <p:cNvPr id="294" name="CustomShape 14"/>
+          <p:cNvPr id="291" name="CustomShape 14"/>
           <p:cNvSpPr/>
           <p:nvPr/>
         </p:nvSpPr>
         <p:spPr>
           <a:xfrm>
             <a:off x="3962520" y="2982600"/>
-            <a:ext cx="290160" cy="321480"/>
+            <a:ext cx="289800" cy="321120"/>
           </a:xfrm>
           <a:prstGeom prst="rect">
             <a:avLst/>
@@ -14761,14 +14728,14 @@
       </p:sp>
       <p:sp>
         <p:nvSpPr>
-          <p:cNvPr id="295" name="CustomShape 15"/>
+          <p:cNvPr id="292" name="CustomShape 15"/>
           <p:cNvSpPr/>
           <p:nvPr/>
         </p:nvSpPr>
         <p:spPr>
           <a:xfrm>
             <a:off x="3960360" y="3471840"/>
-            <a:ext cx="290160" cy="321480"/>
+            <a:ext cx="289800" cy="321120"/>
           </a:xfrm>
           <a:prstGeom prst="rect">
             <a:avLst/>
@@ -14792,14 +14759,14 @@
       </p:sp>
       <p:sp>
         <p:nvSpPr>
-          <p:cNvPr id="296" name="CustomShape 16"/>
+          <p:cNvPr id="293" name="CustomShape 16"/>
           <p:cNvSpPr/>
           <p:nvPr/>
         </p:nvSpPr>
         <p:spPr>
           <a:xfrm>
             <a:off x="3957840" y="3918960"/>
-            <a:ext cx="290160" cy="321480"/>
+            <a:ext cx="289800" cy="321120"/>
           </a:xfrm>
           <a:prstGeom prst="rect">
             <a:avLst/>
@@ -14823,14 +14790,14 @@
       </p:sp>
       <p:sp>
         <p:nvSpPr>
-          <p:cNvPr id="297" name="CustomShape 17"/>
+          <p:cNvPr id="294" name="CustomShape 17"/>
           <p:cNvSpPr/>
           <p:nvPr/>
         </p:nvSpPr>
         <p:spPr>
           <a:xfrm>
             <a:off x="4439160" y="1168920"/>
-            <a:ext cx="3638160" cy="341280"/>
+            <a:ext cx="3637800" cy="340920"/>
           </a:xfrm>
           <a:custGeom>
             <a:avLst/>
@@ -14886,14 +14853,14 @@
       </p:sp>
       <p:sp>
         <p:nvSpPr>
-          <p:cNvPr id="298" name="CustomShape 18"/>
+          <p:cNvPr id="295" name="CustomShape 18"/>
           <p:cNvSpPr/>
           <p:nvPr/>
         </p:nvSpPr>
         <p:spPr>
           <a:xfrm>
             <a:off x="938880" y="1175040"/>
-            <a:ext cx="3423960" cy="341280"/>
+            <a:ext cx="3423600" cy="340920"/>
           </a:xfrm>
           <a:custGeom>
             <a:avLst/>
@@ -14949,14 +14916,14 @@
       </p:sp>
       <p:sp>
         <p:nvSpPr>
-          <p:cNvPr id="299" name="CustomShape 19"/>
+          <p:cNvPr id="296" name="CustomShape 19"/>
           <p:cNvSpPr/>
           <p:nvPr/>
         </p:nvSpPr>
         <p:spPr>
           <a:xfrm>
             <a:off x="2235240" y="888840"/>
-            <a:ext cx="4471920" cy="194760"/>
+            <a:ext cx="4471560" cy="194760"/>
           </a:xfrm>
           <a:prstGeom prst="rect">
             <a:avLst/>
@@ -15046,14 +15013,14 @@
       </p:sp>
       <p:sp>
         <p:nvSpPr>
-          <p:cNvPr id="300" name="CustomShape 20"/>
+          <p:cNvPr id="297" name="CustomShape 20"/>
           <p:cNvSpPr/>
           <p:nvPr/>
         </p:nvSpPr>
         <p:spPr>
           <a:xfrm>
             <a:off x="1939680" y="2702880"/>
-            <a:ext cx="420480" cy="301680"/>
+            <a:ext cx="420120" cy="301320"/>
           </a:xfrm>
           <a:prstGeom prst="rect">
             <a:avLst/>
@@ -15077,14 +15044,14 @@
       </p:sp>
       <p:sp>
         <p:nvSpPr>
-          <p:cNvPr id="301" name="CustomShape 21"/>
+          <p:cNvPr id="298" name="CustomShape 21"/>
           <p:cNvSpPr/>
           <p:nvPr/>
         </p:nvSpPr>
         <p:spPr>
           <a:xfrm>
             <a:off x="1937520" y="3433320"/>
-            <a:ext cx="1667880" cy="301680"/>
+            <a:ext cx="1667520" cy="301320"/>
           </a:xfrm>
           <a:prstGeom prst="rect">
             <a:avLst/>
@@ -15108,14 +15075,14 @@
       </p:sp>
       <p:sp>
         <p:nvSpPr>
-          <p:cNvPr id="302" name="CustomShape 22"/>
+          <p:cNvPr id="299" name="CustomShape 22"/>
           <p:cNvSpPr/>
           <p:nvPr/>
         </p:nvSpPr>
         <p:spPr>
           <a:xfrm>
             <a:off x="1943280" y="4123080"/>
-            <a:ext cx="420480" cy="301680"/>
+            <a:ext cx="420120" cy="301320"/>
           </a:xfrm>
           <a:prstGeom prst="rect">
             <a:avLst/>
@@ -15139,14 +15106,14 @@
       </p:sp>
       <p:sp>
         <p:nvSpPr>
-          <p:cNvPr id="303" name="CustomShape 23"/>
+          <p:cNvPr id="300" name="CustomShape 23"/>
           <p:cNvSpPr/>
           <p:nvPr/>
         </p:nvSpPr>
         <p:spPr>
           <a:xfrm>
             <a:off x="2816280" y="3289680"/>
-            <a:ext cx="290160" cy="321480"/>
+            <a:ext cx="289800" cy="321120"/>
           </a:xfrm>
           <a:prstGeom prst="rect">
             <a:avLst/>
@@ -15170,14 +15137,14 @@
       </p:sp>
       <p:sp>
         <p:nvSpPr>
-          <p:cNvPr id="304" name="CustomShape 24"/>
+          <p:cNvPr id="301" name="CustomShape 24"/>
           <p:cNvSpPr/>
           <p:nvPr/>
         </p:nvSpPr>
         <p:spPr>
           <a:xfrm>
             <a:off x="6058440" y="2691360"/>
-            <a:ext cx="1971360" cy="756360"/>
+            <a:ext cx="1971000" cy="756000"/>
           </a:xfrm>
           <a:custGeom>
             <a:avLst/>
@@ -15225,14 +15192,14 @@
       </p:sp>
       <p:sp>
         <p:nvSpPr>
-          <p:cNvPr id="305" name="CustomShape 25"/>
+          <p:cNvPr id="302" name="CustomShape 25"/>
           <p:cNvSpPr/>
           <p:nvPr/>
         </p:nvSpPr>
         <p:spPr>
           <a:xfrm>
             <a:off x="6072120" y="4074480"/>
-            <a:ext cx="1958040" cy="756360"/>
+            <a:ext cx="1957680" cy="756000"/>
           </a:xfrm>
           <a:custGeom>
             <a:avLst/>
@@ -15280,14 +15247,14 @@
       </p:sp>
       <p:sp>
         <p:nvSpPr>
-          <p:cNvPr id="306" name="CustomShape 26"/>
+          <p:cNvPr id="303" name="CustomShape 26"/>
           <p:cNvSpPr/>
           <p:nvPr/>
         </p:nvSpPr>
         <p:spPr>
           <a:xfrm>
             <a:off x="7023600" y="3527280"/>
-            <a:ext cx="317160" cy="482040"/>
+            <a:ext cx="316800" cy="481680"/>
           </a:xfrm>
           <a:custGeom>
             <a:avLst/>
@@ -15357,14 +15324,14 @@
       </p:sp>
       <p:sp>
         <p:nvSpPr>
-          <p:cNvPr id="307" name="CustomShape 27"/>
+          <p:cNvPr id="304" name="CustomShape 27"/>
           <p:cNvSpPr/>
           <p:nvPr/>
         </p:nvSpPr>
         <p:spPr>
           <a:xfrm>
             <a:off x="7023600" y="3527280"/>
-            <a:ext cx="317160" cy="482040"/>
+            <a:ext cx="316800" cy="481680"/>
           </a:xfrm>
           <a:custGeom>
             <a:avLst/>
@@ -15427,14 +15394,14 @@
       </p:sp>
       <p:sp>
         <p:nvSpPr>
-          <p:cNvPr id="308" name="CustomShape 28"/>
+          <p:cNvPr id="305" name="CustomShape 28"/>
           <p:cNvSpPr/>
           <p:nvPr/>
         </p:nvSpPr>
         <p:spPr>
           <a:xfrm>
             <a:off x="5852160" y="4250880"/>
-            <a:ext cx="430200" cy="357120"/>
+            <a:ext cx="429840" cy="356760"/>
           </a:xfrm>
           <a:prstGeom prst="rect">
             <a:avLst/>
@@ -15458,14 +15425,14 @@
       </p:sp>
       <p:sp>
         <p:nvSpPr>
-          <p:cNvPr id="309" name="CustomShape 29"/>
+          <p:cNvPr id="306" name="CustomShape 29"/>
           <p:cNvSpPr/>
           <p:nvPr/>
         </p:nvSpPr>
         <p:spPr>
           <a:xfrm>
             <a:off x="5809320" y="2906640"/>
-            <a:ext cx="540000" cy="358560"/>
+            <a:ext cx="539640" cy="358200"/>
           </a:xfrm>
           <a:prstGeom prst="rect">
             <a:avLst/>
@@ -15489,14 +15456,14 @@
       </p:sp>
       <p:sp>
         <p:nvSpPr>
-          <p:cNvPr id="310" name="CustomShape 30"/>
+          <p:cNvPr id="307" name="CustomShape 30"/>
           <p:cNvSpPr/>
           <p:nvPr/>
         </p:nvSpPr>
         <p:spPr>
           <a:xfrm>
             <a:off x="4243320" y="3517200"/>
-            <a:ext cx="375120" cy="198720"/>
+            <a:ext cx="374760" cy="198360"/>
           </a:xfrm>
           <a:prstGeom prst="rect">
             <a:avLst/>
@@ -15520,14 +15487,14 @@
       </p:sp>
       <p:sp>
         <p:nvSpPr>
-          <p:cNvPr id="311" name="CustomShape 31"/>
+          <p:cNvPr id="308" name="CustomShape 31"/>
           <p:cNvSpPr/>
           <p:nvPr/>
         </p:nvSpPr>
         <p:spPr>
           <a:xfrm>
             <a:off x="4240800" y="3970800"/>
-            <a:ext cx="375120" cy="198720"/>
+            <a:ext cx="374760" cy="198360"/>
           </a:xfrm>
           <a:prstGeom prst="rect">
             <a:avLst/>
@@ -15551,14 +15518,14 @@
       </p:sp>
       <p:sp>
         <p:nvSpPr>
-          <p:cNvPr id="312" name="CustomShape 32"/>
+          <p:cNvPr id="309" name="CustomShape 32"/>
           <p:cNvSpPr/>
           <p:nvPr/>
         </p:nvSpPr>
         <p:spPr>
           <a:xfrm>
             <a:off x="4249080" y="3042360"/>
-            <a:ext cx="375120" cy="198720"/>
+            <a:ext cx="374760" cy="198360"/>
           </a:xfrm>
           <a:prstGeom prst="rect">
             <a:avLst/>
@@ -15582,14 +15549,14 @@
       </p:sp>
       <p:sp>
         <p:nvSpPr>
-          <p:cNvPr id="313" name="CustomShape 33"/>
+          <p:cNvPr id="310" name="CustomShape 33"/>
           <p:cNvSpPr/>
           <p:nvPr/>
         </p:nvSpPr>
         <p:spPr>
           <a:xfrm>
             <a:off x="1007640" y="1524960"/>
-            <a:ext cx="1894320" cy="405720"/>
+            <a:ext cx="1893960" cy="405720"/>
           </a:xfrm>
           <a:prstGeom prst="rect">
             <a:avLst/>
@@ -15676,14 +15643,14 @@
       </p:sp>
       <p:sp>
         <p:nvSpPr>
-          <p:cNvPr id="314" name="CustomShape 34"/>
+          <p:cNvPr id="311" name="CustomShape 34"/>
           <p:cNvSpPr/>
           <p:nvPr/>
         </p:nvSpPr>
         <p:spPr>
           <a:xfrm>
             <a:off x="3606120" y="1519560"/>
-            <a:ext cx="1571040" cy="405720"/>
+            <a:ext cx="1570680" cy="405720"/>
           </a:xfrm>
           <a:prstGeom prst="rect">
             <a:avLst/>
@@ -15790,14 +15757,14 @@
       </p:sp>
       <p:sp>
         <p:nvSpPr>
-          <p:cNvPr id="315" name="CustomShape 35"/>
+          <p:cNvPr id="312" name="CustomShape 35"/>
           <p:cNvSpPr/>
           <p:nvPr/>
         </p:nvSpPr>
         <p:spPr>
           <a:xfrm>
             <a:off x="6177960" y="1519560"/>
-            <a:ext cx="1599120" cy="405720"/>
+            <a:ext cx="1598760" cy="405720"/>
           </a:xfrm>
           <a:prstGeom prst="rect">
             <a:avLst/>
@@ -15884,14 +15851,14 @@
       </p:sp>
       <p:sp>
         <p:nvSpPr>
-          <p:cNvPr id="316" name="CustomShape 36"/>
+          <p:cNvPr id="313" name="CustomShape 36"/>
           <p:cNvSpPr/>
           <p:nvPr/>
         </p:nvSpPr>
         <p:spPr>
           <a:xfrm>
             <a:off x="6517440" y="2950560"/>
-            <a:ext cx="517680" cy="245880"/>
+            <a:ext cx="517320" cy="245520"/>
           </a:xfrm>
           <a:custGeom>
             <a:avLst/>
@@ -16002,14 +15969,14 @@
       </p:sp>
       <p:sp>
         <p:nvSpPr>
-          <p:cNvPr id="317" name="CustomShape 37"/>
+          <p:cNvPr id="314" name="CustomShape 37"/>
           <p:cNvSpPr/>
           <p:nvPr/>
         </p:nvSpPr>
         <p:spPr>
           <a:xfrm>
             <a:off x="6489000" y="2866320"/>
-            <a:ext cx="370800" cy="371880"/>
+            <a:ext cx="370440" cy="371520"/>
           </a:xfrm>
           <a:prstGeom prst="rect">
             <a:avLst/>
@@ -16033,14 +16000,14 @@
       </p:sp>
       <p:sp>
         <p:nvSpPr>
-          <p:cNvPr id="318" name="CustomShape 38"/>
+          <p:cNvPr id="315" name="CustomShape 38"/>
           <p:cNvSpPr/>
           <p:nvPr/>
         </p:nvSpPr>
         <p:spPr>
           <a:xfrm>
             <a:off x="6893640" y="3065040"/>
-            <a:ext cx="177480" cy="177480"/>
+            <a:ext cx="177120" cy="177120"/>
           </a:xfrm>
           <a:prstGeom prst="rect">
             <a:avLst/>
@@ -16064,14 +16031,14 @@
       </p:sp>
       <p:sp>
         <p:nvSpPr>
-          <p:cNvPr id="319" name="CustomShape 39"/>
+          <p:cNvPr id="316" name="CustomShape 39"/>
           <p:cNvSpPr/>
           <p:nvPr/>
         </p:nvSpPr>
         <p:spPr>
           <a:xfrm>
             <a:off x="7288560" y="2950560"/>
-            <a:ext cx="517680" cy="245880"/>
+            <a:ext cx="517320" cy="245520"/>
           </a:xfrm>
           <a:custGeom>
             <a:avLst/>
@@ -16182,14 +16149,14 @@
       </p:sp>
       <p:sp>
         <p:nvSpPr>
-          <p:cNvPr id="320" name="CustomShape 40"/>
+          <p:cNvPr id="317" name="CustomShape 40"/>
           <p:cNvSpPr/>
           <p:nvPr/>
         </p:nvSpPr>
         <p:spPr>
           <a:xfrm>
             <a:off x="7260120" y="2866320"/>
-            <a:ext cx="370800" cy="371880"/>
+            <a:ext cx="370440" cy="371520"/>
           </a:xfrm>
           <a:prstGeom prst="rect">
             <a:avLst/>
@@ -16213,14 +16180,14 @@
       </p:sp>
       <p:sp>
         <p:nvSpPr>
-          <p:cNvPr id="321" name="CustomShape 41"/>
+          <p:cNvPr id="318" name="CustomShape 41"/>
           <p:cNvSpPr/>
           <p:nvPr/>
         </p:nvSpPr>
         <p:spPr>
           <a:xfrm>
             <a:off x="7664760" y="3065040"/>
-            <a:ext cx="177480" cy="177480"/>
+            <a:ext cx="177120" cy="177120"/>
           </a:xfrm>
           <a:prstGeom prst="rect">
             <a:avLst/>
@@ -16244,14 +16211,14 @@
       </p:sp>
       <p:sp>
         <p:nvSpPr>
-          <p:cNvPr id="322" name="CustomShape 42"/>
+          <p:cNvPr id="319" name="CustomShape 42"/>
           <p:cNvSpPr/>
           <p:nvPr/>
         </p:nvSpPr>
         <p:spPr>
           <a:xfrm>
             <a:off x="6518520" y="4349160"/>
-            <a:ext cx="517680" cy="245880"/>
+            <a:ext cx="517320" cy="245520"/>
           </a:xfrm>
           <a:custGeom>
             <a:avLst/>
@@ -16362,14 +16329,14 @@
       </p:sp>
       <p:sp>
         <p:nvSpPr>
-          <p:cNvPr id="323" name="CustomShape 43"/>
+          <p:cNvPr id="320" name="CustomShape 43"/>
           <p:cNvSpPr/>
           <p:nvPr/>
         </p:nvSpPr>
         <p:spPr>
           <a:xfrm>
             <a:off x="6490080" y="4264560"/>
-            <a:ext cx="370800" cy="371880"/>
+            <a:ext cx="370440" cy="371520"/>
           </a:xfrm>
           <a:prstGeom prst="rect">
             <a:avLst/>
@@ -16393,14 +16360,14 @@
       </p:sp>
       <p:sp>
         <p:nvSpPr>
-          <p:cNvPr id="324" name="CustomShape 44"/>
+          <p:cNvPr id="321" name="CustomShape 44"/>
           <p:cNvSpPr/>
           <p:nvPr/>
         </p:nvSpPr>
         <p:spPr>
           <a:xfrm>
             <a:off x="6894720" y="4463280"/>
-            <a:ext cx="177480" cy="177480"/>
+            <a:ext cx="177120" cy="177120"/>
           </a:xfrm>
           <a:prstGeom prst="rect">
             <a:avLst/>
@@ -16424,14 +16391,14 @@
       </p:sp>
       <p:sp>
         <p:nvSpPr>
-          <p:cNvPr id="325" name="CustomShape 45"/>
+          <p:cNvPr id="322" name="CustomShape 45"/>
           <p:cNvSpPr/>
           <p:nvPr/>
         </p:nvSpPr>
         <p:spPr>
           <a:xfrm>
             <a:off x="7289640" y="4349160"/>
-            <a:ext cx="517680" cy="245880"/>
+            <a:ext cx="517320" cy="245520"/>
           </a:xfrm>
           <a:custGeom>
             <a:avLst/>
@@ -16542,14 +16509,14 @@
       </p:sp>
       <p:sp>
         <p:nvSpPr>
-          <p:cNvPr id="326" name="CustomShape 46"/>
+          <p:cNvPr id="323" name="CustomShape 46"/>
           <p:cNvSpPr/>
           <p:nvPr/>
         </p:nvSpPr>
         <p:spPr>
           <a:xfrm>
             <a:off x="7261200" y="4264560"/>
-            <a:ext cx="370800" cy="371880"/>
+            <a:ext cx="370440" cy="371520"/>
           </a:xfrm>
           <a:prstGeom prst="rect">
             <a:avLst/>
@@ -16573,14 +16540,14 @@
       </p:sp>
       <p:sp>
         <p:nvSpPr>
-          <p:cNvPr id="327" name="CustomShape 47"/>
+          <p:cNvPr id="324" name="CustomShape 47"/>
           <p:cNvSpPr/>
           <p:nvPr/>
         </p:nvSpPr>
         <p:spPr>
           <a:xfrm>
             <a:off x="7665840" y="4463280"/>
-            <a:ext cx="177480" cy="177480"/>
+            <a:ext cx="177120" cy="177120"/>
           </a:xfrm>
           <a:prstGeom prst="rect">
             <a:avLst/>
@@ -16604,14 +16571,14 @@
       </p:sp>
       <p:sp>
         <p:nvSpPr>
-          <p:cNvPr id="328" name="CustomShape 48"/>
+          <p:cNvPr id="325" name="CustomShape 48"/>
           <p:cNvSpPr/>
           <p:nvPr/>
         </p:nvSpPr>
         <p:spPr>
           <a:xfrm>
             <a:off x="4334400" y="1906560"/>
-            <a:ext cx="548280" cy="441720"/>
+            <a:ext cx="547920" cy="441360"/>
           </a:xfrm>
           <a:prstGeom prst="rect">
             <a:avLst/>
@@ -16635,14 +16602,14 @@
       </p:sp>
       <p:sp>
         <p:nvSpPr>
-          <p:cNvPr id="329" name="CustomShape 49"/>
+          <p:cNvPr id="326" name="CustomShape 49"/>
           <p:cNvSpPr/>
           <p:nvPr/>
         </p:nvSpPr>
         <p:spPr>
           <a:xfrm>
             <a:off x="7077600" y="1922040"/>
-            <a:ext cx="567000" cy="590760"/>
+            <a:ext cx="566640" cy="590400"/>
           </a:xfrm>
           <a:prstGeom prst="rect">
             <a:avLst/>
@@ -16666,14 +16633,14 @@
       </p:sp>
       <p:sp>
         <p:nvSpPr>
-          <p:cNvPr id="330" name="CustomShape 50"/>
+          <p:cNvPr id="327" name="CustomShape 50"/>
           <p:cNvSpPr/>
           <p:nvPr/>
         </p:nvSpPr>
         <p:spPr>
           <a:xfrm>
             <a:off x="6534720" y="2023920"/>
-            <a:ext cx="483840" cy="380520"/>
+            <a:ext cx="483480" cy="380160"/>
           </a:xfrm>
           <a:prstGeom prst="rect">
             <a:avLst/>
@@ -16697,14 +16664,14 @@
       </p:sp>
       <p:sp>
         <p:nvSpPr>
-          <p:cNvPr id="331" name="CustomShape 51"/>
+          <p:cNvPr id="328" name="CustomShape 51"/>
           <p:cNvSpPr/>
           <p:nvPr/>
         </p:nvSpPr>
         <p:spPr>
           <a:xfrm>
             <a:off x="3985920" y="2099520"/>
-            <a:ext cx="204120" cy="136800"/>
+            <a:ext cx="203760" cy="136440"/>
           </a:xfrm>
           <a:custGeom>
             <a:avLst/>
@@ -16749,14 +16716,14 @@
       </p:sp>
       <p:sp>
         <p:nvSpPr>
-          <p:cNvPr id="332" name="CustomShape 52"/>
+          <p:cNvPr id="329" name="CustomShape 52"/>
           <p:cNvSpPr/>
           <p:nvPr/>
         </p:nvSpPr>
         <p:spPr>
           <a:xfrm>
             <a:off x="3936600" y="2004480"/>
-            <a:ext cx="289080" cy="343800"/>
+            <a:ext cx="288720" cy="343440"/>
           </a:xfrm>
           <a:custGeom>
             <a:avLst/>
@@ -16896,14 +16863,14 @@
       </p:sp>
       <p:sp>
         <p:nvSpPr>
-          <p:cNvPr id="333" name="CustomShape 53"/>
+          <p:cNvPr id="330" name="CustomShape 53"/>
           <p:cNvSpPr/>
           <p:nvPr/>
         </p:nvSpPr>
         <p:spPr>
           <a:xfrm>
             <a:off x="3981240" y="2147040"/>
-            <a:ext cx="197640" cy="100440"/>
+            <a:ext cx="197280" cy="100080"/>
           </a:xfrm>
           <a:custGeom>
             <a:avLst/>
@@ -16975,14 +16942,14 @@
       </p:sp>
       <p:sp>
         <p:nvSpPr>
-          <p:cNvPr id="334" name="CustomShape 54"/>
+          <p:cNvPr id="331" name="CustomShape 54"/>
           <p:cNvSpPr/>
           <p:nvPr/>
         </p:nvSpPr>
         <p:spPr>
           <a:xfrm>
             <a:off x="3936600" y="2004480"/>
-            <a:ext cx="289080" cy="343800"/>
+            <a:ext cx="288720" cy="343440"/>
           </a:xfrm>
           <a:custGeom>
             <a:avLst/>
@@ -17105,14 +17072,14 @@
       </p:sp>
       <p:sp>
         <p:nvSpPr>
-          <p:cNvPr id="335" name="CustomShape 55"/>
+          <p:cNvPr id="332" name="CustomShape 55"/>
           <p:cNvSpPr/>
           <p:nvPr/>
         </p:nvSpPr>
         <p:spPr>
           <a:xfrm>
             <a:off x="3985920" y="2022480"/>
-            <a:ext cx="43920" cy="76320"/>
+            <a:ext cx="43560" cy="75960"/>
           </a:xfrm>
           <a:custGeom>
             <a:avLst/>
@@ -17156,14 +17123,14 @@
       </p:sp>
       <p:sp>
         <p:nvSpPr>
-          <p:cNvPr id="336" name="CustomShape 56"/>
+          <p:cNvPr id="333" name="CustomShape 56"/>
           <p:cNvSpPr/>
           <p:nvPr/>
         </p:nvSpPr>
         <p:spPr>
           <a:xfrm>
             <a:off x="3985920" y="2022480"/>
-            <a:ext cx="43920" cy="76320"/>
+            <a:ext cx="43560" cy="75960"/>
           </a:xfrm>
           <a:custGeom>
             <a:avLst/>
@@ -17219,14 +17186,14 @@
       </p:sp>
       <p:sp>
         <p:nvSpPr>
-          <p:cNvPr id="337" name="CustomShape 57"/>
+          <p:cNvPr id="334" name="CustomShape 57"/>
           <p:cNvSpPr/>
           <p:nvPr/>
         </p:nvSpPr>
         <p:spPr>
           <a:xfrm>
             <a:off x="4082760" y="2022480"/>
-            <a:ext cx="95400" cy="76320"/>
+            <a:ext cx="95040" cy="75960"/>
           </a:xfrm>
           <a:custGeom>
             <a:avLst/>
@@ -17270,14 +17237,14 @@
       </p:sp>
       <p:sp>
         <p:nvSpPr>
-          <p:cNvPr id="338" name="CustomShape 58"/>
+          <p:cNvPr id="335" name="CustomShape 58"/>
           <p:cNvSpPr/>
           <p:nvPr/>
         </p:nvSpPr>
         <p:spPr>
           <a:xfrm>
             <a:off x="4082760" y="2022480"/>
-            <a:ext cx="95400" cy="76320"/>
+            <a:ext cx="95040" cy="75960"/>
           </a:xfrm>
           <a:custGeom>
             <a:avLst/>
@@ -17333,14 +17300,14 @@
       </p:sp>
       <p:sp>
         <p:nvSpPr>
-          <p:cNvPr id="339" name="CustomShape 59"/>
+          <p:cNvPr id="336" name="CustomShape 59"/>
           <p:cNvSpPr/>
           <p:nvPr/>
         </p:nvSpPr>
         <p:spPr>
           <a:xfrm>
             <a:off x="4030560" y="2147400"/>
-            <a:ext cx="360" cy="94320"/>
+            <a:ext cx="360" cy="93960"/>
           </a:xfrm>
           <a:custGeom>
             <a:avLst/>
@@ -17375,14 +17342,14 @@
       </p:sp>
       <p:sp>
         <p:nvSpPr>
-          <p:cNvPr id="340" name="CustomShape 60"/>
+          <p:cNvPr id="337" name="CustomShape 60"/>
           <p:cNvSpPr/>
           <p:nvPr/>
         </p:nvSpPr>
         <p:spPr>
           <a:xfrm>
             <a:off x="4079880" y="2147400"/>
-            <a:ext cx="360" cy="94320"/>
+            <a:ext cx="360" cy="93960"/>
           </a:xfrm>
           <a:custGeom>
             <a:avLst/>
@@ -17417,14 +17384,14 @@
       </p:sp>
       <p:sp>
         <p:nvSpPr>
-          <p:cNvPr id="341" name="CustomShape 61"/>
+          <p:cNvPr id="338" name="CustomShape 61"/>
           <p:cNvSpPr/>
           <p:nvPr/>
         </p:nvSpPr>
         <p:spPr>
           <a:xfrm>
             <a:off x="4129560" y="2147400"/>
-            <a:ext cx="360" cy="94320"/>
+            <a:ext cx="360" cy="93960"/>
           </a:xfrm>
           <a:custGeom>
             <a:avLst/>
@@ -17459,14 +17426,14 @@
       </p:sp>
       <p:sp>
         <p:nvSpPr>
-          <p:cNvPr id="342" name="CustomShape 62"/>
+          <p:cNvPr id="339" name="CustomShape 62"/>
           <p:cNvSpPr/>
           <p:nvPr/>
         </p:nvSpPr>
         <p:spPr>
           <a:xfrm>
             <a:off x="4129560" y="2022480"/>
-            <a:ext cx="360" cy="78840"/>
+            <a:ext cx="360" cy="78480"/>
           </a:xfrm>
           <a:custGeom>
             <a:avLst/>
@@ -17501,14 +17468,14 @@
       </p:sp>
       <p:sp>
         <p:nvSpPr>
-          <p:cNvPr id="343" name="CustomShape 63"/>
+          <p:cNvPr id="340" name="CustomShape 63"/>
           <p:cNvSpPr/>
           <p:nvPr/>
         </p:nvSpPr>
         <p:spPr>
           <a:xfrm>
             <a:off x="289080" y="4823640"/>
-            <a:ext cx="191160" cy="2983320"/>
+            <a:ext cx="190800" cy="2982960"/>
           </a:xfrm>
           <a:prstGeom prst="rect">
             <a:avLst/>
@@ -17537,7 +17504,7 @@
                 <a:spcPts val="6"/>
               </a:spcBef>
             </a:pPr>
-            <a:fld id="{3FCA4B47-A62B-4F80-9C96-7785A5445E27}" type="slidenum">
+            <a:fld id="{CBE752D8-6B50-4074-86A6-035686844803}" type="slidenum">
               <a:rPr b="0" lang="es-ES" sz="1000" spc="-1" strike="noStrike">
                 <a:solidFill>
                   <a:srgbClr val="1aaaf7"/>
@@ -17585,14 +17552,14 @@
       </p:grpSpPr>
       <p:sp>
         <p:nvSpPr>
-          <p:cNvPr id="344" name="CustomShape 1"/>
+          <p:cNvPr id="341" name="CustomShape 1"/>
           <p:cNvSpPr/>
           <p:nvPr/>
         </p:nvSpPr>
         <p:spPr>
           <a:xfrm>
             <a:off x="-52200" y="1097280"/>
-            <a:ext cx="9272520" cy="2829960"/>
+            <a:ext cx="9272160" cy="2829600"/>
           </a:xfrm>
           <a:prstGeom prst="rect">
             <a:avLst/>
@@ -17620,7 +17587,11 @@
             </a:pPr>
             <a:r>
               <a:rPr b="1" lang="en-US" sz="1600" spc="-1" strike="noStrike">
-                <a:latin typeface="Arial"/>
+                <a:solidFill>
+                  <a:srgbClr val="000000"/>
+                </a:solidFill>
+                <a:latin typeface="Arial"/>
+                <a:ea typeface="DejaVu Sans"/>
               </a:rPr>
               <a:t>The underlying technology</a:t>
             </a:r>
@@ -17636,7 +17607,11 @@
             </a:pPr>
             <a:r>
               <a:rPr b="0" lang="en-US" sz="1000" spc="-1" strike="noStrike">
-                <a:latin typeface="Arial"/>
+                <a:solidFill>
+                  <a:srgbClr val="000000"/>
+                </a:solidFill>
+                <a:latin typeface="Arial"/>
+                <a:ea typeface="DejaVu Sans"/>
               </a:rPr>
               <a:t>Docker is written in the </a:t>
             </a:r>
@@ -17647,6 +17622,7 @@
                 </a:solidFill>
                 <a:uFillTx/>
                 <a:latin typeface="Arial"/>
+                <a:ea typeface="DejaVu Sans"/>
                 <a:hlinkClick r:id="rId1"/>
               </a:rPr>
               <a:t>Go programming language</a:t>
@@ -17657,6 +17633,7 @@
                   <a:srgbClr val="1aaaf7"/>
                 </a:solidFill>
                 <a:latin typeface="Arial"/>
+                <a:ea typeface="DejaVu Sans"/>
               </a:rPr>
               <a:t> and takes advantage of several features of the Linux kernel to deliver its functionality. </a:t>
             </a:r>
@@ -17676,6 +17653,7 @@
                   <a:srgbClr val="1aaaf7"/>
                 </a:solidFill>
                 <a:latin typeface="Arial"/>
+                <a:ea typeface="DejaVu Sans"/>
               </a:rPr>
               <a:t>Docker uses a technology called namespaces to provide the isolated workspace called the container. </a:t>
             </a:r>
@@ -17695,6 +17673,7 @@
                   <a:srgbClr val="1aaaf7"/>
                 </a:solidFill>
                 <a:latin typeface="Arial"/>
+                <a:ea typeface="DejaVu Sans"/>
               </a:rPr>
               <a:t>When you run a container, Docker creates a set of namespaces for that container.</a:t>
             </a:r>
@@ -17714,6 +17693,7 @@
                   <a:srgbClr val="1aaaf7"/>
                 </a:solidFill>
                 <a:latin typeface="Arial"/>
+                <a:ea typeface="DejaVu Sans"/>
               </a:rPr>
               <a:t>These namespaces provide a layer of isolation. </a:t>
             </a:r>
@@ -17733,6 +17713,7 @@
                   <a:srgbClr val="1aaaf7"/>
                 </a:solidFill>
                 <a:latin typeface="Arial"/>
+                <a:ea typeface="DejaVu Sans"/>
               </a:rPr>
               <a:t>Each aspect of a container runs in a separate namespace and its access is limited to that namespace.</a:t>
             </a:r>
@@ -17784,14 +17765,14 @@
       </p:grpSpPr>
       <p:sp>
         <p:nvSpPr>
-          <p:cNvPr id="345" name="CustomShape 1"/>
+          <p:cNvPr id="342" name="CustomShape 1"/>
           <p:cNvSpPr/>
           <p:nvPr/>
         </p:nvSpPr>
         <p:spPr>
           <a:xfrm>
             <a:off x="628200" y="273600"/>
-            <a:ext cx="7886160" cy="993600"/>
+            <a:ext cx="7885800" cy="993240"/>
           </a:xfrm>
           <a:prstGeom prst="rect">
             <a:avLst/>
@@ -17823,6 +17804,7 @@
                   <a:srgbClr val="000000"/>
                 </a:solidFill>
                 <a:latin typeface="Calibri Light"/>
+                <a:ea typeface="DejaVu Sans"/>
               </a:rPr>
               <a:t>Installing Docker</a:t>
             </a:r>
@@ -17834,14 +17816,14 @@
       </p:sp>
       <p:sp>
         <p:nvSpPr>
-          <p:cNvPr id="346" name="CustomShape 2"/>
+          <p:cNvPr id="343" name="CustomShape 2"/>
           <p:cNvSpPr/>
           <p:nvPr/>
         </p:nvSpPr>
         <p:spPr>
           <a:xfrm>
             <a:off x="628200" y="1369080"/>
-            <a:ext cx="7886160" cy="3263040"/>
+            <a:ext cx="7885800" cy="3262680"/>
           </a:xfrm>
           <a:prstGeom prst="rect">
             <a:avLst/>
@@ -17862,7 +17844,7 @@
             <a:noAutofit/>
           </a:bodyPr>
           <a:p>
-            <a:pPr marL="228600" indent="-227880">
+            <a:pPr marL="228600" indent="-227520">
               <a:lnSpc>
                 <a:spcPct val="90000"/>
               </a:lnSpc>
@@ -17881,6 +17863,7 @@
                   <a:srgbClr val="000000"/>
                 </a:solidFill>
                 <a:latin typeface="Calibri"/>
+                <a:ea typeface="DejaVu Sans"/>
               </a:rPr>
               <a:t>Installing docker on Windows:</a:t>
             </a:r>
@@ -17889,7 +17872,7 @@
             </a:endParaRPr>
           </a:p>
           <a:p>
-            <a:pPr marL="228600" indent="-227880">
+            <a:pPr marL="228600" indent="-227520">
               <a:lnSpc>
                 <a:spcPct val="90000"/>
               </a:lnSpc>
@@ -17909,6 +17892,7 @@
                 </a:solidFill>
                 <a:uFillTx/>
                 <a:latin typeface="Calibri"/>
+                <a:ea typeface="DejaVu Sans"/>
                 <a:hlinkClick r:id="rId1"/>
               </a:rPr>
               <a:t>https://docs.docker.com/docker-for-windows/install</a:t>
@@ -17920,6 +17904,7 @@
                 </a:solidFill>
                 <a:uFillTx/>
                 <a:latin typeface="Calibri"/>
+                <a:ea typeface="DejaVu Sans"/>
                 <a:hlinkClick r:id="rId2"/>
               </a:rPr>
               <a:t>/</a:t>
@@ -17975,14 +17960,14 @@
       </p:grpSpPr>
       <p:sp>
         <p:nvSpPr>
-          <p:cNvPr id="347" name="CustomShape 1"/>
+          <p:cNvPr id="344" name="CustomShape 1"/>
           <p:cNvSpPr/>
           <p:nvPr/>
         </p:nvSpPr>
         <p:spPr>
           <a:xfrm>
             <a:off x="628200" y="273600"/>
-            <a:ext cx="7886160" cy="993600"/>
+            <a:ext cx="7885800" cy="993240"/>
           </a:xfrm>
           <a:prstGeom prst="rect">
             <a:avLst/>
@@ -18014,6 +17999,7 @@
                   <a:srgbClr val="000000"/>
                 </a:solidFill>
                 <a:latin typeface="Calibri Light"/>
+                <a:ea typeface="DejaVu Sans"/>
               </a:rPr>
               <a:t>Installing docker on ubuntu</a:t>
             </a:r>
@@ -18025,14 +18011,14 @@
       </p:sp>
       <p:sp>
         <p:nvSpPr>
-          <p:cNvPr id="348" name="CustomShape 2"/>
+          <p:cNvPr id="345" name="CustomShape 2"/>
           <p:cNvSpPr/>
           <p:nvPr/>
         </p:nvSpPr>
         <p:spPr>
           <a:xfrm>
             <a:off x="628200" y="1369080"/>
-            <a:ext cx="7886160" cy="3263040"/>
+            <a:ext cx="7885800" cy="3262680"/>
           </a:xfrm>
           <a:prstGeom prst="rect">
             <a:avLst/>
@@ -18053,7 +18039,7 @@
             <a:noAutofit/>
           </a:bodyPr>
           <a:p>
-            <a:pPr marL="228600" indent="-227880">
+            <a:pPr marL="228600" indent="-227520">
               <a:lnSpc>
                 <a:spcPct val="90000"/>
               </a:lnSpc>
@@ -18073,6 +18059,7 @@
                 </a:solidFill>
                 <a:uFillTx/>
                 <a:latin typeface="Calibri"/>
+                <a:ea typeface="DejaVu Sans"/>
                 <a:hlinkClick r:id="rId1"/>
               </a:rPr>
               <a:t>https://tecadmin.net/install-docker-on-ubuntu</a:t>
@@ -18084,6 +18071,7 @@
                 </a:solidFill>
                 <a:uFillTx/>
                 <a:latin typeface="Calibri"/>
+                <a:ea typeface="DejaVu Sans"/>
                 <a:hlinkClick r:id="rId2"/>
               </a:rPr>
               <a:t>/</a:t>
@@ -18093,7 +18081,7 @@
             </a:endParaRPr>
           </a:p>
           <a:p>
-            <a:pPr marL="228600" indent="-227880">
+            <a:pPr marL="228600" indent="-227520">
               <a:lnSpc>
                 <a:spcPct val="90000"/>
               </a:lnSpc>
@@ -18113,6 +18101,7 @@
                 </a:solidFill>
                 <a:uFillTx/>
                 <a:latin typeface="Calibri"/>
+                <a:ea typeface="DejaVu Sans"/>
                 <a:hlinkClick r:id="rId3"/>
               </a:rPr>
               <a:t>https://docs.docker.com/install/linux/docker-ce/ubuntu/</a:t>
@@ -18155,14 +18144,14 @@
       </p:grpSpPr>
       <p:sp>
         <p:nvSpPr>
-          <p:cNvPr id="212" name="CustomShape 1"/>
+          <p:cNvPr id="209" name="CustomShape 1"/>
           <p:cNvSpPr/>
           <p:nvPr/>
         </p:nvSpPr>
         <p:spPr>
           <a:xfrm>
             <a:off x="76320" y="3265560"/>
-            <a:ext cx="2742120" cy="1438560"/>
+            <a:ext cx="2741760" cy="1438200"/>
           </a:xfrm>
           <a:prstGeom prst="cube">
             <a:avLst>
@@ -18190,14 +18179,14 @@
       </p:sp>
       <p:sp>
         <p:nvSpPr>
-          <p:cNvPr id="213" name="CustomShape 2"/>
+          <p:cNvPr id="210" name="CustomShape 2"/>
           <p:cNvSpPr/>
           <p:nvPr/>
         </p:nvSpPr>
         <p:spPr>
           <a:xfrm>
             <a:off x="5400360" y="3257640"/>
-            <a:ext cx="2642400" cy="1329120"/>
+            <a:ext cx="2642040" cy="1328760"/>
           </a:xfrm>
           <a:prstGeom prst="cube">
             <a:avLst>
@@ -18225,14 +18214,14 @@
       </p:sp>
       <p:sp>
         <p:nvSpPr>
-          <p:cNvPr id="214" name="CustomShape 3"/>
+          <p:cNvPr id="211" name="CustomShape 3"/>
           <p:cNvSpPr/>
           <p:nvPr/>
         </p:nvSpPr>
         <p:spPr>
           <a:xfrm>
             <a:off x="5626440" y="1142640"/>
-            <a:ext cx="2642400" cy="1329120"/>
+            <a:ext cx="2642040" cy="1328760"/>
           </a:xfrm>
           <a:prstGeom prst="cube">
             <a:avLst>
@@ -18260,14 +18249,14 @@
       </p:sp>
       <p:sp>
         <p:nvSpPr>
-          <p:cNvPr id="215" name="CustomShape 4"/>
+          <p:cNvPr id="212" name="CustomShape 4"/>
           <p:cNvSpPr/>
           <p:nvPr/>
         </p:nvSpPr>
         <p:spPr>
           <a:xfrm>
             <a:off x="152280" y="1142640"/>
-            <a:ext cx="2742120" cy="1351800"/>
+            <a:ext cx="2741760" cy="1351440"/>
           </a:xfrm>
           <a:prstGeom prst="cube">
             <a:avLst>
@@ -18295,14 +18284,14 @@
       </p:sp>
       <p:sp>
         <p:nvSpPr>
-          <p:cNvPr id="216" name="CustomShape 5"/>
+          <p:cNvPr id="213" name="CustomShape 5"/>
           <p:cNvSpPr/>
           <p:nvPr/>
         </p:nvSpPr>
         <p:spPr>
           <a:xfrm>
             <a:off x="301680" y="282960"/>
-            <a:ext cx="1423080" cy="870840"/>
+            <a:ext cx="1422720" cy="870480"/>
           </a:xfrm>
           <a:prstGeom prst="rect">
             <a:avLst/>
@@ -18349,14 +18338,14 @@
       </p:sp>
       <p:sp>
         <p:nvSpPr>
-          <p:cNvPr id="217" name="CustomShape 6"/>
+          <p:cNvPr id="214" name="CustomShape 6"/>
           <p:cNvSpPr/>
           <p:nvPr/>
         </p:nvSpPr>
         <p:spPr>
           <a:xfrm>
             <a:off x="456480" y="1142640"/>
-            <a:ext cx="2493360" cy="1260720"/>
+            <a:ext cx="2493000" cy="1260720"/>
           </a:xfrm>
           <a:prstGeom prst="rect">
             <a:avLst/>
@@ -18492,14 +18481,14 @@
       </p:sp>
       <p:sp>
         <p:nvSpPr>
-          <p:cNvPr id="218" name="CustomShape 7"/>
+          <p:cNvPr id="215" name="CustomShape 7"/>
           <p:cNvSpPr/>
           <p:nvPr/>
         </p:nvSpPr>
         <p:spPr>
           <a:xfrm>
             <a:off x="457200" y="3315240"/>
-            <a:ext cx="1901880" cy="1058400"/>
+            <a:ext cx="1901520" cy="1058400"/>
           </a:xfrm>
           <a:prstGeom prst="rect">
             <a:avLst/>
@@ -18642,14 +18631,14 @@
       </p:sp>
       <p:sp>
         <p:nvSpPr>
-          <p:cNvPr id="219" name="CustomShape 8"/>
+          <p:cNvPr id="216" name="CustomShape 8"/>
           <p:cNvSpPr/>
           <p:nvPr/>
         </p:nvSpPr>
         <p:spPr>
           <a:xfrm>
             <a:off x="5852520" y="1164960"/>
-            <a:ext cx="2190240" cy="794160"/>
+            <a:ext cx="2189880" cy="794160"/>
           </a:xfrm>
           <a:prstGeom prst="rect">
             <a:avLst/>
@@ -18729,14 +18718,14 @@
       </p:sp>
       <p:sp>
         <p:nvSpPr>
-          <p:cNvPr id="220" name="CustomShape 9"/>
+          <p:cNvPr id="217" name="CustomShape 9"/>
           <p:cNvSpPr/>
           <p:nvPr/>
         </p:nvSpPr>
         <p:spPr>
           <a:xfrm>
             <a:off x="5801040" y="3314160"/>
-            <a:ext cx="2511720" cy="1060200"/>
+            <a:ext cx="2511360" cy="1059840"/>
           </a:xfrm>
           <a:prstGeom prst="rect">
             <a:avLst/>
@@ -18872,7 +18861,7 @@
       </p:sp>
       <p:pic>
         <p:nvPicPr>
-          <p:cNvPr id="221" name="Imagen 14" descr=""/>
+          <p:cNvPr id="218" name="Imagen 14" descr=""/>
           <p:cNvPicPr/>
           <p:nvPr/>
         </p:nvPicPr>
@@ -18883,7 +18872,7 @@
         <p:spPr>
           <a:xfrm>
             <a:off x="3005640" y="1352520"/>
-            <a:ext cx="2357280" cy="2886480"/>
+            <a:ext cx="2356920" cy="2886120"/>
           </a:xfrm>
           <a:prstGeom prst="rect">
             <a:avLst/>
@@ -18925,14 +18914,14 @@
       </p:grpSpPr>
       <p:sp>
         <p:nvSpPr>
-          <p:cNvPr id="349" name="CustomShape 1"/>
+          <p:cNvPr id="346" name="CustomShape 1"/>
           <p:cNvSpPr/>
           <p:nvPr/>
         </p:nvSpPr>
         <p:spPr>
           <a:xfrm>
             <a:off x="628200" y="273600"/>
-            <a:ext cx="7886160" cy="993600"/>
+            <a:ext cx="7885800" cy="993240"/>
           </a:xfrm>
           <a:prstGeom prst="rect">
             <a:avLst/>
@@ -18964,6 +18953,7 @@
                   <a:srgbClr val="000000"/>
                 </a:solidFill>
                 <a:latin typeface="Calibri Light"/>
+                <a:ea typeface="DejaVu Sans"/>
               </a:rPr>
               <a:t>Installing docker on mac</a:t>
             </a:r>
@@ -18975,14 +18965,14 @@
       </p:sp>
       <p:sp>
         <p:nvSpPr>
-          <p:cNvPr id="350" name="CustomShape 2"/>
+          <p:cNvPr id="347" name="CustomShape 2"/>
           <p:cNvSpPr/>
           <p:nvPr/>
         </p:nvSpPr>
         <p:spPr>
           <a:xfrm>
             <a:off x="628200" y="1369080"/>
-            <a:ext cx="7886160" cy="3263040"/>
+            <a:ext cx="7885800" cy="3262680"/>
           </a:xfrm>
           <a:prstGeom prst="rect">
             <a:avLst/>
@@ -19003,7 +18993,7 @@
             <a:noAutofit/>
           </a:bodyPr>
           <a:p>
-            <a:pPr marL="228600" indent="-227880">
+            <a:pPr marL="228600" indent="-227520">
               <a:lnSpc>
                 <a:spcPct val="90000"/>
               </a:lnSpc>
@@ -19023,6 +19013,7 @@
                 </a:solidFill>
                 <a:uFillTx/>
                 <a:latin typeface="Calibri"/>
+                <a:ea typeface="DejaVu Sans"/>
                 <a:hlinkClick r:id="rId1"/>
               </a:rPr>
               <a:t>https://docs.docker.com/docker-for-mac/install/</a:t>
@@ -19065,14 +19056,14 @@
       </p:grpSpPr>
       <p:sp>
         <p:nvSpPr>
-          <p:cNvPr id="351" name="CustomShape 1"/>
+          <p:cNvPr id="348" name="CustomShape 1"/>
           <p:cNvSpPr/>
           <p:nvPr/>
         </p:nvSpPr>
         <p:spPr>
           <a:xfrm>
             <a:off x="628200" y="273600"/>
-            <a:ext cx="7886160" cy="993600"/>
+            <a:ext cx="7885800" cy="993240"/>
           </a:xfrm>
           <a:prstGeom prst="rect">
             <a:avLst/>
@@ -19104,6 +19095,7 @@
                   <a:srgbClr val="000000"/>
                 </a:solidFill>
                 <a:latin typeface="Calibri Light"/>
+                <a:ea typeface="DejaVu Sans"/>
               </a:rPr>
               <a:t>Container</a:t>
             </a:r>
@@ -19115,14 +19107,14 @@
       </p:sp>
       <p:sp>
         <p:nvSpPr>
-          <p:cNvPr id="352" name="CustomShape 2"/>
+          <p:cNvPr id="349" name="CustomShape 2"/>
           <p:cNvSpPr/>
           <p:nvPr/>
         </p:nvSpPr>
         <p:spPr>
           <a:xfrm>
             <a:off x="628200" y="1369080"/>
-            <a:ext cx="7886160" cy="3263040"/>
+            <a:ext cx="7885800" cy="3262680"/>
           </a:xfrm>
           <a:prstGeom prst="rect">
             <a:avLst/>
@@ -19143,7 +19135,7 @@
             <a:noAutofit/>
           </a:bodyPr>
           <a:p>
-            <a:pPr marL="228600" indent="-227880">
+            <a:pPr marL="228600" indent="-227520">
               <a:lnSpc>
                 <a:spcPct val="90000"/>
               </a:lnSpc>
@@ -19163,6 +19155,7 @@
                 </a:solidFill>
                 <a:uFillTx/>
                 <a:latin typeface="Calibri"/>
+                <a:ea typeface="DejaVu Sans"/>
                 <a:hlinkClick r:id="rId1"/>
               </a:rPr>
               <a:t>https://www.docker.com/resources/what-container</a:t>
@@ -19189,6 +19182,7 @@
                   <a:srgbClr val="000000"/>
                 </a:solidFill>
                 <a:latin typeface="Calibri"/>
+                <a:ea typeface="DejaVu Sans"/>
               </a:rPr>
               <a:t>A container is a standard unit of software that packages up code and all its dependencies so the application runs quickly and reliably from one computing environment to another. </a:t>
             </a:r>
@@ -19246,7 +19240,7 @@
       </p:grpSpPr>
       <p:pic>
         <p:nvPicPr>
-          <p:cNvPr id="353" name="Content Placeholder 3" descr=""/>
+          <p:cNvPr id="350" name="Content Placeholder 3" descr=""/>
           <p:cNvPicPr/>
           <p:nvPr/>
         </p:nvPicPr>
@@ -19257,7 +19251,7 @@
         <p:spPr>
           <a:xfrm>
             <a:off x="104400" y="142920"/>
-            <a:ext cx="8712360" cy="4900680"/>
+            <a:ext cx="8712000" cy="4900320"/>
           </a:xfrm>
           <a:prstGeom prst="rect">
             <a:avLst/>
@@ -19299,7 +19293,7 @@
       </p:grpSpPr>
       <p:pic>
         <p:nvPicPr>
-          <p:cNvPr id="354" name="Content Placeholder 3_0" descr=""/>
+          <p:cNvPr id="351" name="Content Placeholder 3_0" descr=""/>
           <p:cNvPicPr/>
           <p:nvPr/>
         </p:nvPicPr>
@@ -19310,7 +19304,7 @@
         <p:spPr>
           <a:xfrm>
             <a:off x="91440" y="1596960"/>
-            <a:ext cx="9012960" cy="2791800"/>
+            <a:ext cx="9012600" cy="2791440"/>
           </a:xfrm>
           <a:prstGeom prst="rect">
             <a:avLst/>
@@ -19322,14 +19316,14 @@
       </p:pic>
       <p:sp>
         <p:nvSpPr>
-          <p:cNvPr id="355" name="CustomShape 1"/>
+          <p:cNvPr id="352" name="CustomShape 1"/>
           <p:cNvSpPr/>
           <p:nvPr/>
         </p:nvSpPr>
         <p:spPr>
           <a:xfrm>
             <a:off x="365760" y="184680"/>
-            <a:ext cx="7822080" cy="1186920"/>
+            <a:ext cx="7821720" cy="1186920"/>
           </a:xfrm>
           <a:prstGeom prst="rect">
             <a:avLst/>
@@ -19403,14 +19397,14 @@
       </p:grpSpPr>
       <p:sp>
         <p:nvSpPr>
-          <p:cNvPr id="356" name="CustomShape 1"/>
+          <p:cNvPr id="353" name="CustomShape 1"/>
           <p:cNvSpPr/>
           <p:nvPr/>
         </p:nvSpPr>
         <p:spPr>
           <a:xfrm>
             <a:off x="628200" y="273600"/>
-            <a:ext cx="7886160" cy="993600"/>
+            <a:ext cx="7885800" cy="993240"/>
           </a:xfrm>
           <a:prstGeom prst="rect">
             <a:avLst/>
@@ -19442,6 +19436,7 @@
                   <a:srgbClr val="000000"/>
                 </a:solidFill>
                 <a:latin typeface="Calibri Light"/>
+                <a:ea typeface="DejaVu Sans"/>
               </a:rPr>
               <a:t>Docker Image</a:t>
             </a:r>
@@ -19453,14 +19448,14 @@
       </p:sp>
       <p:sp>
         <p:nvSpPr>
-          <p:cNvPr id="357" name="CustomShape 2"/>
+          <p:cNvPr id="354" name="CustomShape 2"/>
           <p:cNvSpPr/>
           <p:nvPr/>
         </p:nvSpPr>
         <p:spPr>
           <a:xfrm>
             <a:off x="628200" y="1369080"/>
-            <a:ext cx="7886160" cy="3263040"/>
+            <a:ext cx="7885800" cy="3262680"/>
           </a:xfrm>
           <a:prstGeom prst="rect">
             <a:avLst/>
@@ -19481,7 +19476,7 @@
             <a:noAutofit/>
           </a:bodyPr>
           <a:p>
-            <a:pPr marL="228600" indent="-227880">
+            <a:pPr marL="228600" indent="-227520">
               <a:lnSpc>
                 <a:spcPct val="90000"/>
               </a:lnSpc>
@@ -19500,6 +19495,7 @@
                   <a:srgbClr val="000000"/>
                 </a:solidFill>
                 <a:latin typeface="Calibri"/>
+                <a:ea typeface="DejaVu Sans"/>
               </a:rPr>
               <a:t>A </a:t>
             </a:r>
@@ -19509,6 +19505,7 @@
                   <a:srgbClr val="000000"/>
                 </a:solidFill>
                 <a:latin typeface="Calibri"/>
+                <a:ea typeface="DejaVu Sans"/>
               </a:rPr>
               <a:t>Docker image</a:t>
             </a:r>
@@ -19518,6 +19515,7 @@
                   <a:srgbClr val="000000"/>
                 </a:solidFill>
                 <a:latin typeface="Calibri"/>
+                <a:ea typeface="DejaVu Sans"/>
               </a:rPr>
               <a:t> is a file, comprised of multiple layers, used to execute code in a </a:t>
             </a:r>
@@ -19527,6 +19525,7 @@
                   <a:srgbClr val="000000"/>
                 </a:solidFill>
                 <a:latin typeface="Calibri"/>
+                <a:ea typeface="DejaVu Sans"/>
               </a:rPr>
               <a:t>Docker container</a:t>
             </a:r>
@@ -19536,6 +19535,7 @@
                   <a:srgbClr val="000000"/>
                 </a:solidFill>
                 <a:latin typeface="Calibri"/>
+                <a:ea typeface="DejaVu Sans"/>
               </a:rPr>
               <a:t>. An </a:t>
             </a:r>
@@ -19545,6 +19545,7 @@
                   <a:srgbClr val="000000"/>
                 </a:solidFill>
                 <a:latin typeface="Calibri"/>
+                <a:ea typeface="DejaVu Sans"/>
               </a:rPr>
               <a:t>image</a:t>
             </a:r>
@@ -19554,6 +19555,7 @@
                   <a:srgbClr val="000000"/>
                 </a:solidFill>
                 <a:latin typeface="Calibri"/>
+                <a:ea typeface="DejaVu Sans"/>
               </a:rPr>
               <a:t>is essentially built from the instructions for a complete and executable version of an application, which relies on the host OS kernel.</a:t>
             </a:r>
@@ -19595,14 +19597,14 @@
       </p:grpSpPr>
       <p:sp>
         <p:nvSpPr>
-          <p:cNvPr id="358" name="CustomShape 1"/>
+          <p:cNvPr id="355" name="CustomShape 1"/>
           <p:cNvSpPr/>
           <p:nvPr/>
         </p:nvSpPr>
         <p:spPr>
           <a:xfrm>
             <a:off x="628200" y="273600"/>
-            <a:ext cx="7886160" cy="993600"/>
+            <a:ext cx="7885800" cy="993240"/>
           </a:xfrm>
           <a:prstGeom prst="rect">
             <a:avLst/>
@@ -19634,6 +19636,7 @@
                   <a:srgbClr val="000000"/>
                 </a:solidFill>
                 <a:latin typeface="Calibri Light"/>
+                <a:ea typeface="DejaVu Sans"/>
               </a:rPr>
               <a:t>Image</a:t>
             </a:r>
@@ -19645,7 +19648,7 @@
       </p:sp>
       <p:pic>
         <p:nvPicPr>
-          <p:cNvPr id="359" name="Content Placeholder 3_2" descr=""/>
+          <p:cNvPr id="356" name="Content Placeholder 3_2" descr=""/>
           <p:cNvPicPr/>
           <p:nvPr/>
         </p:nvPicPr>
@@ -19656,7 +19659,7 @@
         <p:spPr>
           <a:xfrm>
             <a:off x="0" y="-242280"/>
-            <a:ext cx="9600480" cy="4874760"/>
+            <a:ext cx="9600120" cy="4874400"/>
           </a:xfrm>
           <a:prstGeom prst="rect">
             <a:avLst/>
@@ -19698,14 +19701,14 @@
       </p:grpSpPr>
       <p:sp>
         <p:nvSpPr>
-          <p:cNvPr id="360" name="CustomShape 1"/>
+          <p:cNvPr id="357" name="CustomShape 1"/>
           <p:cNvSpPr/>
           <p:nvPr/>
         </p:nvSpPr>
         <p:spPr>
           <a:xfrm>
             <a:off x="628200" y="273600"/>
-            <a:ext cx="7886160" cy="993600"/>
+            <a:ext cx="7885800" cy="993240"/>
           </a:xfrm>
           <a:prstGeom prst="rect">
             <a:avLst/>
@@ -19737,6 +19740,7 @@
                   <a:srgbClr val="000000"/>
                 </a:solidFill>
                 <a:latin typeface="Calibri Light"/>
+                <a:ea typeface="DejaVu Sans"/>
               </a:rPr>
               <a:t>Docker images</a:t>
             </a:r>
@@ -19748,7 +19752,7 @@
       </p:sp>
       <p:pic>
         <p:nvPicPr>
-          <p:cNvPr id="361" name="Content Placeholder 3_3" descr=""/>
+          <p:cNvPr id="358" name="Content Placeholder 3_3" descr=""/>
           <p:cNvPicPr/>
           <p:nvPr/>
         </p:nvPicPr>
@@ -19759,7 +19763,7 @@
         <p:spPr>
           <a:xfrm>
             <a:off x="1379880" y="1131840"/>
-            <a:ext cx="7614720" cy="3574440"/>
+            <a:ext cx="7614360" cy="3574080"/>
           </a:xfrm>
           <a:prstGeom prst="rect">
             <a:avLst/>
@@ -19801,14 +19805,14 @@
       </p:grpSpPr>
       <p:sp>
         <p:nvSpPr>
-          <p:cNvPr id="362" name="CustomShape 1"/>
+          <p:cNvPr id="359" name="CustomShape 1"/>
           <p:cNvSpPr/>
           <p:nvPr/>
         </p:nvSpPr>
         <p:spPr>
           <a:xfrm>
             <a:off x="301680" y="284760"/>
-            <a:ext cx="4145400" cy="874800"/>
+            <a:ext cx="4145040" cy="874440"/>
           </a:xfrm>
           <a:prstGeom prst="rect">
             <a:avLst/>
@@ -19915,14 +19919,14 @@
       </p:grpSpPr>
       <p:sp>
         <p:nvSpPr>
-          <p:cNvPr id="363" name="CustomShape 1"/>
+          <p:cNvPr id="360" name="CustomShape 1"/>
           <p:cNvSpPr/>
           <p:nvPr/>
         </p:nvSpPr>
         <p:spPr>
           <a:xfrm>
             <a:off x="301680" y="284760"/>
-            <a:ext cx="4145400" cy="874800"/>
+            <a:ext cx="4145040" cy="874440"/>
           </a:xfrm>
           <a:prstGeom prst="rect">
             <a:avLst/>
@@ -19989,14 +19993,14 @@
       </p:sp>
       <p:sp>
         <p:nvSpPr>
-          <p:cNvPr id="364" name="CustomShape 2"/>
+          <p:cNvPr id="361" name="CustomShape 2"/>
           <p:cNvSpPr/>
           <p:nvPr/>
         </p:nvSpPr>
         <p:spPr>
           <a:xfrm>
             <a:off x="1774800" y="903960"/>
-            <a:ext cx="4782960" cy="4048920"/>
+            <a:ext cx="4782600" cy="4048920"/>
           </a:xfrm>
           <a:prstGeom prst="rect">
             <a:avLst/>
@@ -20390,14 +20394,14 @@
       </p:grpSpPr>
       <p:sp>
         <p:nvSpPr>
-          <p:cNvPr id="365" name="TextShape 1"/>
-          <p:cNvSpPr txBox="1"/>
+          <p:cNvPr id="362" name="CustomShape 1"/>
+          <p:cNvSpPr/>
           <p:nvPr/>
         </p:nvSpPr>
         <p:spPr>
           <a:xfrm>
             <a:off x="628200" y="273600"/>
-            <a:ext cx="7886520" cy="993960"/>
+            <a:ext cx="7886160" cy="993600"/>
           </a:xfrm>
           <a:prstGeom prst="rect">
             <a:avLst/>
@@ -20407,8 +20411,14 @@
             <a:noFill/>
           </a:ln>
         </p:spPr>
-        <p:txBody>
-          <a:bodyPr anchor="ctr">
+        <p:style>
+          <a:lnRef idx="0"/>
+          <a:fillRef idx="0"/>
+          <a:effectRef idx="0"/>
+          <a:fontRef idx="minor"/>
+        </p:style>
+        <p:txBody>
+          <a:bodyPr lIns="90000" rIns="90000" tIns="45000" bIns="45000" anchor="ctr">
             <a:noAutofit/>
           </a:bodyPr>
           <a:p>
@@ -20426,25 +20436,22 @@
               </a:rPr>
               <a:t>Docker Hub Signup</a:t>
             </a:r>
-            <a:endParaRPr b="0" lang="sv-SE" sz="4400" spc="-1" strike="noStrike">
-              <a:solidFill>
-                <a:srgbClr val="000000"/>
-              </a:solidFill>
-              <a:latin typeface="Calibri"/>
-            </a:endParaRPr>
-          </a:p>
-        </p:txBody>
-      </p:sp>
-      <p:sp>
-        <p:nvSpPr>
-          <p:cNvPr id="366" name="TextShape 2"/>
-          <p:cNvSpPr txBox="1"/>
+            <a:endParaRPr b="0" lang="en-US" sz="4400" spc="-1" strike="noStrike">
+              <a:latin typeface="Arial"/>
+            </a:endParaRPr>
+          </a:p>
+        </p:txBody>
+      </p:sp>
+      <p:sp>
+        <p:nvSpPr>
+          <p:cNvPr id="363" name="CustomShape 2"/>
+          <p:cNvSpPr/>
           <p:nvPr/>
         </p:nvSpPr>
         <p:spPr>
           <a:xfrm>
             <a:off x="628200" y="1369080"/>
-            <a:ext cx="7886520" cy="3263400"/>
+            <a:ext cx="7886160" cy="3263040"/>
           </a:xfrm>
           <a:prstGeom prst="rect">
             <a:avLst/>
@@ -20454,12 +20461,18 @@
             <a:noFill/>
           </a:ln>
         </p:spPr>
-        <p:txBody>
-          <a:bodyPr>
+        <p:style>
+          <a:lnRef idx="0"/>
+          <a:fillRef idx="0"/>
+          <a:effectRef idx="0"/>
+          <a:fontRef idx="minor"/>
+        </p:style>
+        <p:txBody>
+          <a:bodyPr lIns="90000" rIns="90000" tIns="45000" bIns="45000">
             <a:noAutofit/>
           </a:bodyPr>
           <a:p>
-            <a:pPr marL="228600" indent="-228240">
+            <a:pPr marL="228600" indent="-227880">
               <a:lnSpc>
                 <a:spcPct val="90000"/>
               </a:lnSpc>
@@ -20475,7 +20488,7 @@
             <a:r>
               <a:rPr b="0" lang="sv-SE" sz="2800" spc="-1" strike="noStrike" u="sng">
                 <a:solidFill>
-                  <a:srgbClr val="0563c1"/>
+                  <a:srgbClr val="1aaaf7"/>
                 </a:solidFill>
                 <a:uFillTx/>
                 <a:latin typeface="Calibri"/>
@@ -20486,7 +20499,7 @@
             <a:r>
               <a:rPr b="0" lang="sv-SE" sz="2800" spc="-1" strike="noStrike" u="sng">
                 <a:solidFill>
-                  <a:srgbClr val="0563c1"/>
+                  <a:srgbClr val="1aaaf7"/>
                 </a:solidFill>
                 <a:uFillTx/>
                 <a:latin typeface="Calibri"/>
@@ -20494,11 +20507,8 @@
               </a:rPr>
               <a:t>/</a:t>
             </a:r>
-            <a:endParaRPr b="0" lang="sv-SE" sz="2800" spc="-1" strike="noStrike">
-              <a:solidFill>
-                <a:srgbClr val="000000"/>
-              </a:solidFill>
-              <a:latin typeface="Calibri"/>
+            <a:endParaRPr b="0" lang="en-US" sz="2800" spc="-1" strike="noStrike">
+              <a:latin typeface="Arial"/>
             </a:endParaRPr>
           </a:p>
           <a:p>
@@ -20510,18 +20520,15 @@
                 <a:spcPts val="1001"/>
               </a:spcBef>
             </a:pPr>
-            <a:endParaRPr b="0" lang="sv-SE" sz="2800" spc="-1" strike="noStrike">
-              <a:solidFill>
-                <a:srgbClr val="000000"/>
-              </a:solidFill>
-              <a:latin typeface="Calibri"/>
+            <a:endParaRPr b="0" lang="en-US" sz="2800" spc="-1" strike="noStrike">
+              <a:latin typeface="Arial"/>
             </a:endParaRPr>
           </a:p>
         </p:txBody>
       </p:sp>
       <p:pic>
         <p:nvPicPr>
-          <p:cNvPr id="367" name="Picture 3_1" descr=""/>
+          <p:cNvPr id="364" name="Picture 3_1" descr=""/>
           <p:cNvPicPr/>
           <p:nvPr/>
         </p:nvPicPr>
@@ -20532,7 +20539,7 @@
         <p:spPr>
           <a:xfrm>
             <a:off x="628200" y="1815480"/>
-            <a:ext cx="7290000" cy="3220560"/>
+            <a:ext cx="7289640" cy="3220200"/>
           </a:xfrm>
           <a:prstGeom prst="rect">
             <a:avLst/>
@@ -20574,14 +20581,14 @@
       </p:grpSpPr>
       <p:sp>
         <p:nvSpPr>
-          <p:cNvPr id="222" name="CustomShape 1"/>
+          <p:cNvPr id="219" name="CustomShape 1"/>
           <p:cNvSpPr/>
           <p:nvPr/>
         </p:nvSpPr>
         <p:spPr>
           <a:xfrm>
             <a:off x="758880" y="1328400"/>
-            <a:ext cx="5748120" cy="2450160"/>
+            <a:ext cx="5747760" cy="2450160"/>
           </a:xfrm>
           <a:prstGeom prst="rect">
             <a:avLst/>
@@ -20758,14 +20765,14 @@
       </p:grpSpPr>
       <p:sp>
         <p:nvSpPr>
-          <p:cNvPr id="368" name="TextShape 1"/>
-          <p:cNvSpPr txBox="1"/>
+          <p:cNvPr id="365" name="CustomShape 1"/>
+          <p:cNvSpPr/>
           <p:nvPr/>
         </p:nvSpPr>
         <p:spPr>
           <a:xfrm>
             <a:off x="628200" y="273600"/>
-            <a:ext cx="7886520" cy="993960"/>
+            <a:ext cx="7886160" cy="993600"/>
           </a:xfrm>
           <a:prstGeom prst="rect">
             <a:avLst/>
@@ -20775,8 +20782,14 @@
             <a:noFill/>
           </a:ln>
         </p:spPr>
-        <p:txBody>
-          <a:bodyPr anchor="ctr">
+        <p:style>
+          <a:lnRef idx="0"/>
+          <a:fillRef idx="0"/>
+          <a:effectRef idx="0"/>
+          <a:fontRef idx="minor"/>
+        </p:style>
+        <p:txBody>
+          <a:bodyPr lIns="90000" rIns="90000" tIns="45000" bIns="45000" anchor="ctr">
             <a:noAutofit/>
           </a:bodyPr>
           <a:p>
@@ -20794,18 +20807,15 @@
               </a:rPr>
               <a:t>Docker Hub Sign In</a:t>
             </a:r>
-            <a:endParaRPr b="0" lang="sv-SE" sz="4400" spc="-1" strike="noStrike">
-              <a:solidFill>
-                <a:srgbClr val="000000"/>
-              </a:solidFill>
-              <a:latin typeface="Calibri"/>
+            <a:endParaRPr b="0" lang="en-US" sz="4400" spc="-1" strike="noStrike">
+              <a:latin typeface="Arial"/>
             </a:endParaRPr>
           </a:p>
         </p:txBody>
       </p:sp>
       <p:pic>
         <p:nvPicPr>
-          <p:cNvPr id="369" name="Content Placeholder 3_4" descr=""/>
+          <p:cNvPr id="366" name="Content Placeholder 3_4" descr=""/>
           <p:cNvPicPr/>
           <p:nvPr/>
         </p:nvPicPr>
@@ -20816,7 +20826,7 @@
         <p:spPr>
           <a:xfrm>
             <a:off x="1031760" y="1369080"/>
-            <a:ext cx="5342400" cy="3263400"/>
+            <a:ext cx="5342040" cy="3263040"/>
           </a:xfrm>
           <a:prstGeom prst="rect">
             <a:avLst/>
@@ -20858,14 +20868,14 @@
       </p:grpSpPr>
       <p:sp>
         <p:nvSpPr>
-          <p:cNvPr id="370" name="TextShape 1"/>
-          <p:cNvSpPr txBox="1"/>
+          <p:cNvPr id="367" name="CustomShape 1"/>
+          <p:cNvSpPr/>
           <p:nvPr/>
         </p:nvSpPr>
         <p:spPr>
           <a:xfrm>
             <a:off x="628200" y="273600"/>
-            <a:ext cx="7886520" cy="993960"/>
+            <a:ext cx="7886160" cy="993600"/>
           </a:xfrm>
           <a:prstGeom prst="rect">
             <a:avLst/>
@@ -20875,8 +20885,14 @@
             <a:noFill/>
           </a:ln>
         </p:spPr>
-        <p:txBody>
-          <a:bodyPr anchor="ctr">
+        <p:style>
+          <a:lnRef idx="0"/>
+          <a:fillRef idx="0"/>
+          <a:effectRef idx="0"/>
+          <a:fontRef idx="minor"/>
+        </p:style>
+        <p:txBody>
+          <a:bodyPr lIns="90000" rIns="90000" tIns="45000" bIns="45000" anchor="ctr">
             <a:noAutofit/>
           </a:bodyPr>
           <a:p>
@@ -20894,18 +20910,15 @@
               </a:rPr>
               <a:t>Login Screen</a:t>
             </a:r>
-            <a:endParaRPr b="0" lang="sv-SE" sz="4400" spc="-1" strike="noStrike">
-              <a:solidFill>
-                <a:srgbClr val="000000"/>
-              </a:solidFill>
-              <a:latin typeface="Calibri"/>
+            <a:endParaRPr b="0" lang="en-US" sz="4400" spc="-1" strike="noStrike">
+              <a:latin typeface="Arial"/>
             </a:endParaRPr>
           </a:p>
         </p:txBody>
       </p:sp>
       <p:pic>
         <p:nvPicPr>
-          <p:cNvPr id="371" name="Content Placeholder 3_5" descr=""/>
+          <p:cNvPr id="368" name="Content Placeholder 3_5" descr=""/>
           <p:cNvPicPr/>
           <p:nvPr/>
         </p:nvPicPr>
@@ -20916,7 +20929,7 @@
         <p:spPr>
           <a:xfrm>
             <a:off x="628200" y="1441800"/>
-            <a:ext cx="7886520" cy="3117960"/>
+            <a:ext cx="7886160" cy="3117600"/>
           </a:xfrm>
           <a:prstGeom prst="rect">
             <a:avLst/>
@@ -20958,14 +20971,14 @@
       </p:grpSpPr>
       <p:sp>
         <p:nvSpPr>
-          <p:cNvPr id="372" name="CustomShape 1"/>
+          <p:cNvPr id="369" name="CustomShape 1"/>
           <p:cNvSpPr/>
           <p:nvPr/>
         </p:nvSpPr>
         <p:spPr>
           <a:xfrm>
             <a:off x="208800" y="331560"/>
-            <a:ext cx="8724960" cy="481680"/>
+            <a:ext cx="8724600" cy="481320"/>
           </a:xfrm>
           <a:prstGeom prst="rect">
             <a:avLst/>
@@ -20984,7 +20997,7 @@
       </p:sp>
       <p:sp>
         <p:nvSpPr>
-          <p:cNvPr id="373" name="CustomShape 2"/>
+          <p:cNvPr id="370" name="CustomShape 2"/>
           <p:cNvSpPr/>
           <p:nvPr/>
         </p:nvSpPr>
@@ -21365,14 +21378,14 @@
       </p:grpSpPr>
       <p:sp>
         <p:nvSpPr>
-          <p:cNvPr id="374" name="CustomShape 1"/>
+          <p:cNvPr id="371" name="CustomShape 1"/>
           <p:cNvSpPr/>
           <p:nvPr/>
         </p:nvSpPr>
         <p:spPr>
           <a:xfrm>
             <a:off x="1440" y="0"/>
-            <a:ext cx="9140040" cy="5142240"/>
+            <a:ext cx="9139680" cy="5141880"/>
           </a:xfrm>
           <a:prstGeom prst="rect">
             <a:avLst/>
@@ -21396,14 +21409,14 @@
       </p:sp>
       <p:sp>
         <p:nvSpPr>
-          <p:cNvPr id="375" name="CustomShape 2"/>
+          <p:cNvPr id="372" name="CustomShape 2"/>
           <p:cNvSpPr/>
           <p:nvPr/>
         </p:nvSpPr>
         <p:spPr>
           <a:xfrm>
             <a:off x="0" y="0"/>
-            <a:ext cx="4174920" cy="5142240"/>
+            <a:ext cx="4174560" cy="5141880"/>
           </a:xfrm>
           <a:prstGeom prst="rect">
             <a:avLst/>
@@ -21427,14 +21440,14 @@
       </p:sp>
       <p:sp>
         <p:nvSpPr>
-          <p:cNvPr id="376" name="CustomShape 3"/>
+          <p:cNvPr id="373" name="CustomShape 3"/>
           <p:cNvSpPr/>
           <p:nvPr/>
         </p:nvSpPr>
         <p:spPr>
           <a:xfrm>
             <a:off x="3100680" y="1155240"/>
-            <a:ext cx="2941560" cy="2467800"/>
+            <a:ext cx="2941200" cy="2467440"/>
           </a:xfrm>
           <a:prstGeom prst="rect">
             <a:avLst/>
@@ -21488,14 +21501,14 @@
       </p:grpSpPr>
       <p:sp>
         <p:nvSpPr>
-          <p:cNvPr id="223" name="CustomShape 1"/>
+          <p:cNvPr id="220" name="CustomShape 1"/>
           <p:cNvSpPr/>
           <p:nvPr/>
         </p:nvSpPr>
         <p:spPr>
           <a:xfrm>
             <a:off x="5149800" y="3922920"/>
-            <a:ext cx="3170880" cy="693360"/>
+            <a:ext cx="3170520" cy="693000"/>
           </a:xfrm>
           <a:prstGeom prst="rect">
             <a:avLst/>
@@ -21514,14 +21527,14 @@
       </p:sp>
       <p:sp>
         <p:nvSpPr>
-          <p:cNvPr id="224" name="CustomShape 2"/>
+          <p:cNvPr id="221" name="CustomShape 2"/>
           <p:cNvSpPr/>
           <p:nvPr/>
         </p:nvSpPr>
         <p:spPr>
           <a:xfrm>
             <a:off x="442440" y="1371600"/>
-            <a:ext cx="7055280" cy="3029760"/>
+            <a:ext cx="7054920" cy="3029400"/>
           </a:xfrm>
           <a:prstGeom prst="rect">
             <a:avLst/>
@@ -21549,7 +21562,11 @@
             </a:pPr>
             <a:r>
               <a:rPr b="0" lang="en-US" sz="1000" spc="-1" strike="noStrike">
-                <a:latin typeface="Arial"/>
+                <a:solidFill>
+                  <a:srgbClr val="000000"/>
+                </a:solidFill>
+                <a:latin typeface="Arial"/>
+                <a:ea typeface="DejaVu Sans"/>
               </a:rPr>
               <a:t>Docker is an open platform for developing, shipping, and running applications</a:t>
             </a:r>
@@ -21565,7 +21582,11 @@
             </a:pPr>
             <a:r>
               <a:rPr b="0" lang="en-US" sz="1000" spc="-1" strike="noStrike">
-                <a:latin typeface="Arial"/>
+                <a:solidFill>
+                  <a:srgbClr val="000000"/>
+                </a:solidFill>
+                <a:latin typeface="Arial"/>
+                <a:ea typeface="DejaVu Sans"/>
               </a:rPr>
               <a:t>Docker enables you to separate your applications from your infrastructure so you can deliver software quickly</a:t>
             </a:r>
@@ -21581,7 +21602,11 @@
             </a:pPr>
             <a:r>
               <a:rPr b="0" lang="en-US" sz="1000" spc="-1" strike="noStrike">
-                <a:latin typeface="Arial"/>
+                <a:solidFill>
+                  <a:srgbClr val="000000"/>
+                </a:solidFill>
+                <a:latin typeface="Arial"/>
+                <a:ea typeface="DejaVu Sans"/>
               </a:rPr>
               <a:t>With Docker, you can manage your infrastructure in the same ways you manage your applications</a:t>
             </a:r>
@@ -21597,7 +21622,11 @@
             </a:pPr>
             <a:r>
               <a:rPr b="0" lang="en-US" sz="1000" spc="-1" strike="noStrike">
-                <a:latin typeface="Arial"/>
+                <a:solidFill>
+                  <a:srgbClr val="000000"/>
+                </a:solidFill>
+                <a:latin typeface="Arial"/>
+                <a:ea typeface="DejaVu Sans"/>
               </a:rPr>
               <a:t>Docker provides the ability to package and run an application in a loosely isolated environment called a container</a:t>
             </a:r>
@@ -21613,7 +21642,11 @@
             </a:pPr>
             <a:r>
               <a:rPr b="0" lang="en-US" sz="1000" spc="-1" strike="noStrike">
-                <a:latin typeface="Arial"/>
+                <a:solidFill>
+                  <a:srgbClr val="000000"/>
+                </a:solidFill>
+                <a:latin typeface="Arial"/>
+                <a:ea typeface="DejaVu Sans"/>
               </a:rPr>
               <a:t>The isolation and security allows you to run many containers simultaneously on a given host. </a:t>
             </a:r>
@@ -21629,7 +21662,11 @@
             </a:pPr>
             <a:r>
               <a:rPr b="0" lang="en-US" sz="1000" spc="-1" strike="noStrike">
-                <a:latin typeface="Arial"/>
+                <a:solidFill>
+                  <a:srgbClr val="000000"/>
+                </a:solidFill>
+                <a:latin typeface="Arial"/>
+                <a:ea typeface="DejaVu Sans"/>
               </a:rPr>
               <a:t>Containers are lightweight and contain everything needed to run the application, so you do not need to rely on what is currently installed on the host. </a:t>
             </a:r>
@@ -21645,7 +21682,11 @@
             </a:pPr>
             <a:r>
               <a:rPr b="0" lang="en-US" sz="1000" spc="-1" strike="noStrike">
-                <a:latin typeface="Arial"/>
+                <a:solidFill>
+                  <a:srgbClr val="000000"/>
+                </a:solidFill>
+                <a:latin typeface="Arial"/>
+                <a:ea typeface="DejaVu Sans"/>
               </a:rPr>
               <a:t>You can easily share containers while you work, and be sure that everyone you share with gets the same container that works in the same way.</a:t>
             </a:r>
@@ -21657,14 +21698,14 @@
       </p:sp>
       <p:sp>
         <p:nvSpPr>
-          <p:cNvPr id="225" name="CustomShape 3"/>
+          <p:cNvPr id="222" name="CustomShape 3"/>
           <p:cNvSpPr/>
           <p:nvPr/>
         </p:nvSpPr>
         <p:spPr>
           <a:xfrm>
             <a:off x="418320" y="607320"/>
-            <a:ext cx="6713640" cy="489600"/>
+            <a:ext cx="6713280" cy="489240"/>
           </a:xfrm>
           <a:prstGeom prst="rect">
             <a:avLst/>
@@ -21696,6 +21737,7 @@
                   <a:srgbClr val="3e3e3e"/>
                 </a:solidFill>
                 <a:latin typeface="Tahoma"/>
+                <a:ea typeface="DejaVu Sans"/>
               </a:rPr>
               <a:t>What is docker</a:t>
             </a:r>
@@ -21737,14 +21779,14 @@
       </p:grpSpPr>
       <p:sp>
         <p:nvSpPr>
-          <p:cNvPr id="226" name="CustomShape 1"/>
+          <p:cNvPr id="223" name="CustomShape 1"/>
           <p:cNvSpPr/>
           <p:nvPr/>
         </p:nvSpPr>
         <p:spPr>
           <a:xfrm>
             <a:off x="171000" y="822960"/>
-            <a:ext cx="8826120" cy="2327040"/>
+            <a:ext cx="8825760" cy="2326680"/>
           </a:xfrm>
           <a:prstGeom prst="rect">
             <a:avLst/>
@@ -21772,7 +21814,11 @@
             </a:pPr>
             <a:r>
               <a:rPr b="0" lang="en-US" sz="1000" spc="-1" strike="noStrike">
-                <a:latin typeface="Arial"/>
+                <a:solidFill>
+                  <a:srgbClr val="000000"/>
+                </a:solidFill>
+                <a:latin typeface="Arial"/>
+                <a:ea typeface="DejaVu Sans"/>
               </a:rPr>
               <a:t>Docker provides tooling and a platform to manage the lifecycle of your containers:</a:t>
             </a:r>
@@ -21788,7 +21834,11 @@
             </a:pPr>
             <a:r>
               <a:rPr b="0" lang="en-US" sz="1000" spc="-1" strike="noStrike">
-                <a:latin typeface="Arial"/>
+                <a:solidFill>
+                  <a:srgbClr val="000000"/>
+                </a:solidFill>
+                <a:latin typeface="Arial"/>
+                <a:ea typeface="DejaVu Sans"/>
               </a:rPr>
               <a:t>Develop your application and its supporting components using containers.</a:t>
             </a:r>
@@ -21804,7 +21854,11 @@
             </a:pPr>
             <a:r>
               <a:rPr b="0" lang="en-US" sz="1000" spc="-1" strike="noStrike">
-                <a:latin typeface="Arial"/>
+                <a:solidFill>
+                  <a:srgbClr val="000000"/>
+                </a:solidFill>
+                <a:latin typeface="Arial"/>
+                <a:ea typeface="DejaVu Sans"/>
               </a:rPr>
               <a:t>The container becomes the unit for distributing and testing your application.</a:t>
             </a:r>
@@ -21820,7 +21874,11 @@
             </a:pPr>
             <a:r>
               <a:rPr b="0" lang="en-US" sz="1000" spc="-1" strike="noStrike">
-                <a:latin typeface="Arial"/>
+                <a:solidFill>
+                  <a:srgbClr val="000000"/>
+                </a:solidFill>
+                <a:latin typeface="Arial"/>
+                <a:ea typeface="DejaVu Sans"/>
               </a:rPr>
               <a:t>When you’re ready, deploy your application into your production environment, as a container or an orchestrated service. </a:t>
             </a:r>
@@ -21836,7 +21894,11 @@
             </a:pPr>
             <a:r>
               <a:rPr b="0" lang="en-US" sz="1000" spc="-1" strike="noStrike">
-                <a:latin typeface="Arial"/>
+                <a:solidFill>
+                  <a:srgbClr val="000000"/>
+                </a:solidFill>
+                <a:latin typeface="Arial"/>
+                <a:ea typeface="DejaVu Sans"/>
               </a:rPr>
               <a:t>This works the same whether your production environment is a local data center, a cloud provider, or a hybrid of the two.</a:t>
             </a:r>
@@ -21888,14 +21950,14 @@
       </p:grpSpPr>
       <p:sp>
         <p:nvSpPr>
-          <p:cNvPr id="227" name="CustomShape 1"/>
+          <p:cNvPr id="224" name="CustomShape 1"/>
           <p:cNvSpPr/>
           <p:nvPr/>
         </p:nvSpPr>
         <p:spPr>
           <a:xfrm>
             <a:off x="773280" y="453240"/>
-            <a:ext cx="6175800" cy="3951720"/>
+            <a:ext cx="6175440" cy="3951360"/>
           </a:xfrm>
           <a:prstGeom prst="rect">
             <a:avLst/>
@@ -21923,7 +21985,11 @@
             </a:pPr>
             <a:r>
               <a:rPr b="1" lang="en-US" sz="1600" spc="-1" strike="noStrike">
-                <a:latin typeface="Arial"/>
+                <a:solidFill>
+                  <a:srgbClr val="000000"/>
+                </a:solidFill>
+                <a:latin typeface="Arial"/>
+                <a:ea typeface="DejaVu Sans"/>
               </a:rPr>
               <a:t>What can I use Docker for?</a:t>
             </a:r>
@@ -21939,7 +22005,11 @@
             </a:pPr>
             <a:r>
               <a:rPr b="0" lang="en-US" sz="1000" spc="-1" strike="noStrike">
-                <a:latin typeface="Arial"/>
+                <a:solidFill>
+                  <a:srgbClr val="000000"/>
+                </a:solidFill>
+                <a:latin typeface="Arial"/>
+                <a:ea typeface="DejaVu Sans"/>
               </a:rPr>
               <a:t>Fast, consistent delivery of your applications</a:t>
             </a:r>
@@ -21955,13 +22025,21 @@
             </a:pPr>
             <a:r>
               <a:rPr b="0" lang="en-US" sz="1000" spc="-1" strike="noStrike">
-                <a:latin typeface="Arial"/>
+                <a:solidFill>
+                  <a:srgbClr val="000000"/>
+                </a:solidFill>
+                <a:latin typeface="Arial"/>
+                <a:ea typeface="DejaVu Sans"/>
               </a:rPr>
               <a:t>	</a:t>
             </a:r>
             <a:r>
               <a:rPr b="0" lang="en-US" sz="1000" spc="-1" strike="noStrike">
-                <a:latin typeface="Arial"/>
+                <a:solidFill>
+                  <a:srgbClr val="000000"/>
+                </a:solidFill>
+                <a:latin typeface="Arial"/>
+                <a:ea typeface="DejaVu Sans"/>
               </a:rPr>
               <a:t>Containers are great for continuous integration and continuous delivery (CI/CD) workflows</a:t>
             </a:r>
@@ -21977,7 +22055,11 @@
             </a:pPr>
             <a:r>
               <a:rPr b="0" lang="en-US" sz="1000" spc="-1" strike="noStrike">
-                <a:latin typeface="Arial"/>
+                <a:solidFill>
+                  <a:srgbClr val="000000"/>
+                </a:solidFill>
+                <a:latin typeface="Arial"/>
+                <a:ea typeface="DejaVu Sans"/>
               </a:rPr>
               <a:t>Responsive deployment and scaling</a:t>
             </a:r>
@@ -21993,25 +22075,41 @@
             </a:pPr>
             <a:r>
               <a:rPr b="0" lang="en-US" sz="1000" spc="-1" strike="noStrike">
-                <a:latin typeface="Arial"/>
+                <a:solidFill>
+                  <a:srgbClr val="000000"/>
+                </a:solidFill>
+                <a:latin typeface="Arial"/>
+                <a:ea typeface="DejaVu Sans"/>
               </a:rPr>
               <a:t>	</a:t>
             </a:r>
             <a:r>
               <a:rPr b="0" lang="en-US" sz="1000" spc="-1" strike="noStrike">
-                <a:latin typeface="Arial"/>
+                <a:solidFill>
+                  <a:srgbClr val="000000"/>
+                </a:solidFill>
+                <a:latin typeface="Arial"/>
+                <a:ea typeface="DejaVu Sans"/>
               </a:rPr>
               <a:t>Docker’s portability and lightweight nature also make it easy to dynamically manage workloads, </a:t>
             </a:r>
             <a:r>
               <a:rPr b="0" lang="en-US" sz="1000" spc="-1" strike="noStrike">
-                <a:latin typeface="Arial"/>
+                <a:solidFill>
+                  <a:srgbClr val="000000"/>
+                </a:solidFill>
+                <a:latin typeface="Arial"/>
+                <a:ea typeface="DejaVu Sans"/>
               </a:rPr>
               <a:t>	</a:t>
             </a:r>
             <a:r>
               <a:rPr b="0" lang="en-US" sz="1000" spc="-1" strike="noStrike">
-                <a:latin typeface="Arial"/>
+                <a:solidFill>
+                  <a:srgbClr val="000000"/>
+                </a:solidFill>
+                <a:latin typeface="Arial"/>
+                <a:ea typeface="DejaVu Sans"/>
               </a:rPr>
               <a:t>scaling up or tearing down applications and services as business needs dictate, in near real time.</a:t>
             </a:r>
@@ -22027,7 +22125,11 @@
             </a:pPr>
             <a:r>
               <a:rPr b="0" lang="en-US" sz="1000" spc="-1" strike="noStrike">
-                <a:latin typeface="Arial"/>
+                <a:solidFill>
+                  <a:srgbClr val="000000"/>
+                </a:solidFill>
+                <a:latin typeface="Arial"/>
+                <a:ea typeface="DejaVu Sans"/>
               </a:rPr>
               <a:t>Running more workloads on the same hardware</a:t>
             </a:r>
@@ -22043,13 +22145,21 @@
             </a:pPr>
             <a:r>
               <a:rPr b="0" lang="en-US" sz="1000" spc="-1" strike="noStrike">
-                <a:latin typeface="Arial"/>
+                <a:solidFill>
+                  <a:srgbClr val="000000"/>
+                </a:solidFill>
+                <a:latin typeface="Arial"/>
+                <a:ea typeface="DejaVu Sans"/>
               </a:rPr>
               <a:t>	</a:t>
             </a:r>
             <a:r>
               <a:rPr b="0" lang="en-US" sz="1000" spc="-1" strike="noStrike">
-                <a:latin typeface="Arial"/>
+                <a:solidFill>
+                  <a:srgbClr val="000000"/>
+                </a:solidFill>
+                <a:latin typeface="Arial"/>
+                <a:ea typeface="DejaVu Sans"/>
               </a:rPr>
               <a:t>Docker is lightweight and fast. It provides a viable, cost-effective alternative to hypervisor-based virtual machines, so you can use more of your compute capacity to achieve your business goals</a:t>
             </a:r>
@@ -22111,7 +22221,7 @@
       </p:grpSpPr>
       <p:pic>
         <p:nvPicPr>
-          <p:cNvPr id="228" name="" descr=""/>
+          <p:cNvPr id="225" name="" descr=""/>
           <p:cNvPicPr/>
           <p:nvPr/>
         </p:nvPicPr>
@@ -22122,7 +22232,7 @@
         <p:spPr>
           <a:xfrm>
             <a:off x="457200" y="914400"/>
-            <a:ext cx="7772040" cy="4059360"/>
+            <a:ext cx="7771680" cy="4059000"/>
           </a:xfrm>
           <a:prstGeom prst="rect">
             <a:avLst/>
@@ -22134,14 +22244,14 @@
       </p:pic>
       <p:sp>
         <p:nvSpPr>
-          <p:cNvPr id="229" name="CustomShape 1"/>
+          <p:cNvPr id="226" name="CustomShape 1"/>
           <p:cNvSpPr/>
           <p:nvPr/>
         </p:nvSpPr>
         <p:spPr>
           <a:xfrm>
             <a:off x="567720" y="274320"/>
-            <a:ext cx="2083680" cy="735120"/>
+            <a:ext cx="2083320" cy="734760"/>
           </a:xfrm>
           <a:prstGeom prst="rect">
             <a:avLst/>
@@ -22169,7 +22279,11 @@
             </a:pPr>
             <a:r>
               <a:rPr b="1" lang="en-US" sz="1600" spc="-1" strike="noStrike">
-                <a:latin typeface="Arial"/>
+                <a:solidFill>
+                  <a:srgbClr val="000000"/>
+                </a:solidFill>
+                <a:latin typeface="Arial"/>
+                <a:ea typeface="DejaVu Sans"/>
               </a:rPr>
               <a:t>Docker architecture</a:t>
             </a:r>
@@ -22221,14 +22335,14 @@
       </p:grpSpPr>
       <p:sp>
         <p:nvSpPr>
-          <p:cNvPr id="230" name="CustomShape 1"/>
+          <p:cNvPr id="227" name="CustomShape 1"/>
           <p:cNvSpPr/>
           <p:nvPr/>
         </p:nvSpPr>
         <p:spPr>
           <a:xfrm>
             <a:off x="91440" y="91440"/>
-            <a:ext cx="8412120" cy="5051880"/>
+            <a:ext cx="8411760" cy="5051520"/>
           </a:xfrm>
           <a:prstGeom prst="rect">
             <a:avLst/>
@@ -22266,7 +22380,11 @@
             </a:pPr>
             <a:r>
               <a:rPr b="1" lang="en-US" sz="1200" spc="-1" strike="noStrike">
-                <a:latin typeface="Arial"/>
+                <a:solidFill>
+                  <a:srgbClr val="000000"/>
+                </a:solidFill>
+                <a:latin typeface="Arial"/>
+                <a:ea typeface="DejaVu Sans"/>
               </a:rPr>
               <a:t>The Docker daemon</a:t>
             </a:r>
@@ -22292,7 +22410,11 @@
             </a:pPr>
             <a:r>
               <a:rPr b="0" lang="en-US" sz="1000" spc="-1" strike="noStrike">
-                <a:latin typeface="Arial"/>
+                <a:solidFill>
+                  <a:srgbClr val="000000"/>
+                </a:solidFill>
+                <a:latin typeface="Arial"/>
+                <a:ea typeface="DejaVu Sans"/>
               </a:rPr>
               <a:t>The Docker daemon (dockerd) listens for Docker API requests and manages Docker objects such as images, containers, networks, and volumes. A daemon can also communicate with other daemons to manage Docker services.</a:t>
             </a:r>
@@ -22318,7 +22440,11 @@
             </a:pPr>
             <a:r>
               <a:rPr b="1" lang="en-US" sz="1200" spc="-1" strike="noStrike">
-                <a:latin typeface="Arial"/>
+                <a:solidFill>
+                  <a:srgbClr val="000000"/>
+                </a:solidFill>
+                <a:latin typeface="Arial"/>
+                <a:ea typeface="DejaVu Sans"/>
               </a:rPr>
               <a:t>The Docker client</a:t>
             </a:r>
@@ -22344,7 +22470,11 @@
             </a:pPr>
             <a:r>
               <a:rPr b="0" lang="en-US" sz="1000" spc="-1" strike="noStrike">
-                <a:latin typeface="Arial"/>
+                <a:solidFill>
+                  <a:srgbClr val="000000"/>
+                </a:solidFill>
+                <a:latin typeface="Arial"/>
+                <a:ea typeface="DejaVu Sans"/>
               </a:rPr>
               <a:t>The Docker client (docker) is the primary way that many Docker users interact with Docker. When you use commands such as docker run, the client sends these commands to dockerd, which carries them out. The docker command uses the Docker API. The Docker client can communicate with more than one daemon.</a:t>
             </a:r>
@@ -22370,7 +22500,11 @@
             </a:pPr>
             <a:r>
               <a:rPr b="1" lang="en-US" sz="1200" spc="-1" strike="noStrike">
-                <a:latin typeface="Arial"/>
+                <a:solidFill>
+                  <a:srgbClr val="000000"/>
+                </a:solidFill>
+                <a:latin typeface="Arial"/>
+                <a:ea typeface="DejaVu Sans"/>
               </a:rPr>
               <a:t>Docker Desktop</a:t>
             </a:r>
@@ -22396,7 +22530,11 @@
             </a:pPr>
             <a:r>
               <a:rPr b="0" lang="en-US" sz="1000" spc="-1" strike="noStrike">
-                <a:latin typeface="Arial"/>
+                <a:solidFill>
+                  <a:srgbClr val="000000"/>
+                </a:solidFill>
+                <a:latin typeface="Arial"/>
+                <a:ea typeface="DejaVu Sans"/>
               </a:rPr>
               <a:t>Docker Desktop is an easy-to-install application for your Mac or Windows environment that enables you to build and share containerized applications and microservices. Docker Desktop includes the Docker daemon (dockerd), the Docker client (docker), Docker Compose, Docker Content Trust, Kubernetes, and Credential Helper. </a:t>
             </a:r>
@@ -22422,7 +22560,11 @@
             </a:pPr>
             <a:r>
               <a:rPr b="1" lang="en-US" sz="1200" spc="-1" strike="noStrike">
-                <a:latin typeface="Arial"/>
+                <a:solidFill>
+                  <a:srgbClr val="000000"/>
+                </a:solidFill>
+                <a:latin typeface="Arial"/>
+                <a:ea typeface="DejaVu Sans"/>
               </a:rPr>
               <a:t>Docker Registry</a:t>
             </a:r>
@@ -22448,7 +22590,11 @@
             </a:pPr>
             <a:r>
               <a:rPr b="0" lang="en-US" sz="1000" spc="-1" strike="noStrike">
-                <a:latin typeface="Arial"/>
+                <a:solidFill>
+                  <a:srgbClr val="000000"/>
+                </a:solidFill>
+                <a:latin typeface="Arial"/>
+                <a:ea typeface="DejaVu Sans"/>
               </a:rPr>
               <a:t>A Docker registry stores Docker images. Docker Hub is a public registry that anyone can use, and Docker is configured to look for images on Docker Hub by default. You can even run your own private registry.</a:t>
             </a:r>
@@ -22474,7 +22620,11 @@
             </a:pPr>
             <a:r>
               <a:rPr b="0" lang="en-US" sz="1000" spc="-1" strike="noStrike">
-                <a:latin typeface="Arial"/>
+                <a:solidFill>
+                  <a:srgbClr val="000000"/>
+                </a:solidFill>
+                <a:latin typeface="Arial"/>
+                <a:ea typeface="DejaVu Sans"/>
               </a:rPr>
               <a:t>When you use the docker pull or docker run commands, the required images are pulled from your configured registry. When you use the docker push command, your image is pushed to your configured registry.</a:t>
             </a:r>
@@ -22556,14 +22706,14 @@
       </p:grpSpPr>
       <p:sp>
         <p:nvSpPr>
-          <p:cNvPr id="231" name="CustomShape 1"/>
+          <p:cNvPr id="228" name="CustomShape 1"/>
           <p:cNvSpPr/>
           <p:nvPr/>
         </p:nvSpPr>
         <p:spPr>
           <a:xfrm>
             <a:off x="301680" y="236520"/>
-            <a:ext cx="4106880" cy="874800"/>
+            <a:ext cx="4106520" cy="874440"/>
           </a:xfrm>
           <a:prstGeom prst="rect">
             <a:avLst/>
@@ -22630,14 +22780,14 @@
       </p:sp>
       <p:sp>
         <p:nvSpPr>
-          <p:cNvPr id="232" name="CustomShape 2"/>
+          <p:cNvPr id="229" name="CustomShape 2"/>
           <p:cNvSpPr/>
           <p:nvPr/>
         </p:nvSpPr>
         <p:spPr>
           <a:xfrm>
             <a:off x="1266480" y="748800"/>
-            <a:ext cx="7236000" cy="3910320"/>
+            <a:ext cx="7235640" cy="3909960"/>
           </a:xfrm>
           <a:prstGeom prst="rect">
             <a:avLst/>
@@ -23315,14 +23465,14 @@
       </p:sp>
       <p:sp>
         <p:nvSpPr>
-          <p:cNvPr id="233" name="CustomShape 3"/>
+          <p:cNvPr id="230" name="CustomShape 3"/>
           <p:cNvSpPr/>
           <p:nvPr/>
         </p:nvSpPr>
         <p:spPr>
           <a:xfrm>
             <a:off x="311760" y="1803960"/>
-            <a:ext cx="763200" cy="763200"/>
+            <a:ext cx="762840" cy="762840"/>
           </a:xfrm>
           <a:prstGeom prst="rect">
             <a:avLst/>
@@ -23346,14 +23496,14 @@
       </p:sp>
       <p:sp>
         <p:nvSpPr>
-          <p:cNvPr id="234" name="CustomShape 4"/>
+          <p:cNvPr id="231" name="CustomShape 4"/>
           <p:cNvSpPr/>
           <p:nvPr/>
         </p:nvSpPr>
         <p:spPr>
           <a:xfrm>
             <a:off x="285120" y="801000"/>
-            <a:ext cx="763200" cy="763200"/>
+            <a:ext cx="762840" cy="762840"/>
           </a:xfrm>
           <a:prstGeom prst="rect">
             <a:avLst/>
@@ -23377,14 +23527,14 @@
       </p:sp>
       <p:sp>
         <p:nvSpPr>
-          <p:cNvPr id="235" name="CustomShape 5"/>
+          <p:cNvPr id="232" name="CustomShape 5"/>
           <p:cNvSpPr/>
           <p:nvPr/>
         </p:nvSpPr>
         <p:spPr>
           <a:xfrm>
             <a:off x="300960" y="2852640"/>
-            <a:ext cx="763200" cy="763200"/>
+            <a:ext cx="762840" cy="762840"/>
           </a:xfrm>
           <a:prstGeom prst="rect">
             <a:avLst/>
@@ -23408,14 +23558,14 @@
       </p:sp>
       <p:sp>
         <p:nvSpPr>
-          <p:cNvPr id="236" name="CustomShape 6"/>
+          <p:cNvPr id="233" name="CustomShape 6"/>
           <p:cNvSpPr/>
           <p:nvPr/>
         </p:nvSpPr>
         <p:spPr>
           <a:xfrm>
             <a:off x="339480" y="4024080"/>
-            <a:ext cx="730080" cy="730080"/>
+            <a:ext cx="729720" cy="729720"/>
           </a:xfrm>
           <a:prstGeom prst="rect">
             <a:avLst/>
@@ -23439,14 +23589,14 @@
       </p:sp>
       <p:sp>
         <p:nvSpPr>
-          <p:cNvPr id="237" name="CustomShape 7"/>
+          <p:cNvPr id="234" name="CustomShape 7"/>
           <p:cNvSpPr/>
           <p:nvPr/>
         </p:nvSpPr>
         <p:spPr>
           <a:xfrm>
             <a:off x="289080" y="4823640"/>
-            <a:ext cx="191160" cy="2983320"/>
+            <a:ext cx="190800" cy="2982960"/>
           </a:xfrm>
           <a:prstGeom prst="rect">
             <a:avLst/>
@@ -23475,7 +23625,7 @@
                 <a:spcPts val="6"/>
               </a:spcBef>
             </a:pPr>
-            <a:fld id="{72809A57-BB5E-4194-882D-898FAF024159}" type="slidenum">
+            <a:fld id="{7635A6EA-BF8A-4F88-8F4D-980A7193CEFB}" type="slidenum">
               <a:rPr b="0" lang="es-ES" sz="1000" spc="-1" strike="noStrike">
                 <a:solidFill>
                   <a:srgbClr val="1aaaf7"/>
